--- a/Selenium/SeleniumFromScratch.pptx
+++ b/Selenium/SeleniumFromScratch.pptx
@@ -27,6 +27,23 @@
     <p:sldId id="279" r:id="rId21"/>
     <p:sldId id="280" r:id="rId22"/>
     <p:sldId id="281" r:id="rId23"/>
+    <p:sldId id="282" r:id="rId24"/>
+    <p:sldId id="287" r:id="rId25"/>
+    <p:sldId id="283" r:id="rId26"/>
+    <p:sldId id="284" r:id="rId27"/>
+    <p:sldId id="285" r:id="rId28"/>
+    <p:sldId id="286" r:id="rId29"/>
+    <p:sldId id="288" r:id="rId30"/>
+    <p:sldId id="289" r:id="rId31"/>
+    <p:sldId id="290" r:id="rId32"/>
+    <p:sldId id="291" r:id="rId33"/>
+    <p:sldId id="292" r:id="rId34"/>
+    <p:sldId id="293" r:id="rId35"/>
+    <p:sldId id="294" r:id="rId36"/>
+    <p:sldId id="295" r:id="rId37"/>
+    <p:sldId id="296" r:id="rId38"/>
+    <p:sldId id="297" r:id="rId39"/>
+    <p:sldId id="298" r:id="rId40"/>
   </p:sldIdLst>
   <p:sldSz cx="12192000" cy="6858000"/>
   <p:notesSz cx="6858000" cy="9144000"/>
@@ -190,7 +207,7 @@
           <a:noFill/>
           <a:extLst>
             <a:ext uri="{909E8E84-426E-40dd-AFC4-6F175D3DCCD1}">
-              <a14:hiddenFill xmlns="" xmlns:a14="http://schemas.microsoft.com/office/drawing/2010/main">
+              <a14:hiddenFill xmlns:a14="http://schemas.microsoft.com/office/drawing/2010/main" xmlns="">
                 <a:solidFill>
                   <a:srgbClr val="FFFFFF"/>
                 </a:solidFill>
@@ -249,7 +266,7 @@
             </a:ln>
             <a:extLst>
               <a:ext uri="{91240B29-F687-4f45-9708-019B960494DF}">
-                <a14:hiddenLine xmlns="" xmlns:a14="http://schemas.microsoft.com/office/drawing/2010/main" w="9525">
+                <a14:hiddenLine xmlns:a14="http://schemas.microsoft.com/office/drawing/2010/main" xmlns="" w="9525">
                   <a:solidFill>
                     <a:srgbClr val="000000"/>
                   </a:solidFill>
@@ -339,7 +356,7 @@
             </a:ln>
             <a:extLst>
               <a:ext uri="{91240B29-F687-4f45-9708-019B960494DF}">
-                <a14:hiddenLine xmlns="" xmlns:a14="http://schemas.microsoft.com/office/drawing/2010/main" w="9525">
+                <a14:hiddenLine xmlns:a14="http://schemas.microsoft.com/office/drawing/2010/main" xmlns="" w="9525">
                   <a:solidFill>
                     <a:srgbClr val="000000"/>
                   </a:solidFill>
@@ -429,7 +446,7 @@
             </a:ln>
             <a:extLst>
               <a:ext uri="{91240B29-F687-4f45-9708-019B960494DF}">
-                <a14:hiddenLine xmlns="" xmlns:a14="http://schemas.microsoft.com/office/drawing/2010/main" w="9525">
+                <a14:hiddenLine xmlns:a14="http://schemas.microsoft.com/office/drawing/2010/main" xmlns="" w="9525">
                   <a:solidFill>
                     <a:srgbClr val="000000"/>
                   </a:solidFill>
@@ -463,7 +480,7 @@
             </a:ln>
             <a:extLst>
               <a:ext uri="{91240B29-F687-4f45-9708-019B960494DF}">
-                <a14:hiddenLine xmlns="" xmlns:a14="http://schemas.microsoft.com/office/drawing/2010/main" w="9525">
+                <a14:hiddenLine xmlns:a14="http://schemas.microsoft.com/office/drawing/2010/main" xmlns="" w="9525">
                   <a:solidFill>
                     <a:srgbClr val="000000"/>
                   </a:solidFill>
@@ -553,7 +570,7 @@
             </a:ln>
             <a:extLst>
               <a:ext uri="{91240B29-F687-4f45-9708-019B960494DF}">
-                <a14:hiddenLine xmlns="" xmlns:a14="http://schemas.microsoft.com/office/drawing/2010/main" w="9525">
+                <a14:hiddenLine xmlns:a14="http://schemas.microsoft.com/office/drawing/2010/main" xmlns="" w="9525">
                   <a:solidFill>
                     <a:srgbClr val="000000"/>
                   </a:solidFill>
@@ -615,7 +632,7 @@
             </a:ln>
             <a:extLst>
               <a:ext uri="{91240B29-F687-4f45-9708-019B960494DF}">
-                <a14:hiddenLine xmlns="" xmlns:a14="http://schemas.microsoft.com/office/drawing/2010/main" w="9525">
+                <a14:hiddenLine xmlns:a14="http://schemas.microsoft.com/office/drawing/2010/main" xmlns="" w="9525">
                   <a:solidFill>
                     <a:srgbClr val="000000"/>
                   </a:solidFill>
@@ -677,7 +694,7 @@
             </a:ln>
             <a:extLst>
               <a:ext uri="{91240B29-F687-4f45-9708-019B960494DF}">
-                <a14:hiddenLine xmlns="" xmlns:a14="http://schemas.microsoft.com/office/drawing/2010/main" w="9525">
+                <a14:hiddenLine xmlns:a14="http://schemas.microsoft.com/office/drawing/2010/main" xmlns="" w="9525">
                   <a:solidFill>
                     <a:srgbClr val="000000"/>
                   </a:solidFill>
@@ -767,7 +784,7 @@
             </a:ln>
             <a:extLst>
               <a:ext uri="{91240B29-F687-4f45-9708-019B960494DF}">
-                <a14:hiddenLine xmlns="" xmlns:a14="http://schemas.microsoft.com/office/drawing/2010/main" w="9525">
+                <a14:hiddenLine xmlns:a14="http://schemas.microsoft.com/office/drawing/2010/main" xmlns="" w="9525">
                   <a:solidFill>
                     <a:srgbClr val="000000"/>
                   </a:solidFill>
@@ -829,7 +846,7 @@
             </a:ln>
             <a:extLst>
               <a:ext uri="{91240B29-F687-4f45-9708-019B960494DF}">
-                <a14:hiddenLine xmlns="" xmlns:a14="http://schemas.microsoft.com/office/drawing/2010/main" w="9525">
+                <a14:hiddenLine xmlns:a14="http://schemas.microsoft.com/office/drawing/2010/main" xmlns="" w="9525">
                   <a:solidFill>
                     <a:srgbClr val="000000"/>
                   </a:solidFill>
@@ -891,7 +908,7 @@
             </a:ln>
             <a:extLst>
               <a:ext uri="{91240B29-F687-4f45-9708-019B960494DF}">
-                <a14:hiddenLine xmlns="" xmlns:a14="http://schemas.microsoft.com/office/drawing/2010/main" w="9525">
+                <a14:hiddenLine xmlns:a14="http://schemas.microsoft.com/office/drawing/2010/main" xmlns="" w="9525">
                   <a:solidFill>
                     <a:srgbClr val="000000"/>
                   </a:solidFill>
@@ -981,7 +998,7 @@
             </a:ln>
             <a:extLst>
               <a:ext uri="{91240B29-F687-4f45-9708-019B960494DF}">
-                <a14:hiddenLine xmlns="" xmlns:a14="http://schemas.microsoft.com/office/drawing/2010/main" w="9525">
+                <a14:hiddenLine xmlns:a14="http://schemas.microsoft.com/office/drawing/2010/main" xmlns="" w="9525">
                   <a:solidFill>
                     <a:srgbClr val="000000"/>
                   </a:solidFill>
@@ -1071,7 +1088,7 @@
             </a:ln>
             <a:extLst>
               <a:ext uri="{91240B29-F687-4f45-9708-019B960494DF}">
-                <a14:hiddenLine xmlns="" xmlns:a14="http://schemas.microsoft.com/office/drawing/2010/main" w="9525">
+                <a14:hiddenLine xmlns:a14="http://schemas.microsoft.com/office/drawing/2010/main" xmlns="" w="9525">
                   <a:solidFill>
                     <a:srgbClr val="000000"/>
                   </a:solidFill>
@@ -1133,7 +1150,7 @@
             </a:ln>
             <a:extLst>
               <a:ext uri="{91240B29-F687-4f45-9708-019B960494DF}">
-                <a14:hiddenLine xmlns="" xmlns:a14="http://schemas.microsoft.com/office/drawing/2010/main" w="9525">
+                <a14:hiddenLine xmlns:a14="http://schemas.microsoft.com/office/drawing/2010/main" xmlns="" w="9525">
                   <a:solidFill>
                     <a:srgbClr val="000000"/>
                   </a:solidFill>
@@ -1243,7 +1260,7 @@
             </a:ln>
             <a:extLst>
               <a:ext uri="{91240B29-F687-4f45-9708-019B960494DF}">
-                <a14:hiddenLine xmlns="" xmlns:a14="http://schemas.microsoft.com/office/drawing/2010/main" w="9525">
+                <a14:hiddenLine xmlns:a14="http://schemas.microsoft.com/office/drawing/2010/main" xmlns="" w="9525">
                   <a:solidFill>
                     <a:srgbClr val="000000"/>
                   </a:solidFill>
@@ -1305,7 +1322,7 @@
             </a:ln>
             <a:extLst>
               <a:ext uri="{91240B29-F687-4f45-9708-019B960494DF}">
-                <a14:hiddenLine xmlns="" xmlns:a14="http://schemas.microsoft.com/office/drawing/2010/main" w="9525">
+                <a14:hiddenLine xmlns:a14="http://schemas.microsoft.com/office/drawing/2010/main" xmlns="" w="9525">
                   <a:solidFill>
                     <a:srgbClr val="000000"/>
                   </a:solidFill>
@@ -1395,7 +1412,7 @@
             </a:ln>
             <a:extLst>
               <a:ext uri="{91240B29-F687-4f45-9708-019B960494DF}">
-                <a14:hiddenLine xmlns="" xmlns:a14="http://schemas.microsoft.com/office/drawing/2010/main" w="9525">
+                <a14:hiddenLine xmlns:a14="http://schemas.microsoft.com/office/drawing/2010/main" xmlns="" w="9525">
                   <a:solidFill>
                     <a:srgbClr val="000000"/>
                   </a:solidFill>
@@ -1485,7 +1502,7 @@
             </a:ln>
             <a:extLst>
               <a:ext uri="{91240B29-F687-4f45-9708-019B960494DF}">
-                <a14:hiddenLine xmlns="" xmlns:a14="http://schemas.microsoft.com/office/drawing/2010/main" w="9525">
+                <a14:hiddenLine xmlns:a14="http://schemas.microsoft.com/office/drawing/2010/main" xmlns="" w="9525">
                   <a:solidFill>
                     <a:srgbClr val="000000"/>
                   </a:solidFill>
@@ -1547,7 +1564,7 @@
             </a:ln>
             <a:extLst>
               <a:ext uri="{91240B29-F687-4f45-9708-019B960494DF}">
-                <a14:hiddenLine xmlns="" xmlns:a14="http://schemas.microsoft.com/office/drawing/2010/main" w="9525">
+                <a14:hiddenLine xmlns:a14="http://schemas.microsoft.com/office/drawing/2010/main" xmlns="" w="9525">
                   <a:solidFill>
                     <a:srgbClr val="000000"/>
                   </a:solidFill>
@@ -1637,7 +1654,7 @@
             </a:ln>
             <a:extLst>
               <a:ext uri="{91240B29-F687-4f45-9708-019B960494DF}">
-                <a14:hiddenLine xmlns="" xmlns:a14="http://schemas.microsoft.com/office/drawing/2010/main" w="9525">
+                <a14:hiddenLine xmlns:a14="http://schemas.microsoft.com/office/drawing/2010/main" xmlns="" w="9525">
                   <a:solidFill>
                     <a:srgbClr val="000000"/>
                   </a:solidFill>
@@ -1727,7 +1744,7 @@
             </a:ln>
             <a:extLst>
               <a:ext uri="{91240B29-F687-4f45-9708-019B960494DF}">
-                <a14:hiddenLine xmlns="" xmlns:a14="http://schemas.microsoft.com/office/drawing/2010/main" w="9525">
+                <a14:hiddenLine xmlns:a14="http://schemas.microsoft.com/office/drawing/2010/main" xmlns="" w="9525">
                   <a:solidFill>
                     <a:srgbClr val="000000"/>
                   </a:solidFill>
@@ -1783,7 +1800,7 @@
             </a:ln>
             <a:extLst>
               <a:ext uri="{91240B29-F687-4f45-9708-019B960494DF}">
-                <a14:hiddenLine xmlns="" xmlns:a14="http://schemas.microsoft.com/office/drawing/2010/main" w="9525">
+                <a14:hiddenLine xmlns:a14="http://schemas.microsoft.com/office/drawing/2010/main" xmlns="" w="9525">
                   <a:solidFill>
                     <a:srgbClr val="000000"/>
                   </a:solidFill>
@@ -1873,7 +1890,7 @@
             </a:ln>
             <a:extLst>
               <a:ext uri="{91240B29-F687-4f45-9708-019B960494DF}">
-                <a14:hiddenLine xmlns="" xmlns:a14="http://schemas.microsoft.com/office/drawing/2010/main" w="9525">
+                <a14:hiddenLine xmlns:a14="http://schemas.microsoft.com/office/drawing/2010/main" xmlns="" w="9525">
                   <a:solidFill>
                     <a:srgbClr val="000000"/>
                   </a:solidFill>
@@ -1929,7 +1946,7 @@
             </a:ln>
             <a:extLst>
               <a:ext uri="{91240B29-F687-4f45-9708-019B960494DF}">
-                <a14:hiddenLine xmlns="" xmlns:a14="http://schemas.microsoft.com/office/drawing/2010/main" w="9525">
+                <a14:hiddenLine xmlns:a14="http://schemas.microsoft.com/office/drawing/2010/main" xmlns="" w="9525">
                   <a:solidFill>
                     <a:srgbClr val="000000"/>
                   </a:solidFill>
@@ -2019,7 +2036,7 @@
             </a:ln>
             <a:extLst>
               <a:ext uri="{91240B29-F687-4f45-9708-019B960494DF}">
-                <a14:hiddenLine xmlns="" xmlns:a14="http://schemas.microsoft.com/office/drawing/2010/main" w="9525">
+                <a14:hiddenLine xmlns:a14="http://schemas.microsoft.com/office/drawing/2010/main" xmlns="" w="9525">
                   <a:solidFill>
                     <a:srgbClr val="000000"/>
                   </a:solidFill>
@@ -2087,7 +2104,7 @@
             </a:ln>
             <a:extLst>
               <a:ext uri="{91240B29-F687-4f45-9708-019B960494DF}">
-                <a14:hiddenLine xmlns="" xmlns:a14="http://schemas.microsoft.com/office/drawing/2010/main" w="9525">
+                <a14:hiddenLine xmlns:a14="http://schemas.microsoft.com/office/drawing/2010/main" xmlns="" w="9525">
                   <a:solidFill>
                     <a:srgbClr val="000000"/>
                   </a:solidFill>
@@ -2177,7 +2194,7 @@
             </a:ln>
             <a:extLst>
               <a:ext uri="{91240B29-F687-4f45-9708-019B960494DF}">
-                <a14:hiddenLine xmlns="" xmlns:a14="http://schemas.microsoft.com/office/drawing/2010/main" w="9525">
+                <a14:hiddenLine xmlns:a14="http://schemas.microsoft.com/office/drawing/2010/main" xmlns="" w="9525">
                   <a:solidFill>
                     <a:srgbClr val="000000"/>
                   </a:solidFill>
@@ -2245,7 +2262,7 @@
             </a:ln>
             <a:extLst>
               <a:ext uri="{91240B29-F687-4f45-9708-019B960494DF}">
-                <a14:hiddenLine xmlns="" xmlns:a14="http://schemas.microsoft.com/office/drawing/2010/main" w="9525">
+                <a14:hiddenLine xmlns:a14="http://schemas.microsoft.com/office/drawing/2010/main" xmlns="" w="9525">
                   <a:solidFill>
                     <a:srgbClr val="000000"/>
                   </a:solidFill>
@@ -2335,7 +2352,7 @@
             </a:ln>
             <a:extLst>
               <a:ext uri="{91240B29-F687-4f45-9708-019B960494DF}">
-                <a14:hiddenLine xmlns="" xmlns:a14="http://schemas.microsoft.com/office/drawing/2010/main" w="9525">
+                <a14:hiddenLine xmlns:a14="http://schemas.microsoft.com/office/drawing/2010/main" xmlns="" w="9525">
                   <a:solidFill>
                     <a:srgbClr val="000000"/>
                   </a:solidFill>
@@ -2369,7 +2386,7 @@
             </a:ln>
             <a:extLst>
               <a:ext uri="{91240B29-F687-4f45-9708-019B960494DF}">
-                <a14:hiddenLine xmlns="" xmlns:a14="http://schemas.microsoft.com/office/drawing/2010/main" w="9525">
+                <a14:hiddenLine xmlns:a14="http://schemas.microsoft.com/office/drawing/2010/main" xmlns="" w="9525">
                   <a:solidFill>
                     <a:srgbClr val="000000"/>
                   </a:solidFill>
@@ -2459,7 +2476,7 @@
             </a:ln>
             <a:extLst>
               <a:ext uri="{91240B29-F687-4f45-9708-019B960494DF}">
-                <a14:hiddenLine xmlns="" xmlns:a14="http://schemas.microsoft.com/office/drawing/2010/main" w="9525">
+                <a14:hiddenLine xmlns:a14="http://schemas.microsoft.com/office/drawing/2010/main" xmlns="" w="9525">
                   <a:solidFill>
                     <a:srgbClr val="000000"/>
                   </a:solidFill>
@@ -2521,7 +2538,7 @@
             </a:ln>
             <a:extLst>
               <a:ext uri="{91240B29-F687-4f45-9708-019B960494DF}">
-                <a14:hiddenLine xmlns="" xmlns:a14="http://schemas.microsoft.com/office/drawing/2010/main" w="9525">
+                <a14:hiddenLine xmlns:a14="http://schemas.microsoft.com/office/drawing/2010/main" xmlns="" w="9525">
                   <a:solidFill>
                     <a:srgbClr val="000000"/>
                   </a:solidFill>
@@ -2583,7 +2600,7 @@
             </a:ln>
             <a:extLst>
               <a:ext uri="{91240B29-F687-4f45-9708-019B960494DF}">
-                <a14:hiddenLine xmlns="" xmlns:a14="http://schemas.microsoft.com/office/drawing/2010/main" w="9525">
+                <a14:hiddenLine xmlns:a14="http://schemas.microsoft.com/office/drawing/2010/main" xmlns="" w="9525">
                   <a:solidFill>
                     <a:srgbClr val="000000"/>
                   </a:solidFill>
@@ -2673,7 +2690,7 @@
             </a:ln>
             <a:extLst>
               <a:ext uri="{91240B29-F687-4f45-9708-019B960494DF}">
-                <a14:hiddenLine xmlns="" xmlns:a14="http://schemas.microsoft.com/office/drawing/2010/main" w="9525">
+                <a14:hiddenLine xmlns:a14="http://schemas.microsoft.com/office/drawing/2010/main" xmlns="" w="9525">
                   <a:solidFill>
                     <a:srgbClr val="000000"/>
                   </a:solidFill>
@@ -2741,7 +2758,7 @@
             </a:ln>
             <a:extLst>
               <a:ext uri="{91240B29-F687-4f45-9708-019B960494DF}">
-                <a14:hiddenLine xmlns="" xmlns:a14="http://schemas.microsoft.com/office/drawing/2010/main" w="9525">
+                <a14:hiddenLine xmlns:a14="http://schemas.microsoft.com/office/drawing/2010/main" xmlns="" w="9525">
                   <a:solidFill>
                     <a:srgbClr val="000000"/>
                   </a:solidFill>
@@ -2803,7 +2820,7 @@
             </a:ln>
             <a:extLst>
               <a:ext uri="{91240B29-F687-4f45-9708-019B960494DF}">
-                <a14:hiddenLine xmlns="" xmlns:a14="http://schemas.microsoft.com/office/drawing/2010/main" w="9525">
+                <a14:hiddenLine xmlns:a14="http://schemas.microsoft.com/office/drawing/2010/main" xmlns="" w="9525">
                   <a:solidFill>
                     <a:srgbClr val="000000"/>
                   </a:solidFill>
@@ -2893,7 +2910,7 @@
             </a:ln>
             <a:extLst>
               <a:ext uri="{91240B29-F687-4f45-9708-019B960494DF}">
-                <a14:hiddenLine xmlns="" xmlns:a14="http://schemas.microsoft.com/office/drawing/2010/main" w="9525">
+                <a14:hiddenLine xmlns:a14="http://schemas.microsoft.com/office/drawing/2010/main" xmlns="" w="9525">
                   <a:solidFill>
                     <a:srgbClr val="000000"/>
                   </a:solidFill>
@@ -2955,7 +2972,7 @@
             </a:ln>
             <a:extLst>
               <a:ext uri="{91240B29-F687-4f45-9708-019B960494DF}">
-                <a14:hiddenLine xmlns="" xmlns:a14="http://schemas.microsoft.com/office/drawing/2010/main" w="9525">
+                <a14:hiddenLine xmlns:a14="http://schemas.microsoft.com/office/drawing/2010/main" xmlns="" w="9525">
                   <a:solidFill>
                     <a:srgbClr val="000000"/>
                   </a:solidFill>
@@ -3045,7 +3062,7 @@
             </a:ln>
             <a:extLst>
               <a:ext uri="{91240B29-F687-4f45-9708-019B960494DF}">
-                <a14:hiddenLine xmlns="" xmlns:a14="http://schemas.microsoft.com/office/drawing/2010/main" w="9525">
+                <a14:hiddenLine xmlns:a14="http://schemas.microsoft.com/office/drawing/2010/main" xmlns="" w="9525">
                   <a:solidFill>
                     <a:srgbClr val="000000"/>
                   </a:solidFill>
@@ -3107,7 +3124,7 @@
             </a:ln>
             <a:extLst>
               <a:ext uri="{91240B29-F687-4f45-9708-019B960494DF}">
-                <a14:hiddenLine xmlns="" xmlns:a14="http://schemas.microsoft.com/office/drawing/2010/main" w="9525">
+                <a14:hiddenLine xmlns:a14="http://schemas.microsoft.com/office/drawing/2010/main" xmlns="" w="9525">
                   <a:solidFill>
                     <a:srgbClr val="000000"/>
                   </a:solidFill>
@@ -3197,7 +3214,7 @@
             </a:ln>
             <a:extLst>
               <a:ext uri="{91240B29-F687-4f45-9708-019B960494DF}">
-                <a14:hiddenLine xmlns="" xmlns:a14="http://schemas.microsoft.com/office/drawing/2010/main" w="9525">
+                <a14:hiddenLine xmlns:a14="http://schemas.microsoft.com/office/drawing/2010/main" xmlns="" w="9525">
                   <a:solidFill>
                     <a:srgbClr val="000000"/>
                   </a:solidFill>
@@ -3231,7 +3248,7 @@
             </a:ln>
             <a:extLst>
               <a:ext uri="{91240B29-F687-4f45-9708-019B960494DF}">
-                <a14:hiddenLine xmlns="" xmlns:a14="http://schemas.microsoft.com/office/drawing/2010/main" w="9525">
+                <a14:hiddenLine xmlns:a14="http://schemas.microsoft.com/office/drawing/2010/main" xmlns="" w="9525">
                   <a:solidFill>
                     <a:srgbClr val="000000"/>
                   </a:solidFill>
@@ -3296,7 +3313,7 @@
             </a:ln>
             <a:extLst>
               <a:ext uri="{91240B29-F687-4f45-9708-019B960494DF}">
-                <a14:hiddenLine xmlns="" xmlns:a14="http://schemas.microsoft.com/office/drawing/2010/main" w="9525">
+                <a14:hiddenLine xmlns:a14="http://schemas.microsoft.com/office/drawing/2010/main" xmlns="" w="9525">
                   <a:solidFill>
                     <a:srgbClr val="000000"/>
                   </a:solidFill>
@@ -3386,7 +3403,7 @@
             </a:ln>
             <a:extLst>
               <a:ext uri="{91240B29-F687-4f45-9708-019B960494DF}">
-                <a14:hiddenLine xmlns="" xmlns:a14="http://schemas.microsoft.com/office/drawing/2010/main" w="9525">
+                <a14:hiddenLine xmlns:a14="http://schemas.microsoft.com/office/drawing/2010/main" xmlns="" w="9525">
                   <a:solidFill>
                     <a:srgbClr val="000000"/>
                   </a:solidFill>
@@ -3448,7 +3465,7 @@
             </a:ln>
             <a:extLst>
               <a:ext uri="{91240B29-F687-4f45-9708-019B960494DF}">
-                <a14:hiddenLine xmlns="" xmlns:a14="http://schemas.microsoft.com/office/drawing/2010/main" w="9525">
+                <a14:hiddenLine xmlns:a14="http://schemas.microsoft.com/office/drawing/2010/main" xmlns="" w="9525">
                   <a:solidFill>
                     <a:srgbClr val="000000"/>
                   </a:solidFill>
@@ -3538,7 +3555,7 @@
             </a:ln>
             <a:extLst>
               <a:ext uri="{91240B29-F687-4f45-9708-019B960494DF}">
-                <a14:hiddenLine xmlns="" xmlns:a14="http://schemas.microsoft.com/office/drawing/2010/main" w="9525">
+                <a14:hiddenLine xmlns:a14="http://schemas.microsoft.com/office/drawing/2010/main" xmlns="" w="9525">
                   <a:solidFill>
                     <a:srgbClr val="000000"/>
                   </a:solidFill>
@@ -3628,7 +3645,7 @@
             </a:ln>
             <a:extLst>
               <a:ext uri="{91240B29-F687-4f45-9708-019B960494DF}">
-                <a14:hiddenLine xmlns="" xmlns:a14="http://schemas.microsoft.com/office/drawing/2010/main" w="9525">
+                <a14:hiddenLine xmlns:a14="http://schemas.microsoft.com/office/drawing/2010/main" xmlns="" w="9525">
                   <a:solidFill>
                     <a:srgbClr val="000000"/>
                   </a:solidFill>
@@ -3693,7 +3710,7 @@
             </a:ln>
             <a:extLst>
               <a:ext uri="{91240B29-F687-4f45-9708-019B960494DF}">
-                <a14:hiddenLine xmlns="" xmlns:a14="http://schemas.microsoft.com/office/drawing/2010/main" w="9525">
+                <a14:hiddenLine xmlns:a14="http://schemas.microsoft.com/office/drawing/2010/main" xmlns="" w="9525">
                   <a:solidFill>
                     <a:srgbClr val="000000"/>
                   </a:solidFill>
@@ -3755,7 +3772,7 @@
             </a:ln>
             <a:extLst>
               <a:ext uri="{91240B29-F687-4f45-9708-019B960494DF}">
-                <a14:hiddenLine xmlns="" xmlns:a14="http://schemas.microsoft.com/office/drawing/2010/main" w="9525">
+                <a14:hiddenLine xmlns:a14="http://schemas.microsoft.com/office/drawing/2010/main" xmlns="" w="9525">
                   <a:solidFill>
                     <a:srgbClr val="000000"/>
                   </a:solidFill>
@@ -3845,7 +3862,7 @@
             </a:ln>
             <a:extLst>
               <a:ext uri="{91240B29-F687-4f45-9708-019B960494DF}">
-                <a14:hiddenLine xmlns="" xmlns:a14="http://schemas.microsoft.com/office/drawing/2010/main" w="9525">
+                <a14:hiddenLine xmlns:a14="http://schemas.microsoft.com/office/drawing/2010/main" xmlns="" w="9525">
                   <a:solidFill>
                     <a:srgbClr val="000000"/>
                   </a:solidFill>
@@ -3935,7 +3952,7 @@
             </a:ln>
             <a:extLst>
               <a:ext uri="{91240B29-F687-4f45-9708-019B960494DF}">
-                <a14:hiddenLine xmlns="" xmlns:a14="http://schemas.microsoft.com/office/drawing/2010/main" w="9525">
+                <a14:hiddenLine xmlns:a14="http://schemas.microsoft.com/office/drawing/2010/main" xmlns="" w="9525">
                   <a:solidFill>
                     <a:srgbClr val="000000"/>
                   </a:solidFill>
@@ -3997,7 +4014,7 @@
             </a:ln>
             <a:extLst>
               <a:ext uri="{91240B29-F687-4f45-9708-019B960494DF}">
-                <a14:hiddenLine xmlns="" xmlns:a14="http://schemas.microsoft.com/office/drawing/2010/main" w="9525">
+                <a14:hiddenLine xmlns:a14="http://schemas.microsoft.com/office/drawing/2010/main" xmlns="" w="9525">
                   <a:solidFill>
                     <a:srgbClr val="000000"/>
                   </a:solidFill>
@@ -4117,7 +4134,7 @@
             </a:ln>
             <a:extLst>
               <a:ext uri="{91240B29-F687-4f45-9708-019B960494DF}">
-                <a14:hiddenLine xmlns="" xmlns:a14="http://schemas.microsoft.com/office/drawing/2010/main" w="9525">
+                <a14:hiddenLine xmlns:a14="http://schemas.microsoft.com/office/drawing/2010/main" xmlns="" w="9525">
                   <a:solidFill>
                     <a:srgbClr val="000000"/>
                   </a:solidFill>
@@ -4185,7 +4202,7 @@
             </a:ln>
             <a:extLst>
               <a:ext uri="{91240B29-F687-4f45-9708-019B960494DF}">
-                <a14:hiddenLine xmlns="" xmlns:a14="http://schemas.microsoft.com/office/drawing/2010/main" w="9525">
+                <a14:hiddenLine xmlns:a14="http://schemas.microsoft.com/office/drawing/2010/main" xmlns="" w="9525">
                   <a:solidFill>
                     <a:srgbClr val="000000"/>
                   </a:solidFill>
@@ -4275,7 +4292,7 @@
             </a:ln>
             <a:extLst>
               <a:ext uri="{91240B29-F687-4f45-9708-019B960494DF}">
-                <a14:hiddenLine xmlns="" xmlns:a14="http://schemas.microsoft.com/office/drawing/2010/main" w="9525">
+                <a14:hiddenLine xmlns:a14="http://schemas.microsoft.com/office/drawing/2010/main" xmlns="" w="9525">
                   <a:solidFill>
                     <a:srgbClr val="000000"/>
                   </a:solidFill>
@@ -4415,7 +4432,7 @@
           <a:p>
             <a:fld id="{48A87A34-81AB-432B-8DAE-1953F412C126}" type="datetimeFigureOut">
               <a:rPr lang="en-US" dirty="0"/>
-              <a:t>12/6/18</a:t>
+              <a:t>12/7/2018</a:t>
             </a:fld>
             <a:endParaRPr lang="en-US" dirty="0"/>
           </a:p>
@@ -4467,7 +4484,7 @@
           <a:p>
             <a:fld id="{6D22F896-40B5-4ADD-8801-0D06FADFA095}" type="slidenum">
               <a:rPr lang="en-US" dirty="0"/>
-              <a:t>‹Nº›</a:t>
+              <a:t>‹#›</a:t>
             </a:fld>
             <a:endParaRPr lang="en-US" dirty="0"/>
           </a:p>
@@ -4677,7 +4694,7 @@
           <a:p>
             <a:fld id="{48A87A34-81AB-432B-8DAE-1953F412C126}" type="datetimeFigureOut">
               <a:rPr lang="en-US" dirty="0"/>
-              <a:t>12/6/18</a:t>
+              <a:t>12/7/2018</a:t>
             </a:fld>
             <a:endParaRPr lang="en-US" dirty="0"/>
           </a:p>
@@ -4719,7 +4736,7 @@
           <a:p>
             <a:fld id="{6D22F896-40B5-4ADD-8801-0D06FADFA095}" type="slidenum">
               <a:rPr lang="en-US" dirty="0"/>
-              <a:t>‹Nº›</a:t>
+              <a:t>‹#›</a:t>
             </a:fld>
             <a:endParaRPr lang="en-US" dirty="0"/>
           </a:p>
@@ -4868,7 +4885,7 @@
           <a:p>
             <a:fld id="{48A87A34-81AB-432B-8DAE-1953F412C126}" type="datetimeFigureOut">
               <a:rPr lang="en-US" dirty="0"/>
-              <a:t>12/6/18</a:t>
+              <a:t>12/7/2018</a:t>
             </a:fld>
             <a:endParaRPr lang="en-US" dirty="0"/>
           </a:p>
@@ -4910,7 +4927,7 @@
           <a:p>
             <a:fld id="{6D22F896-40B5-4ADD-8801-0D06FADFA095}" type="slidenum">
               <a:rPr lang="en-US" dirty="0"/>
-              <a:t>‹Nº›</a:t>
+              <a:t>‹#›</a:t>
             </a:fld>
             <a:endParaRPr lang="en-US" dirty="0"/>
           </a:p>
@@ -5126,7 +5143,7 @@
           <a:p>
             <a:fld id="{48A87A34-81AB-432B-8DAE-1953F412C126}" type="datetimeFigureOut">
               <a:rPr lang="en-US" dirty="0"/>
-              <a:t>12/6/18</a:t>
+              <a:t>12/7/2018</a:t>
             </a:fld>
             <a:endParaRPr lang="en-US" dirty="0"/>
           </a:p>
@@ -5168,7 +5185,7 @@
           <a:p>
             <a:fld id="{6D22F896-40B5-4ADD-8801-0D06FADFA095}" type="slidenum">
               <a:rPr lang="en-US" dirty="0"/>
-              <a:t>‹Nº›</a:t>
+              <a:t>‹#›</a:t>
             </a:fld>
             <a:endParaRPr lang="en-US" dirty="0"/>
           </a:p>
@@ -5555,7 +5572,7 @@
           <a:p>
             <a:fld id="{48A87A34-81AB-432B-8DAE-1953F412C126}" type="datetimeFigureOut">
               <a:rPr lang="en-US" dirty="0"/>
-              <a:t>12/6/18</a:t>
+              <a:t>12/7/2018</a:t>
             </a:fld>
             <a:endParaRPr lang="en-US" dirty="0"/>
           </a:p>
@@ -5597,7 +5614,7 @@
           <a:p>
             <a:fld id="{6D22F896-40B5-4ADD-8801-0D06FADFA095}" type="slidenum">
               <a:rPr lang="en-US" dirty="0"/>
-              <a:t>‹Nº›</a:t>
+              <a:t>‹#›</a:t>
             </a:fld>
             <a:endParaRPr lang="en-US" dirty="0"/>
           </a:p>
@@ -6096,7 +6113,7 @@
           <a:p>
             <a:fld id="{48A87A34-81AB-432B-8DAE-1953F412C126}" type="datetimeFigureOut">
               <a:rPr lang="en-US" dirty="0"/>
-              <a:t>12/6/18</a:t>
+              <a:t>12/7/2018</a:t>
             </a:fld>
             <a:endParaRPr lang="en-US" dirty="0"/>
           </a:p>
@@ -6138,7 +6155,7 @@
           <a:p>
             <a:fld id="{6D22F896-40B5-4ADD-8801-0D06FADFA095}" type="slidenum">
               <a:rPr lang="en-US" dirty="0"/>
-              <a:t>‹Nº›</a:t>
+              <a:t>‹#›</a:t>
             </a:fld>
             <a:endParaRPr lang="en-US" dirty="0"/>
           </a:p>
@@ -6811,7 +6828,7 @@
           <a:p>
             <a:fld id="{48A87A34-81AB-432B-8DAE-1953F412C126}" type="datetimeFigureOut">
               <a:rPr lang="en-US" dirty="0"/>
-              <a:t>12/6/18</a:t>
+              <a:t>12/7/2018</a:t>
             </a:fld>
             <a:endParaRPr lang="en-US" dirty="0"/>
           </a:p>
@@ -6853,7 +6870,7 @@
           <a:p>
             <a:fld id="{6D22F896-40B5-4ADD-8801-0D06FADFA095}" type="slidenum">
               <a:rPr lang="en-US" dirty="0"/>
-              <a:t>‹Nº›</a:t>
+              <a:t>‹#›</a:t>
             </a:fld>
             <a:endParaRPr lang="en-US" dirty="0"/>
           </a:p>
@@ -6976,7 +6993,7 @@
           <a:p>
             <a:fld id="{48A87A34-81AB-432B-8DAE-1953F412C126}" type="datetimeFigureOut">
               <a:rPr lang="en-US" dirty="0"/>
-              <a:t>12/6/18</a:t>
+              <a:t>12/7/2018</a:t>
             </a:fld>
             <a:endParaRPr lang="en-US" dirty="0"/>
           </a:p>
@@ -7018,7 +7035,7 @@
           <a:p>
             <a:fld id="{6D22F896-40B5-4ADD-8801-0D06FADFA095}" type="slidenum">
               <a:rPr lang="en-US" dirty="0"/>
-              <a:t>‹Nº›</a:t>
+              <a:t>‹#›</a:t>
             </a:fld>
             <a:endParaRPr lang="en-US" dirty="0"/>
           </a:p>
@@ -7151,7 +7168,7 @@
           <a:p>
             <a:fld id="{48A87A34-81AB-432B-8DAE-1953F412C126}" type="datetimeFigureOut">
               <a:rPr lang="en-US" dirty="0"/>
-              <a:t>12/6/18</a:t>
+              <a:t>12/7/2018</a:t>
             </a:fld>
             <a:endParaRPr lang="en-US" dirty="0"/>
           </a:p>
@@ -7193,7 +7210,7 @@
           <a:p>
             <a:fld id="{6D22F896-40B5-4ADD-8801-0D06FADFA095}" type="slidenum">
               <a:rPr lang="en-US" dirty="0"/>
-              <a:t>‹Nº›</a:t>
+              <a:t>‹#›</a:t>
             </a:fld>
             <a:endParaRPr lang="en-US" dirty="0"/>
           </a:p>
@@ -7316,7 +7333,7 @@
           <a:p>
             <a:fld id="{48A87A34-81AB-432B-8DAE-1953F412C126}" type="datetimeFigureOut">
               <a:rPr lang="en-US" dirty="0"/>
-              <a:t>12/6/18</a:t>
+              <a:t>12/7/2018</a:t>
             </a:fld>
             <a:endParaRPr lang="en-US" dirty="0"/>
           </a:p>
@@ -7358,7 +7375,7 @@
           <a:p>
             <a:fld id="{6D22F896-40B5-4ADD-8801-0D06FADFA095}" type="slidenum">
               <a:rPr lang="en-US" dirty="0"/>
-              <a:t>‹Nº›</a:t>
+              <a:t>‹#›</a:t>
             </a:fld>
             <a:endParaRPr lang="en-US" dirty="0"/>
           </a:p>
@@ -7561,7 +7578,7 @@
           <a:p>
             <a:fld id="{48A87A34-81AB-432B-8DAE-1953F412C126}" type="datetimeFigureOut">
               <a:rPr lang="en-US" dirty="0"/>
-              <a:t>12/6/18</a:t>
+              <a:t>12/7/2018</a:t>
             </a:fld>
             <a:endParaRPr lang="en-US" dirty="0"/>
           </a:p>
@@ -7603,7 +7620,7 @@
           <a:p>
             <a:fld id="{6D22F896-40B5-4ADD-8801-0D06FADFA095}" type="slidenum">
               <a:rPr lang="en-US" dirty="0"/>
-              <a:t>‹Nº›</a:t>
+              <a:t>‹#›</a:t>
             </a:fld>
             <a:endParaRPr lang="en-US" dirty="0"/>
           </a:p>
@@ -7788,7 +7805,7 @@
           <a:p>
             <a:fld id="{48A87A34-81AB-432B-8DAE-1953F412C126}" type="datetimeFigureOut">
               <a:rPr lang="en-US" dirty="0"/>
-              <a:t>12/6/18</a:t>
+              <a:t>12/7/2018</a:t>
             </a:fld>
             <a:endParaRPr lang="en-US" dirty="0"/>
           </a:p>
@@ -7830,7 +7847,7 @@
           <a:p>
             <a:fld id="{6D22F896-40B5-4ADD-8801-0D06FADFA095}" type="slidenum">
               <a:rPr lang="en-US" dirty="0"/>
-              <a:t>‹Nº›</a:t>
+              <a:t>‹#›</a:t>
             </a:fld>
             <a:endParaRPr lang="en-US" dirty="0"/>
           </a:p>
@@ -8164,7 +8181,7 @@
           <a:p>
             <a:fld id="{48A87A34-81AB-432B-8DAE-1953F412C126}" type="datetimeFigureOut">
               <a:rPr lang="en-US" dirty="0"/>
-              <a:t>12/6/18</a:t>
+              <a:t>12/7/2018</a:t>
             </a:fld>
             <a:endParaRPr lang="en-US" dirty="0"/>
           </a:p>
@@ -8206,7 +8223,7 @@
           <a:p>
             <a:fld id="{6D22F896-40B5-4ADD-8801-0D06FADFA095}" type="slidenum">
               <a:rPr lang="en-US" dirty="0"/>
-              <a:t>‹Nº›</a:t>
+              <a:t>‹#›</a:t>
             </a:fld>
             <a:endParaRPr lang="en-US" dirty="0"/>
           </a:p>
@@ -8277,7 +8294,7 @@
           <a:p>
             <a:fld id="{48A87A34-81AB-432B-8DAE-1953F412C126}" type="datetimeFigureOut">
               <a:rPr lang="en-US" dirty="0"/>
-              <a:t>12/6/18</a:t>
+              <a:t>12/7/2018</a:t>
             </a:fld>
             <a:endParaRPr lang="en-US" dirty="0"/>
           </a:p>
@@ -8319,7 +8336,7 @@
           <a:p>
             <a:fld id="{6D22F896-40B5-4ADD-8801-0D06FADFA095}" type="slidenum">
               <a:rPr lang="en-US" dirty="0"/>
-              <a:t>‹Nº›</a:t>
+              <a:t>‹#›</a:t>
             </a:fld>
             <a:endParaRPr lang="en-US" dirty="0"/>
           </a:p>
@@ -8367,7 +8384,7 @@
           <a:p>
             <a:fld id="{48A87A34-81AB-432B-8DAE-1953F412C126}" type="datetimeFigureOut">
               <a:rPr lang="en-US" dirty="0"/>
-              <a:t>12/6/18</a:t>
+              <a:t>12/7/2018</a:t>
             </a:fld>
             <a:endParaRPr lang="en-US" dirty="0"/>
           </a:p>
@@ -8409,7 +8426,7 @@
           <a:p>
             <a:fld id="{6D22F896-40B5-4ADD-8801-0D06FADFA095}" type="slidenum">
               <a:rPr lang="en-US" dirty="0"/>
-              <a:t>‹Nº›</a:t>
+              <a:t>‹#›</a:t>
             </a:fld>
             <a:endParaRPr lang="en-US" dirty="0"/>
           </a:p>
@@ -8611,7 +8628,7 @@
           <a:p>
             <a:fld id="{48A87A34-81AB-432B-8DAE-1953F412C126}" type="datetimeFigureOut">
               <a:rPr lang="en-US" dirty="0"/>
-              <a:t>12/6/18</a:t>
+              <a:t>12/7/2018</a:t>
             </a:fld>
             <a:endParaRPr lang="en-US" dirty="0"/>
           </a:p>
@@ -8653,7 +8670,7 @@
           <a:p>
             <a:fld id="{6D22F896-40B5-4ADD-8801-0D06FADFA095}" type="slidenum">
               <a:rPr lang="en-US" dirty="0"/>
-              <a:t>‹Nº›</a:t>
+              <a:t>‹#›</a:t>
             </a:fld>
             <a:endParaRPr lang="en-US" dirty="0"/>
           </a:p>
@@ -8886,7 +8903,7 @@
           <a:p>
             <a:fld id="{48A87A34-81AB-432B-8DAE-1953F412C126}" type="datetimeFigureOut">
               <a:rPr lang="en-US" dirty="0"/>
-              <a:t>12/6/18</a:t>
+              <a:t>12/7/2018</a:t>
             </a:fld>
             <a:endParaRPr lang="en-US" dirty="0"/>
           </a:p>
@@ -8928,7 +8945,7 @@
           <a:p>
             <a:fld id="{6D22F896-40B5-4ADD-8801-0D06FADFA095}" type="slidenum">
               <a:rPr lang="en-US" dirty="0"/>
-              <a:t>‹Nº›</a:t>
+              <a:t>‹#›</a:t>
             </a:fld>
             <a:endParaRPr lang="en-US" dirty="0"/>
           </a:p>
@@ -9004,7 +9021,7 @@
           <a:noFill/>
           <a:extLst>
             <a:ext uri="{909E8E84-426E-40dd-AFC4-6F175D3DCCD1}">
-              <a14:hiddenFill xmlns="" xmlns:a14="http://schemas.microsoft.com/office/drawing/2010/main">
+              <a14:hiddenFill xmlns:a14="http://schemas.microsoft.com/office/drawing/2010/main" xmlns="">
                 <a:solidFill>
                   <a:srgbClr val="FFFFFF"/>
                 </a:solidFill>
@@ -9078,7 +9095,7 @@
               </a:ln>
               <a:extLst>
                 <a:ext uri="{91240B29-F687-4f45-9708-019B960494DF}">
-                  <a14:hiddenLine xmlns="" xmlns:a14="http://schemas.microsoft.com/office/drawing/2010/main" w="9525">
+                  <a14:hiddenLine xmlns:a14="http://schemas.microsoft.com/office/drawing/2010/main" xmlns="" w="9525">
                     <a:solidFill>
                       <a:srgbClr val="000000"/>
                     </a:solidFill>
@@ -9168,7 +9185,7 @@
               </a:ln>
               <a:extLst>
                 <a:ext uri="{91240B29-F687-4f45-9708-019B960494DF}">
-                  <a14:hiddenLine xmlns="" xmlns:a14="http://schemas.microsoft.com/office/drawing/2010/main" w="9525">
+                  <a14:hiddenLine xmlns:a14="http://schemas.microsoft.com/office/drawing/2010/main" xmlns="" w="9525">
                     <a:solidFill>
                       <a:srgbClr val="000000"/>
                     </a:solidFill>
@@ -9258,7 +9275,7 @@
               </a:ln>
               <a:extLst>
                 <a:ext uri="{91240B29-F687-4f45-9708-019B960494DF}">
-                  <a14:hiddenLine xmlns="" xmlns:a14="http://schemas.microsoft.com/office/drawing/2010/main" w="9525">
+                  <a14:hiddenLine xmlns:a14="http://schemas.microsoft.com/office/drawing/2010/main" xmlns="" w="9525">
                     <a:solidFill>
                       <a:srgbClr val="000000"/>
                     </a:solidFill>
@@ -9320,7 +9337,7 @@
               </a:ln>
               <a:extLst>
                 <a:ext uri="{91240B29-F687-4f45-9708-019B960494DF}">
-                  <a14:hiddenLine xmlns="" xmlns:a14="http://schemas.microsoft.com/office/drawing/2010/main" w="9525">
+                  <a14:hiddenLine xmlns:a14="http://schemas.microsoft.com/office/drawing/2010/main" xmlns="" w="9525">
                     <a:solidFill>
                       <a:srgbClr val="000000"/>
                     </a:solidFill>
@@ -9410,7 +9427,7 @@
               </a:ln>
               <a:extLst>
                 <a:ext uri="{91240B29-F687-4f45-9708-019B960494DF}">
-                  <a14:hiddenLine xmlns="" xmlns:a14="http://schemas.microsoft.com/office/drawing/2010/main" w="9525">
+                  <a14:hiddenLine xmlns:a14="http://schemas.microsoft.com/office/drawing/2010/main" xmlns="" w="9525">
                     <a:solidFill>
                       <a:srgbClr val="000000"/>
                     </a:solidFill>
@@ -9472,7 +9489,7 @@
               </a:ln>
               <a:extLst>
                 <a:ext uri="{91240B29-F687-4f45-9708-019B960494DF}">
-                  <a14:hiddenLine xmlns="" xmlns:a14="http://schemas.microsoft.com/office/drawing/2010/main" w="9525">
+                  <a14:hiddenLine xmlns:a14="http://schemas.microsoft.com/office/drawing/2010/main" xmlns="" w="9525">
                     <a:solidFill>
                       <a:srgbClr val="000000"/>
                     </a:solidFill>
@@ -9534,7 +9551,7 @@
               </a:ln>
               <a:extLst>
                 <a:ext uri="{91240B29-F687-4f45-9708-019B960494DF}">
-                  <a14:hiddenLine xmlns="" xmlns:a14="http://schemas.microsoft.com/office/drawing/2010/main" w="9525">
+                  <a14:hiddenLine xmlns:a14="http://schemas.microsoft.com/office/drawing/2010/main" xmlns="" w="9525">
                     <a:solidFill>
                       <a:srgbClr val="000000"/>
                     </a:solidFill>
@@ -9624,7 +9641,7 @@
               </a:ln>
               <a:extLst>
                 <a:ext uri="{91240B29-F687-4f45-9708-019B960494DF}">
-                  <a14:hiddenLine xmlns="" xmlns:a14="http://schemas.microsoft.com/office/drawing/2010/main" w="9525">
+                  <a14:hiddenLine xmlns:a14="http://schemas.microsoft.com/office/drawing/2010/main" xmlns="" w="9525">
                     <a:solidFill>
                       <a:srgbClr val="000000"/>
                     </a:solidFill>
@@ -9714,7 +9731,7 @@
               </a:ln>
               <a:extLst>
                 <a:ext uri="{91240B29-F687-4f45-9708-019B960494DF}">
-                  <a14:hiddenLine xmlns="" xmlns:a14="http://schemas.microsoft.com/office/drawing/2010/main" w="9525">
+                  <a14:hiddenLine xmlns:a14="http://schemas.microsoft.com/office/drawing/2010/main" xmlns="" w="9525">
                     <a:solidFill>
                       <a:srgbClr val="000000"/>
                     </a:solidFill>
@@ -9776,7 +9793,7 @@
               </a:ln>
               <a:extLst>
                 <a:ext uri="{91240B29-F687-4f45-9708-019B960494DF}">
-                  <a14:hiddenLine xmlns="" xmlns:a14="http://schemas.microsoft.com/office/drawing/2010/main" w="9525">
+                  <a14:hiddenLine xmlns:a14="http://schemas.microsoft.com/office/drawing/2010/main" xmlns="" w="9525">
                     <a:solidFill>
                       <a:srgbClr val="000000"/>
                     </a:solidFill>
@@ -9886,7 +9903,7 @@
               </a:ln>
               <a:extLst>
                 <a:ext uri="{91240B29-F687-4f45-9708-019B960494DF}">
-                  <a14:hiddenLine xmlns="" xmlns:a14="http://schemas.microsoft.com/office/drawing/2010/main" w="9525">
+                  <a14:hiddenLine xmlns:a14="http://schemas.microsoft.com/office/drawing/2010/main" xmlns="" w="9525">
                     <a:solidFill>
                       <a:srgbClr val="000000"/>
                     </a:solidFill>
@@ -9970,7 +9987,7 @@
               </a:ln>
               <a:extLst>
                 <a:ext uri="{91240B29-F687-4f45-9708-019B960494DF}">
-                  <a14:hiddenLine xmlns="" xmlns:a14="http://schemas.microsoft.com/office/drawing/2010/main" w="9525">
+                  <a14:hiddenLine xmlns:a14="http://schemas.microsoft.com/office/drawing/2010/main" xmlns="" w="9525">
                     <a:solidFill>
                       <a:srgbClr val="000000"/>
                     </a:solidFill>
@@ -10032,7 +10049,7 @@
               </a:ln>
               <a:extLst>
                 <a:ext uri="{91240B29-F687-4f45-9708-019B960494DF}">
-                  <a14:hiddenLine xmlns="" xmlns:a14="http://schemas.microsoft.com/office/drawing/2010/main" w="9525">
+                  <a14:hiddenLine xmlns:a14="http://schemas.microsoft.com/office/drawing/2010/main" xmlns="" w="9525">
                     <a:solidFill>
                       <a:srgbClr val="000000"/>
                     </a:solidFill>
@@ -10094,7 +10111,7 @@
               </a:ln>
               <a:extLst>
                 <a:ext uri="{91240B29-F687-4f45-9708-019B960494DF}">
-                  <a14:hiddenLine xmlns="" xmlns:a14="http://schemas.microsoft.com/office/drawing/2010/main" w="9525">
+                  <a14:hiddenLine xmlns:a14="http://schemas.microsoft.com/office/drawing/2010/main" xmlns="" w="9525">
                     <a:solidFill>
                       <a:srgbClr val="000000"/>
                     </a:solidFill>
@@ -10184,7 +10201,7 @@
               </a:ln>
               <a:extLst>
                 <a:ext uri="{91240B29-F687-4f45-9708-019B960494DF}">
-                  <a14:hiddenLine xmlns="" xmlns:a14="http://schemas.microsoft.com/office/drawing/2010/main" w="9525">
+                  <a14:hiddenLine xmlns:a14="http://schemas.microsoft.com/office/drawing/2010/main" xmlns="" w="9525">
                     <a:solidFill>
                       <a:srgbClr val="000000"/>
                     </a:solidFill>
@@ -10218,7 +10235,7 @@
               </a:ln>
               <a:extLst>
                 <a:ext uri="{91240B29-F687-4f45-9708-019B960494DF}">
-                  <a14:hiddenLine xmlns="" xmlns:a14="http://schemas.microsoft.com/office/drawing/2010/main" w="9525">
+                  <a14:hiddenLine xmlns:a14="http://schemas.microsoft.com/office/drawing/2010/main" xmlns="" w="9525">
                     <a:solidFill>
                       <a:srgbClr val="000000"/>
                     </a:solidFill>
@@ -10283,7 +10300,7 @@
               </a:ln>
               <a:extLst>
                 <a:ext uri="{91240B29-F687-4f45-9708-019B960494DF}">
-                  <a14:hiddenLine xmlns="" xmlns:a14="http://schemas.microsoft.com/office/drawing/2010/main" w="9525">
+                  <a14:hiddenLine xmlns:a14="http://schemas.microsoft.com/office/drawing/2010/main" xmlns="" w="9525">
                     <a:solidFill>
                       <a:srgbClr val="000000"/>
                     </a:solidFill>
@@ -10373,7 +10390,7 @@
               </a:ln>
               <a:extLst>
                 <a:ext uri="{91240B29-F687-4f45-9708-019B960494DF}">
-                  <a14:hiddenLine xmlns="" xmlns:a14="http://schemas.microsoft.com/office/drawing/2010/main" w="9525">
+                  <a14:hiddenLine xmlns:a14="http://schemas.microsoft.com/office/drawing/2010/main" xmlns="" w="9525">
                     <a:solidFill>
                       <a:srgbClr val="000000"/>
                     </a:solidFill>
@@ -10435,7 +10452,7 @@
               </a:ln>
               <a:extLst>
                 <a:ext uri="{91240B29-F687-4f45-9708-019B960494DF}">
-                  <a14:hiddenLine xmlns="" xmlns:a14="http://schemas.microsoft.com/office/drawing/2010/main" w="9525">
+                  <a14:hiddenLine xmlns:a14="http://schemas.microsoft.com/office/drawing/2010/main" xmlns="" w="9525">
                     <a:solidFill>
                       <a:srgbClr val="000000"/>
                     </a:solidFill>
@@ -10525,7 +10542,7 @@
               </a:ln>
               <a:extLst>
                 <a:ext uri="{91240B29-F687-4f45-9708-019B960494DF}">
-                  <a14:hiddenLine xmlns="" xmlns:a14="http://schemas.microsoft.com/office/drawing/2010/main" w="9525">
+                  <a14:hiddenLine xmlns:a14="http://schemas.microsoft.com/office/drawing/2010/main" xmlns="" w="9525">
                     <a:solidFill>
                       <a:srgbClr val="000000"/>
                     </a:solidFill>
@@ -10590,7 +10607,7 @@
               </a:ln>
               <a:extLst>
                 <a:ext uri="{91240B29-F687-4f45-9708-019B960494DF}">
-                  <a14:hiddenLine xmlns="" xmlns:a14="http://schemas.microsoft.com/office/drawing/2010/main" w="9525">
+                  <a14:hiddenLine xmlns:a14="http://schemas.microsoft.com/office/drawing/2010/main" xmlns="" w="9525">
                     <a:solidFill>
                       <a:srgbClr val="000000"/>
                     </a:solidFill>
@@ -10652,7 +10669,7 @@
               </a:ln>
               <a:extLst>
                 <a:ext uri="{91240B29-F687-4f45-9708-019B960494DF}">
-                  <a14:hiddenLine xmlns="" xmlns:a14="http://schemas.microsoft.com/office/drawing/2010/main" w="9525">
+                  <a14:hiddenLine xmlns:a14="http://schemas.microsoft.com/office/drawing/2010/main" xmlns="" w="9525">
                     <a:solidFill>
                       <a:srgbClr val="000000"/>
                     </a:solidFill>
@@ -10742,7 +10759,7 @@
               </a:ln>
               <a:extLst>
                 <a:ext uri="{91240B29-F687-4f45-9708-019B960494DF}">
-                  <a14:hiddenLine xmlns="" xmlns:a14="http://schemas.microsoft.com/office/drawing/2010/main" w="9525">
+                  <a14:hiddenLine xmlns:a14="http://schemas.microsoft.com/office/drawing/2010/main" xmlns="" w="9525">
                     <a:solidFill>
                       <a:srgbClr val="000000"/>
                     </a:solidFill>
@@ -10832,7 +10849,7 @@
               </a:ln>
               <a:extLst>
                 <a:ext uri="{91240B29-F687-4f45-9708-019B960494DF}">
-                  <a14:hiddenLine xmlns="" xmlns:a14="http://schemas.microsoft.com/office/drawing/2010/main" w="9525">
+                  <a14:hiddenLine xmlns:a14="http://schemas.microsoft.com/office/drawing/2010/main" xmlns="" w="9525">
                     <a:solidFill>
                       <a:srgbClr val="000000"/>
                     </a:solidFill>
@@ -10897,7 +10914,7 @@
               </a:ln>
               <a:extLst>
                 <a:ext uri="{91240B29-F687-4f45-9708-019B960494DF}">
-                  <a14:hiddenLine xmlns="" xmlns:a14="http://schemas.microsoft.com/office/drawing/2010/main" w="9525">
+                  <a14:hiddenLine xmlns:a14="http://schemas.microsoft.com/office/drawing/2010/main" xmlns="" w="9525">
                     <a:solidFill>
                       <a:srgbClr val="000000"/>
                     </a:solidFill>
@@ -11017,7 +11034,7 @@
               </a:ln>
               <a:extLst>
                 <a:ext uri="{91240B29-F687-4f45-9708-019B960494DF}">
-                  <a14:hiddenLine xmlns="" xmlns:a14="http://schemas.microsoft.com/office/drawing/2010/main" w="9525">
+                  <a14:hiddenLine xmlns:a14="http://schemas.microsoft.com/office/drawing/2010/main" xmlns="" w="9525">
                     <a:solidFill>
                       <a:srgbClr val="000000"/>
                     </a:solidFill>
@@ -11098,7 +11115,7 @@
               </a:ln>
               <a:extLst>
                 <a:ext uri="{91240B29-F687-4f45-9708-019B960494DF}">
-                  <a14:hiddenLine xmlns="" xmlns:a14="http://schemas.microsoft.com/office/drawing/2010/main" w="9525">
+                  <a14:hiddenLine xmlns:a14="http://schemas.microsoft.com/office/drawing/2010/main" xmlns="" w="9525">
                     <a:solidFill>
                       <a:srgbClr val="000000"/>
                     </a:solidFill>
@@ -11213,7 +11230,7 @@
               </a:ln>
               <a:extLst>
                 <a:ext uri="{91240B29-F687-4f45-9708-019B960494DF}">
-                  <a14:hiddenLine xmlns="" xmlns:a14="http://schemas.microsoft.com/office/drawing/2010/main" w="9525">
+                  <a14:hiddenLine xmlns:a14="http://schemas.microsoft.com/office/drawing/2010/main" xmlns="" w="9525">
                     <a:solidFill>
                       <a:srgbClr val="000000"/>
                     </a:solidFill>
@@ -11303,7 +11320,7 @@
               </a:ln>
               <a:extLst>
                 <a:ext uri="{91240B29-F687-4f45-9708-019B960494DF}">
-                  <a14:hiddenLine xmlns="" xmlns:a14="http://schemas.microsoft.com/office/drawing/2010/main" w="9525">
+                  <a14:hiddenLine xmlns:a14="http://schemas.microsoft.com/office/drawing/2010/main" xmlns="" w="9525">
                     <a:solidFill>
                       <a:srgbClr val="000000"/>
                     </a:solidFill>
@@ -11368,7 +11385,7 @@
               </a:ln>
               <a:extLst>
                 <a:ext uri="{91240B29-F687-4f45-9708-019B960494DF}">
-                  <a14:hiddenLine xmlns="" xmlns:a14="http://schemas.microsoft.com/office/drawing/2010/main" w="9525">
+                  <a14:hiddenLine xmlns:a14="http://schemas.microsoft.com/office/drawing/2010/main" xmlns="" w="9525">
                     <a:solidFill>
                       <a:srgbClr val="000000"/>
                     </a:solidFill>
@@ -11458,7 +11475,7 @@
               </a:ln>
               <a:extLst>
                 <a:ext uri="{91240B29-F687-4f45-9708-019B960494DF}">
-                  <a14:hiddenLine xmlns="" xmlns:a14="http://schemas.microsoft.com/office/drawing/2010/main" w="9525">
+                  <a14:hiddenLine xmlns:a14="http://schemas.microsoft.com/office/drawing/2010/main" xmlns="" w="9525">
                     <a:solidFill>
                       <a:srgbClr val="000000"/>
                     </a:solidFill>
@@ -11526,7 +11543,7 @@
               </a:ln>
               <a:extLst>
                 <a:ext uri="{91240B29-F687-4f45-9708-019B960494DF}">
-                  <a14:hiddenLine xmlns="" xmlns:a14="http://schemas.microsoft.com/office/drawing/2010/main" w="9525">
+                  <a14:hiddenLine xmlns:a14="http://schemas.microsoft.com/office/drawing/2010/main" xmlns="" w="9525">
                     <a:solidFill>
                       <a:srgbClr val="000000"/>
                     </a:solidFill>
@@ -11616,7 +11633,7 @@
               </a:ln>
               <a:extLst>
                 <a:ext uri="{91240B29-F687-4f45-9708-019B960494DF}">
-                  <a14:hiddenLine xmlns="" xmlns:a14="http://schemas.microsoft.com/office/drawing/2010/main" w="9525">
+                  <a14:hiddenLine xmlns:a14="http://schemas.microsoft.com/office/drawing/2010/main" xmlns="" w="9525">
                     <a:solidFill>
                       <a:srgbClr val="000000"/>
                     </a:solidFill>
@@ -11684,7 +11701,7 @@
               </a:ln>
               <a:extLst>
                 <a:ext uri="{91240B29-F687-4f45-9708-019B960494DF}">
-                  <a14:hiddenLine xmlns="" xmlns:a14="http://schemas.microsoft.com/office/drawing/2010/main" w="9525">
+                  <a14:hiddenLine xmlns:a14="http://schemas.microsoft.com/office/drawing/2010/main" xmlns="" w="9525">
                     <a:solidFill>
                       <a:srgbClr val="000000"/>
                     </a:solidFill>
@@ -11774,7 +11791,7 @@
               </a:ln>
               <a:extLst>
                 <a:ext uri="{91240B29-F687-4f45-9708-019B960494DF}">
-                  <a14:hiddenLine xmlns="" xmlns:a14="http://schemas.microsoft.com/office/drawing/2010/main" w="9525">
+                  <a14:hiddenLine xmlns:a14="http://schemas.microsoft.com/office/drawing/2010/main" xmlns="" w="9525">
                     <a:solidFill>
                       <a:srgbClr val="000000"/>
                     </a:solidFill>
@@ -11808,7 +11825,7 @@
               </a:ln>
               <a:extLst>
                 <a:ext uri="{91240B29-F687-4f45-9708-019B960494DF}">
-                  <a14:hiddenLine xmlns="" xmlns:a14="http://schemas.microsoft.com/office/drawing/2010/main" w="9525">
+                  <a14:hiddenLine xmlns:a14="http://schemas.microsoft.com/office/drawing/2010/main" xmlns="" w="9525">
                     <a:solidFill>
                       <a:srgbClr val="000000"/>
                     </a:solidFill>
@@ -11949,7 +11966,7 @@
             <a:fld id="{48A87A34-81AB-432B-8DAE-1953F412C126}" type="datetimeFigureOut">
               <a:rPr lang="en-US" dirty="0"/>
               <a:pPr/>
-              <a:t>12/6/18</a:t>
+              <a:t>12/7/2018</a:t>
             </a:fld>
             <a:endParaRPr lang="en-US" dirty="0"/>
           </a:p>
@@ -12028,7 +12045,7 @@
             <a:fld id="{6D22F896-40B5-4ADD-8801-0D06FADFA095}" type="slidenum">
               <a:rPr lang="en-US" dirty="0"/>
               <a:pPr/>
-              <a:t>‹Nº›</a:t>
+              <a:t>‹#›</a:t>
             </a:fld>
             <a:endParaRPr lang="en-US" dirty="0"/>
           </a:p>
@@ -14600,10 +14617,1410 @@
           </a:p>
         </p:txBody>
       </p:sp>
+      <p:sp>
+        <p:nvSpPr>
+          <p:cNvPr id="4" name="Title 1">
+            <a:extLst>
+              <a:ext uri="{FF2B5EF4-FFF2-40B4-BE49-F238E27FC236}">
+                <a16:creationId xmlns:a16="http://schemas.microsoft.com/office/drawing/2014/main" id="{86561611-E98E-4604-8A38-2A4E388651A7}"/>
+              </a:ext>
+            </a:extLst>
+          </p:cNvPr>
+          <p:cNvSpPr txBox="1">
+            <a:spLocks/>
+          </p:cNvSpPr>
+          <p:nvPr/>
+        </p:nvSpPr>
+        <p:spPr>
+          <a:xfrm>
+            <a:off x="4915455" y="4356450"/>
+            <a:ext cx="5739964" cy="989900"/>
+          </a:xfrm>
+          <a:prstGeom prst="rect">
+            <a:avLst/>
+          </a:prstGeom>
+        </p:spPr>
+        <p:txBody>
+          <a:bodyPr vert="horz" lIns="91440" tIns="45720" rIns="91440" bIns="45720" rtlCol="0" anchor="b">
+            <a:normAutofit fontScale="55000" lnSpcReduction="20000"/>
+          </a:bodyPr>
+          <a:lstStyle>
+            <a:lvl1pPr algn="l" defTabSz="914400" rtl="0" eaLnBrk="1" latinLnBrk="0" hangingPunct="1">
+              <a:lnSpc>
+                <a:spcPct val="90000"/>
+              </a:lnSpc>
+              <a:spcBef>
+                <a:spcPct val="0"/>
+              </a:spcBef>
+              <a:buNone/>
+              <a:defRPr sz="4800" kern="1200" cap="all" baseline="0">
+                <a:solidFill>
+                  <a:schemeClr val="tx1"/>
+                </a:solidFill>
+                <a:latin typeface="+mj-lt"/>
+                <a:ea typeface="+mj-ea"/>
+                <a:cs typeface="+mj-cs"/>
+              </a:defRPr>
+            </a:lvl1pPr>
+          </a:lstStyle>
+          <a:p>
+            <a:r>
+              <a:rPr lang="en-US" cap="none" dirty="0"/>
+              <a:t>We have a couple of ways to achieve this, the first one is by forcing the result by nesting the calls to the table elements</a:t>
+            </a:r>
+            <a:r>
+              <a:rPr lang="en-US" dirty="0"/>
+              <a:t> </a:t>
+            </a:r>
+            <a:endParaRPr lang="es-MX" dirty="0"/>
+          </a:p>
+        </p:txBody>
+      </p:sp>
     </p:spTree>
     <p:extLst>
       <p:ext uri="{BB962C8B-B14F-4D97-AF65-F5344CB8AC3E}">
         <p14:creationId xmlns:p14="http://schemas.microsoft.com/office/powerpoint/2010/main" val="3241113715"/>
+      </p:ext>
+    </p:extLst>
+  </p:cSld>
+  <p:clrMapOvr>
+    <a:masterClrMapping/>
+  </p:clrMapOvr>
+</p:sld>
+</file>
+
+<file path=ppt/slides/slide23.xml><?xml version="1.0" encoding="utf-8"?>
+<p:sld xmlns:a="http://schemas.openxmlformats.org/drawingml/2006/main" xmlns:r="http://schemas.openxmlformats.org/officeDocument/2006/relationships" xmlns:p="http://schemas.openxmlformats.org/presentationml/2006/main">
+  <p:cSld>
+    <p:spTree>
+      <p:nvGrpSpPr>
+        <p:cNvPr id="1" name=""/>
+        <p:cNvGrpSpPr/>
+        <p:nvPr/>
+      </p:nvGrpSpPr>
+      <p:grpSpPr>
+        <a:xfrm>
+          <a:off x="0" y="0"/>
+          <a:ext cx="0" cy="0"/>
+          <a:chOff x="0" y="0"/>
+          <a:chExt cx="0" cy="0"/>
+        </a:xfrm>
+      </p:grpSpPr>
+      <p:sp>
+        <p:nvSpPr>
+          <p:cNvPr id="2" name="Title 1">
+            <a:extLst>
+              <a:ext uri="{FF2B5EF4-FFF2-40B4-BE49-F238E27FC236}">
+                <a16:creationId xmlns:a16="http://schemas.microsoft.com/office/drawing/2014/main" id="{53AF1C14-8EF3-46FF-85C2-16DD3949E603}"/>
+              </a:ext>
+            </a:extLst>
+          </p:cNvPr>
+          <p:cNvSpPr>
+            <a:spLocks noGrp="1"/>
+          </p:cNvSpPr>
+          <p:nvPr>
+            <p:ph type="ctrTitle"/>
+          </p:nvPr>
+        </p:nvSpPr>
+        <p:spPr>
+          <a:xfrm>
+            <a:off x="1415845" y="2559692"/>
+            <a:ext cx="5739964" cy="869308"/>
+          </a:xfrm>
+        </p:spPr>
+        <p:txBody>
+          <a:bodyPr>
+            <a:normAutofit/>
+          </a:bodyPr>
+          <a:lstStyle/>
+          <a:p>
+            <a:r>
+              <a:rPr lang="en-US" dirty="0"/>
+              <a:t>Getting table data</a:t>
+            </a:r>
+            <a:endParaRPr lang="es-MX" dirty="0"/>
+          </a:p>
+        </p:txBody>
+      </p:sp>
+      <p:sp>
+        <p:nvSpPr>
+          <p:cNvPr id="3" name="Title 1">
+            <a:extLst>
+              <a:ext uri="{FF2B5EF4-FFF2-40B4-BE49-F238E27FC236}">
+                <a16:creationId xmlns:a16="http://schemas.microsoft.com/office/drawing/2014/main" id="{32911155-D0EE-48DB-9D0B-1FBCD7885E67}"/>
+              </a:ext>
+            </a:extLst>
+          </p:cNvPr>
+          <p:cNvSpPr txBox="1">
+            <a:spLocks/>
+          </p:cNvSpPr>
+          <p:nvPr/>
+        </p:nvSpPr>
+        <p:spPr>
+          <a:xfrm>
+            <a:off x="1944351" y="1435100"/>
+            <a:ext cx="9997844" cy="4838700"/>
+          </a:xfrm>
+          <a:prstGeom prst="rect">
+            <a:avLst/>
+          </a:prstGeom>
+        </p:spPr>
+        <p:txBody>
+          <a:bodyPr vert="horz" lIns="91440" tIns="45720" rIns="91440" bIns="45720" rtlCol="0" anchor="b">
+            <a:normAutofit/>
+          </a:bodyPr>
+          <a:lstStyle>
+            <a:lvl1pPr algn="l" defTabSz="914400" rtl="0" eaLnBrk="1" latinLnBrk="0" hangingPunct="1">
+              <a:lnSpc>
+                <a:spcPct val="90000"/>
+              </a:lnSpc>
+              <a:spcBef>
+                <a:spcPct val="0"/>
+              </a:spcBef>
+              <a:buNone/>
+              <a:defRPr sz="4800" kern="1200" cap="all" baseline="0">
+                <a:solidFill>
+                  <a:schemeClr val="tx1"/>
+                </a:solidFill>
+                <a:latin typeface="+mj-lt"/>
+                <a:ea typeface="+mj-ea"/>
+                <a:cs typeface="+mj-cs"/>
+              </a:defRPr>
+            </a:lvl1pPr>
+          </a:lstStyle>
+          <a:p>
+            <a:endParaRPr lang="en-US" dirty="0"/>
+          </a:p>
+          <a:p>
+            <a:endParaRPr lang="es-MX" dirty="0"/>
+          </a:p>
+        </p:txBody>
+      </p:sp>
+      <p:sp>
+        <p:nvSpPr>
+          <p:cNvPr id="4" name="Title 1">
+            <a:extLst>
+              <a:ext uri="{FF2B5EF4-FFF2-40B4-BE49-F238E27FC236}">
+                <a16:creationId xmlns:a16="http://schemas.microsoft.com/office/drawing/2014/main" id="{86561611-E98E-4604-8A38-2A4E388651A7}"/>
+              </a:ext>
+            </a:extLst>
+          </p:cNvPr>
+          <p:cNvSpPr txBox="1">
+            <a:spLocks/>
+          </p:cNvSpPr>
+          <p:nvPr/>
+        </p:nvSpPr>
+        <p:spPr>
+          <a:xfrm>
+            <a:off x="6452036" y="5229954"/>
+            <a:ext cx="5739964" cy="1828799"/>
+          </a:xfrm>
+          <a:prstGeom prst="rect">
+            <a:avLst/>
+          </a:prstGeom>
+        </p:spPr>
+        <p:txBody>
+          <a:bodyPr vert="horz" lIns="91440" tIns="45720" rIns="91440" bIns="45720" rtlCol="0" anchor="b">
+            <a:normAutofit/>
+          </a:bodyPr>
+          <a:lstStyle>
+            <a:lvl1pPr algn="l" defTabSz="914400" rtl="0" eaLnBrk="1" latinLnBrk="0" hangingPunct="1">
+              <a:lnSpc>
+                <a:spcPct val="90000"/>
+              </a:lnSpc>
+              <a:spcBef>
+                <a:spcPct val="0"/>
+              </a:spcBef>
+              <a:buNone/>
+              <a:defRPr sz="4800" kern="1200" cap="all" baseline="0">
+                <a:solidFill>
+                  <a:schemeClr val="tx1"/>
+                </a:solidFill>
+                <a:latin typeface="+mj-lt"/>
+                <a:ea typeface="+mj-ea"/>
+                <a:cs typeface="+mj-cs"/>
+              </a:defRPr>
+            </a:lvl1pPr>
+          </a:lstStyle>
+          <a:p>
+            <a:r>
+              <a:rPr lang="en-US" sz="2800" cap="none" dirty="0"/>
+              <a:t>The other way we have to achieve this is by making usage of the </a:t>
+            </a:r>
+            <a:r>
+              <a:rPr lang="en-US" sz="2800" cap="none" dirty="0" err="1"/>
+              <a:t>Xpath</a:t>
+            </a:r>
+            <a:r>
+              <a:rPr lang="en-US" sz="2800" cap="none" dirty="0"/>
+              <a:t> selectors.</a:t>
+            </a:r>
+          </a:p>
+          <a:p>
+            <a:endParaRPr lang="es-MX" dirty="0"/>
+          </a:p>
+        </p:txBody>
+      </p:sp>
+    </p:spTree>
+    <p:extLst>
+      <p:ext uri="{BB962C8B-B14F-4D97-AF65-F5344CB8AC3E}">
+        <p14:creationId xmlns:p14="http://schemas.microsoft.com/office/powerpoint/2010/main" val="214833419"/>
+      </p:ext>
+    </p:extLst>
+  </p:cSld>
+  <p:clrMapOvr>
+    <a:masterClrMapping/>
+  </p:clrMapOvr>
+</p:sld>
+</file>
+
+<file path=ppt/slides/slide24.xml><?xml version="1.0" encoding="utf-8"?>
+<p:sld xmlns:a="http://schemas.openxmlformats.org/drawingml/2006/main" xmlns:r="http://schemas.openxmlformats.org/officeDocument/2006/relationships" xmlns:p="http://schemas.openxmlformats.org/presentationml/2006/main">
+  <p:cSld>
+    <p:spTree>
+      <p:nvGrpSpPr>
+        <p:cNvPr id="1" name=""/>
+        <p:cNvGrpSpPr/>
+        <p:nvPr/>
+      </p:nvGrpSpPr>
+      <p:grpSpPr>
+        <a:xfrm>
+          <a:off x="0" y="0"/>
+          <a:ext cx="0" cy="0"/>
+          <a:chOff x="0" y="0"/>
+          <a:chExt cx="0" cy="0"/>
+        </a:xfrm>
+      </p:grpSpPr>
+      <p:sp>
+        <p:nvSpPr>
+          <p:cNvPr id="3" name="Title 1">
+            <a:extLst>
+              <a:ext uri="{FF2B5EF4-FFF2-40B4-BE49-F238E27FC236}">
+                <a16:creationId xmlns:a16="http://schemas.microsoft.com/office/drawing/2014/main" id="{32911155-D0EE-48DB-9D0B-1FBCD7885E67}"/>
+              </a:ext>
+            </a:extLst>
+          </p:cNvPr>
+          <p:cNvSpPr txBox="1">
+            <a:spLocks/>
+          </p:cNvSpPr>
+          <p:nvPr/>
+        </p:nvSpPr>
+        <p:spPr>
+          <a:xfrm>
+            <a:off x="1457790" y="2673991"/>
+            <a:ext cx="9997844" cy="1510018"/>
+          </a:xfrm>
+          <a:prstGeom prst="rect">
+            <a:avLst/>
+          </a:prstGeom>
+        </p:spPr>
+        <p:txBody>
+          <a:bodyPr vert="horz" lIns="91440" tIns="45720" rIns="91440" bIns="45720" rtlCol="0" anchor="b">
+            <a:normAutofit/>
+          </a:bodyPr>
+          <a:lstStyle>
+            <a:lvl1pPr algn="l" defTabSz="914400" rtl="0" eaLnBrk="1" latinLnBrk="0" hangingPunct="1">
+              <a:lnSpc>
+                <a:spcPct val="90000"/>
+              </a:lnSpc>
+              <a:spcBef>
+                <a:spcPct val="0"/>
+              </a:spcBef>
+              <a:buNone/>
+              <a:defRPr sz="4800" kern="1200" cap="all" baseline="0">
+                <a:solidFill>
+                  <a:schemeClr val="tx1"/>
+                </a:solidFill>
+                <a:latin typeface="+mj-lt"/>
+                <a:ea typeface="+mj-ea"/>
+                <a:cs typeface="+mj-cs"/>
+              </a:defRPr>
+            </a:lvl1pPr>
+          </a:lstStyle>
+          <a:p>
+            <a:r>
+              <a:rPr lang="en-US" dirty="0"/>
+              <a:t>Demo: Getting elements from lists and tables</a:t>
+            </a:r>
+            <a:endParaRPr lang="es-MX" dirty="0"/>
+          </a:p>
+        </p:txBody>
+      </p:sp>
+    </p:spTree>
+    <p:extLst>
+      <p:ext uri="{BB962C8B-B14F-4D97-AF65-F5344CB8AC3E}">
+        <p14:creationId xmlns:p14="http://schemas.microsoft.com/office/powerpoint/2010/main" val="2456293492"/>
+      </p:ext>
+    </p:extLst>
+  </p:cSld>
+  <p:clrMapOvr>
+    <a:masterClrMapping/>
+  </p:clrMapOvr>
+</p:sld>
+</file>
+
+<file path=ppt/slides/slide25.xml><?xml version="1.0" encoding="utf-8"?>
+<p:sld xmlns:a="http://schemas.openxmlformats.org/drawingml/2006/main" xmlns:r="http://schemas.openxmlformats.org/officeDocument/2006/relationships" xmlns:p="http://schemas.openxmlformats.org/presentationml/2006/main">
+  <p:cSld>
+    <p:spTree>
+      <p:nvGrpSpPr>
+        <p:cNvPr id="1" name=""/>
+        <p:cNvGrpSpPr/>
+        <p:nvPr/>
+      </p:nvGrpSpPr>
+      <p:grpSpPr>
+        <a:xfrm>
+          <a:off x="0" y="0"/>
+          <a:ext cx="0" cy="0"/>
+          <a:chOff x="0" y="0"/>
+          <a:chExt cx="0" cy="0"/>
+        </a:xfrm>
+      </p:grpSpPr>
+      <p:sp>
+        <p:nvSpPr>
+          <p:cNvPr id="2" name="Title 1">
+            <a:extLst>
+              <a:ext uri="{FF2B5EF4-FFF2-40B4-BE49-F238E27FC236}">
+                <a16:creationId xmlns:a16="http://schemas.microsoft.com/office/drawing/2014/main" id="{53AF1C14-8EF3-46FF-85C2-16DD3949E603}"/>
+              </a:ext>
+            </a:extLst>
+          </p:cNvPr>
+          <p:cNvSpPr>
+            <a:spLocks noGrp="1"/>
+          </p:cNvSpPr>
+          <p:nvPr>
+            <p:ph type="ctrTitle"/>
+          </p:nvPr>
+        </p:nvSpPr>
+        <p:spPr>
+          <a:xfrm>
+            <a:off x="1365511" y="2777806"/>
+            <a:ext cx="5739964" cy="869308"/>
+          </a:xfrm>
+        </p:spPr>
+        <p:txBody>
+          <a:bodyPr>
+            <a:normAutofit/>
+          </a:bodyPr>
+          <a:lstStyle/>
+          <a:p>
+            <a:r>
+              <a:rPr lang="en-US" dirty="0"/>
+              <a:t>Explicit waits</a:t>
+            </a:r>
+            <a:endParaRPr lang="es-MX" dirty="0"/>
+          </a:p>
+        </p:txBody>
+      </p:sp>
+      <p:sp>
+        <p:nvSpPr>
+          <p:cNvPr id="3" name="Title 1">
+            <a:extLst>
+              <a:ext uri="{FF2B5EF4-FFF2-40B4-BE49-F238E27FC236}">
+                <a16:creationId xmlns:a16="http://schemas.microsoft.com/office/drawing/2014/main" id="{32911155-D0EE-48DB-9D0B-1FBCD7885E67}"/>
+              </a:ext>
+            </a:extLst>
+          </p:cNvPr>
+          <p:cNvSpPr txBox="1">
+            <a:spLocks/>
+          </p:cNvSpPr>
+          <p:nvPr/>
+        </p:nvSpPr>
+        <p:spPr>
+          <a:xfrm>
+            <a:off x="1944351" y="1435100"/>
+            <a:ext cx="9997844" cy="4838700"/>
+          </a:xfrm>
+          <a:prstGeom prst="rect">
+            <a:avLst/>
+          </a:prstGeom>
+        </p:spPr>
+        <p:txBody>
+          <a:bodyPr vert="horz" lIns="91440" tIns="45720" rIns="91440" bIns="45720" rtlCol="0" anchor="b">
+            <a:normAutofit/>
+          </a:bodyPr>
+          <a:lstStyle>
+            <a:lvl1pPr algn="l" defTabSz="914400" rtl="0" eaLnBrk="1" latinLnBrk="0" hangingPunct="1">
+              <a:lnSpc>
+                <a:spcPct val="90000"/>
+              </a:lnSpc>
+              <a:spcBef>
+                <a:spcPct val="0"/>
+              </a:spcBef>
+              <a:buNone/>
+              <a:defRPr sz="4800" kern="1200" cap="all" baseline="0">
+                <a:solidFill>
+                  <a:schemeClr val="tx1"/>
+                </a:solidFill>
+                <a:latin typeface="+mj-lt"/>
+                <a:ea typeface="+mj-ea"/>
+                <a:cs typeface="+mj-cs"/>
+              </a:defRPr>
+            </a:lvl1pPr>
+          </a:lstStyle>
+          <a:p>
+            <a:endParaRPr lang="en-US" dirty="0"/>
+          </a:p>
+          <a:p>
+            <a:endParaRPr lang="es-MX" dirty="0"/>
+          </a:p>
+        </p:txBody>
+      </p:sp>
+      <p:pic>
+        <p:nvPicPr>
+          <p:cNvPr id="5" name="Picture 4">
+            <a:extLst>
+              <a:ext uri="{FF2B5EF4-FFF2-40B4-BE49-F238E27FC236}">
+                <a16:creationId xmlns:a16="http://schemas.microsoft.com/office/drawing/2014/main" id="{88650D31-B1B2-4A93-83BC-E6AC50581D52}"/>
+              </a:ext>
+            </a:extLst>
+          </p:cNvPr>
+          <p:cNvPicPr>
+            <a:picLocks noChangeAspect="1"/>
+          </p:cNvPicPr>
+          <p:nvPr/>
+        </p:nvPicPr>
+        <p:blipFill>
+          <a:blip r:embed="rId2">
+            <a:clrChange>
+              <a:clrFrom>
+                <a:srgbClr val="F8F344"/>
+              </a:clrFrom>
+              <a:clrTo>
+                <a:srgbClr val="F8F344">
+                  <a:alpha val="0"/>
+                </a:srgbClr>
+              </a:clrTo>
+            </a:clrChange>
+            <a:duotone>
+              <a:prstClr val="black"/>
+              <a:schemeClr val="accent2">
+                <a:tint val="45000"/>
+                <a:satMod val="400000"/>
+              </a:schemeClr>
+            </a:duotone>
+          </a:blip>
+          <a:stretch>
+            <a:fillRect/>
+          </a:stretch>
+        </p:blipFill>
+        <p:spPr>
+          <a:xfrm>
+            <a:off x="6647873" y="277812"/>
+            <a:ext cx="5132368" cy="5995988"/>
+          </a:xfrm>
+          <a:prstGeom prst="rect">
+            <a:avLst/>
+          </a:prstGeom>
+        </p:spPr>
+      </p:pic>
+    </p:spTree>
+    <p:extLst>
+      <p:ext uri="{BB962C8B-B14F-4D97-AF65-F5344CB8AC3E}">
+        <p14:creationId xmlns:p14="http://schemas.microsoft.com/office/powerpoint/2010/main" val="1434286258"/>
+      </p:ext>
+    </p:extLst>
+  </p:cSld>
+  <p:clrMapOvr>
+    <a:masterClrMapping/>
+  </p:clrMapOvr>
+</p:sld>
+</file>
+
+<file path=ppt/slides/slide26.xml><?xml version="1.0" encoding="utf-8"?>
+<p:sld xmlns:a="http://schemas.openxmlformats.org/drawingml/2006/main" xmlns:r="http://schemas.openxmlformats.org/officeDocument/2006/relationships" xmlns:p="http://schemas.openxmlformats.org/presentationml/2006/main">
+  <p:cSld>
+    <p:spTree>
+      <p:nvGrpSpPr>
+        <p:cNvPr id="1" name=""/>
+        <p:cNvGrpSpPr/>
+        <p:nvPr/>
+      </p:nvGrpSpPr>
+      <p:grpSpPr>
+        <a:xfrm>
+          <a:off x="0" y="0"/>
+          <a:ext cx="0" cy="0"/>
+          <a:chOff x="0" y="0"/>
+          <a:chExt cx="0" cy="0"/>
+        </a:xfrm>
+      </p:grpSpPr>
+      <p:sp>
+        <p:nvSpPr>
+          <p:cNvPr id="2" name="Title 1">
+            <a:extLst>
+              <a:ext uri="{FF2B5EF4-FFF2-40B4-BE49-F238E27FC236}">
+                <a16:creationId xmlns:a16="http://schemas.microsoft.com/office/drawing/2014/main" id="{53AF1C14-8EF3-46FF-85C2-16DD3949E603}"/>
+              </a:ext>
+            </a:extLst>
+          </p:cNvPr>
+          <p:cNvSpPr>
+            <a:spLocks noGrp="1"/>
+          </p:cNvSpPr>
+          <p:nvPr>
+            <p:ph type="ctrTitle"/>
+          </p:nvPr>
+        </p:nvSpPr>
+        <p:spPr>
+          <a:xfrm>
+            <a:off x="1944351" y="565792"/>
+            <a:ext cx="4151649" cy="869308"/>
+          </a:xfrm>
+        </p:spPr>
+        <p:txBody>
+          <a:bodyPr>
+            <a:normAutofit/>
+          </a:bodyPr>
+          <a:lstStyle/>
+          <a:p>
+            <a:r>
+              <a:rPr lang="en-US" dirty="0"/>
+              <a:t>Explicit waits</a:t>
+            </a:r>
+            <a:endParaRPr lang="es-MX" dirty="0"/>
+          </a:p>
+        </p:txBody>
+      </p:sp>
+      <p:sp>
+        <p:nvSpPr>
+          <p:cNvPr id="3" name="Title 1">
+            <a:extLst>
+              <a:ext uri="{FF2B5EF4-FFF2-40B4-BE49-F238E27FC236}">
+                <a16:creationId xmlns:a16="http://schemas.microsoft.com/office/drawing/2014/main" id="{32911155-D0EE-48DB-9D0B-1FBCD7885E67}"/>
+              </a:ext>
+            </a:extLst>
+          </p:cNvPr>
+          <p:cNvSpPr txBox="1">
+            <a:spLocks/>
+          </p:cNvSpPr>
+          <p:nvPr/>
+        </p:nvSpPr>
+        <p:spPr>
+          <a:xfrm>
+            <a:off x="1944351" y="1435100"/>
+            <a:ext cx="9997844" cy="4838700"/>
+          </a:xfrm>
+          <a:prstGeom prst="rect">
+            <a:avLst/>
+          </a:prstGeom>
+        </p:spPr>
+        <p:txBody>
+          <a:bodyPr vert="horz" lIns="91440" tIns="45720" rIns="91440" bIns="45720" rtlCol="0" anchor="b">
+            <a:normAutofit/>
+          </a:bodyPr>
+          <a:lstStyle>
+            <a:lvl1pPr algn="l" defTabSz="914400" rtl="0" eaLnBrk="1" latinLnBrk="0" hangingPunct="1">
+              <a:lnSpc>
+                <a:spcPct val="90000"/>
+              </a:lnSpc>
+              <a:spcBef>
+                <a:spcPct val="0"/>
+              </a:spcBef>
+              <a:buNone/>
+              <a:defRPr sz="4800" kern="1200" cap="all" baseline="0">
+                <a:solidFill>
+                  <a:schemeClr val="tx1"/>
+                </a:solidFill>
+                <a:latin typeface="+mj-lt"/>
+                <a:ea typeface="+mj-ea"/>
+                <a:cs typeface="+mj-cs"/>
+              </a:defRPr>
+            </a:lvl1pPr>
+          </a:lstStyle>
+          <a:p>
+            <a:endParaRPr lang="en-US" dirty="0"/>
+          </a:p>
+          <a:p>
+            <a:endParaRPr lang="es-MX" dirty="0"/>
+          </a:p>
+        </p:txBody>
+      </p:sp>
+      <p:pic>
+        <p:nvPicPr>
+          <p:cNvPr id="5" name="Picture 4">
+            <a:extLst>
+              <a:ext uri="{FF2B5EF4-FFF2-40B4-BE49-F238E27FC236}">
+                <a16:creationId xmlns:a16="http://schemas.microsoft.com/office/drawing/2014/main" id="{88650D31-B1B2-4A93-83BC-E6AC50581D52}"/>
+              </a:ext>
+            </a:extLst>
+          </p:cNvPr>
+          <p:cNvPicPr>
+            <a:picLocks noChangeAspect="1"/>
+          </p:cNvPicPr>
+          <p:nvPr/>
+        </p:nvPicPr>
+        <p:blipFill>
+          <a:blip r:embed="rId2">
+            <a:clrChange>
+              <a:clrFrom>
+                <a:srgbClr val="F8F344"/>
+              </a:clrFrom>
+              <a:clrTo>
+                <a:srgbClr val="F8F344">
+                  <a:alpha val="0"/>
+                </a:srgbClr>
+              </a:clrTo>
+            </a:clrChange>
+            <a:duotone>
+              <a:prstClr val="black"/>
+              <a:schemeClr val="accent2">
+                <a:tint val="45000"/>
+                <a:satMod val="400000"/>
+              </a:schemeClr>
+            </a:duotone>
+          </a:blip>
+          <a:stretch>
+            <a:fillRect/>
+          </a:stretch>
+        </p:blipFill>
+        <p:spPr>
+          <a:xfrm>
+            <a:off x="9297565" y="0"/>
+            <a:ext cx="2644630" cy="3089640"/>
+          </a:xfrm>
+          <a:prstGeom prst="rect">
+            <a:avLst/>
+          </a:prstGeom>
+        </p:spPr>
+      </p:pic>
+      <p:sp>
+        <p:nvSpPr>
+          <p:cNvPr id="6" name="Title 1">
+            <a:extLst>
+              <a:ext uri="{FF2B5EF4-FFF2-40B4-BE49-F238E27FC236}">
+                <a16:creationId xmlns:a16="http://schemas.microsoft.com/office/drawing/2014/main" id="{25280967-DA9A-41D0-A8D7-4AFCFE853641}"/>
+              </a:ext>
+            </a:extLst>
+          </p:cNvPr>
+          <p:cNvSpPr txBox="1">
+            <a:spLocks/>
+          </p:cNvSpPr>
+          <p:nvPr/>
+        </p:nvSpPr>
+        <p:spPr>
+          <a:xfrm>
+            <a:off x="1341742" y="2214693"/>
+            <a:ext cx="5637898" cy="1937857"/>
+          </a:xfrm>
+          <a:prstGeom prst="rect">
+            <a:avLst/>
+          </a:prstGeom>
+        </p:spPr>
+        <p:txBody>
+          <a:bodyPr vert="horz" lIns="91440" tIns="45720" rIns="91440" bIns="45720" rtlCol="0" anchor="b">
+            <a:normAutofit fontScale="85000" lnSpcReduction="10000"/>
+          </a:bodyPr>
+          <a:lstStyle>
+            <a:lvl1pPr algn="l" defTabSz="914400" rtl="0" eaLnBrk="1" latinLnBrk="0" hangingPunct="1">
+              <a:lnSpc>
+                <a:spcPct val="90000"/>
+              </a:lnSpc>
+              <a:spcBef>
+                <a:spcPct val="0"/>
+              </a:spcBef>
+              <a:buNone/>
+              <a:defRPr sz="4800" kern="1200" cap="all" baseline="0">
+                <a:solidFill>
+                  <a:schemeClr val="tx1"/>
+                </a:solidFill>
+                <a:latin typeface="+mj-lt"/>
+                <a:ea typeface="+mj-ea"/>
+                <a:cs typeface="+mj-cs"/>
+              </a:defRPr>
+            </a:lvl1pPr>
+          </a:lstStyle>
+          <a:p>
+            <a:r>
+              <a:rPr lang="en-US" sz="2800" cap="none" dirty="0"/>
+              <a:t>Implicit wait</a:t>
+            </a:r>
+          </a:p>
+          <a:p>
+            <a:endParaRPr lang="en-US" sz="2800" cap="none" dirty="0"/>
+          </a:p>
+          <a:p>
+            <a:r>
+              <a:rPr lang="en-US" sz="2800" cap="none" dirty="0"/>
+              <a:t>Implicit wait sets a global setting for our driver, this means that every single time we select something the driver will wait that preset time (</a:t>
+            </a:r>
+            <a:r>
+              <a:rPr lang="en-US" sz="2800" i="1" cap="none" dirty="0"/>
+              <a:t>Think of this as a timeout</a:t>
+            </a:r>
+            <a:r>
+              <a:rPr lang="en-US" sz="2800" cap="none" dirty="0"/>
+              <a:t>) </a:t>
+            </a:r>
+            <a:endParaRPr lang="es-MX" sz="2800" cap="none" dirty="0"/>
+          </a:p>
+        </p:txBody>
+      </p:sp>
+    </p:spTree>
+    <p:extLst>
+      <p:ext uri="{BB962C8B-B14F-4D97-AF65-F5344CB8AC3E}">
+        <p14:creationId xmlns:p14="http://schemas.microsoft.com/office/powerpoint/2010/main" val="3400672914"/>
+      </p:ext>
+    </p:extLst>
+  </p:cSld>
+  <p:clrMapOvr>
+    <a:masterClrMapping/>
+  </p:clrMapOvr>
+</p:sld>
+</file>
+
+<file path=ppt/slides/slide27.xml><?xml version="1.0" encoding="utf-8"?>
+<p:sld xmlns:a="http://schemas.openxmlformats.org/drawingml/2006/main" xmlns:r="http://schemas.openxmlformats.org/officeDocument/2006/relationships" xmlns:p="http://schemas.openxmlformats.org/presentationml/2006/main">
+  <p:cSld>
+    <p:spTree>
+      <p:nvGrpSpPr>
+        <p:cNvPr id="1" name=""/>
+        <p:cNvGrpSpPr/>
+        <p:nvPr/>
+      </p:nvGrpSpPr>
+      <p:grpSpPr>
+        <a:xfrm>
+          <a:off x="0" y="0"/>
+          <a:ext cx="0" cy="0"/>
+          <a:chOff x="0" y="0"/>
+          <a:chExt cx="0" cy="0"/>
+        </a:xfrm>
+      </p:grpSpPr>
+      <p:sp>
+        <p:nvSpPr>
+          <p:cNvPr id="2" name="Title 1">
+            <a:extLst>
+              <a:ext uri="{FF2B5EF4-FFF2-40B4-BE49-F238E27FC236}">
+                <a16:creationId xmlns:a16="http://schemas.microsoft.com/office/drawing/2014/main" id="{53AF1C14-8EF3-46FF-85C2-16DD3949E603}"/>
+              </a:ext>
+            </a:extLst>
+          </p:cNvPr>
+          <p:cNvSpPr>
+            <a:spLocks noGrp="1"/>
+          </p:cNvSpPr>
+          <p:nvPr>
+            <p:ph type="ctrTitle"/>
+          </p:nvPr>
+        </p:nvSpPr>
+        <p:spPr>
+          <a:xfrm>
+            <a:off x="1944351" y="565792"/>
+            <a:ext cx="4151649" cy="869308"/>
+          </a:xfrm>
+        </p:spPr>
+        <p:txBody>
+          <a:bodyPr>
+            <a:normAutofit/>
+          </a:bodyPr>
+          <a:lstStyle/>
+          <a:p>
+            <a:r>
+              <a:rPr lang="en-US" dirty="0"/>
+              <a:t>Explicit waits</a:t>
+            </a:r>
+            <a:endParaRPr lang="es-MX" dirty="0"/>
+          </a:p>
+        </p:txBody>
+      </p:sp>
+      <p:sp>
+        <p:nvSpPr>
+          <p:cNvPr id="3" name="Title 1">
+            <a:extLst>
+              <a:ext uri="{FF2B5EF4-FFF2-40B4-BE49-F238E27FC236}">
+                <a16:creationId xmlns:a16="http://schemas.microsoft.com/office/drawing/2014/main" id="{32911155-D0EE-48DB-9D0B-1FBCD7885E67}"/>
+              </a:ext>
+            </a:extLst>
+          </p:cNvPr>
+          <p:cNvSpPr txBox="1">
+            <a:spLocks/>
+          </p:cNvSpPr>
+          <p:nvPr/>
+        </p:nvSpPr>
+        <p:spPr>
+          <a:xfrm>
+            <a:off x="1944351" y="1435100"/>
+            <a:ext cx="9997844" cy="4838700"/>
+          </a:xfrm>
+          <a:prstGeom prst="rect">
+            <a:avLst/>
+          </a:prstGeom>
+        </p:spPr>
+        <p:txBody>
+          <a:bodyPr vert="horz" lIns="91440" tIns="45720" rIns="91440" bIns="45720" rtlCol="0" anchor="b">
+            <a:normAutofit/>
+          </a:bodyPr>
+          <a:lstStyle>
+            <a:lvl1pPr algn="l" defTabSz="914400" rtl="0" eaLnBrk="1" latinLnBrk="0" hangingPunct="1">
+              <a:lnSpc>
+                <a:spcPct val="90000"/>
+              </a:lnSpc>
+              <a:spcBef>
+                <a:spcPct val="0"/>
+              </a:spcBef>
+              <a:buNone/>
+              <a:defRPr sz="4800" kern="1200" cap="all" baseline="0">
+                <a:solidFill>
+                  <a:schemeClr val="tx1"/>
+                </a:solidFill>
+                <a:latin typeface="+mj-lt"/>
+                <a:ea typeface="+mj-ea"/>
+                <a:cs typeface="+mj-cs"/>
+              </a:defRPr>
+            </a:lvl1pPr>
+          </a:lstStyle>
+          <a:p>
+            <a:endParaRPr lang="en-US" dirty="0"/>
+          </a:p>
+          <a:p>
+            <a:endParaRPr lang="es-MX" dirty="0"/>
+          </a:p>
+        </p:txBody>
+      </p:sp>
+      <p:pic>
+        <p:nvPicPr>
+          <p:cNvPr id="5" name="Picture 4">
+            <a:extLst>
+              <a:ext uri="{FF2B5EF4-FFF2-40B4-BE49-F238E27FC236}">
+                <a16:creationId xmlns:a16="http://schemas.microsoft.com/office/drawing/2014/main" id="{88650D31-B1B2-4A93-83BC-E6AC50581D52}"/>
+              </a:ext>
+            </a:extLst>
+          </p:cNvPr>
+          <p:cNvPicPr>
+            <a:picLocks noChangeAspect="1"/>
+          </p:cNvPicPr>
+          <p:nvPr/>
+        </p:nvPicPr>
+        <p:blipFill>
+          <a:blip r:embed="rId2">
+            <a:clrChange>
+              <a:clrFrom>
+                <a:srgbClr val="F8F344"/>
+              </a:clrFrom>
+              <a:clrTo>
+                <a:srgbClr val="F8F344">
+                  <a:alpha val="0"/>
+                </a:srgbClr>
+              </a:clrTo>
+            </a:clrChange>
+            <a:duotone>
+              <a:prstClr val="black"/>
+              <a:schemeClr val="accent2">
+                <a:tint val="45000"/>
+                <a:satMod val="400000"/>
+              </a:schemeClr>
+            </a:duotone>
+          </a:blip>
+          <a:stretch>
+            <a:fillRect/>
+          </a:stretch>
+        </p:blipFill>
+        <p:spPr>
+          <a:xfrm>
+            <a:off x="9297565" y="0"/>
+            <a:ext cx="2644630" cy="3089640"/>
+          </a:xfrm>
+          <a:prstGeom prst="rect">
+            <a:avLst/>
+          </a:prstGeom>
+        </p:spPr>
+      </p:pic>
+      <p:sp>
+        <p:nvSpPr>
+          <p:cNvPr id="6" name="Title 1">
+            <a:extLst>
+              <a:ext uri="{FF2B5EF4-FFF2-40B4-BE49-F238E27FC236}">
+                <a16:creationId xmlns:a16="http://schemas.microsoft.com/office/drawing/2014/main" id="{25280967-DA9A-41D0-A8D7-4AFCFE853641}"/>
+              </a:ext>
+            </a:extLst>
+          </p:cNvPr>
+          <p:cNvSpPr txBox="1">
+            <a:spLocks/>
+          </p:cNvSpPr>
+          <p:nvPr/>
+        </p:nvSpPr>
+        <p:spPr>
+          <a:xfrm>
+            <a:off x="1341742" y="2214693"/>
+            <a:ext cx="5637898" cy="1937857"/>
+          </a:xfrm>
+          <a:prstGeom prst="rect">
+            <a:avLst/>
+          </a:prstGeom>
+        </p:spPr>
+        <p:txBody>
+          <a:bodyPr vert="horz" lIns="91440" tIns="45720" rIns="91440" bIns="45720" rtlCol="0" anchor="b">
+            <a:normAutofit fontScale="92500" lnSpcReduction="20000"/>
+          </a:bodyPr>
+          <a:lstStyle>
+            <a:lvl1pPr algn="l" defTabSz="914400" rtl="0" eaLnBrk="1" latinLnBrk="0" hangingPunct="1">
+              <a:lnSpc>
+                <a:spcPct val="90000"/>
+              </a:lnSpc>
+              <a:spcBef>
+                <a:spcPct val="0"/>
+              </a:spcBef>
+              <a:buNone/>
+              <a:defRPr sz="4800" kern="1200" cap="all" baseline="0">
+                <a:solidFill>
+                  <a:schemeClr val="tx1"/>
+                </a:solidFill>
+                <a:latin typeface="+mj-lt"/>
+                <a:ea typeface="+mj-ea"/>
+                <a:cs typeface="+mj-cs"/>
+              </a:defRPr>
+            </a:lvl1pPr>
+          </a:lstStyle>
+          <a:p>
+            <a:r>
+              <a:rPr lang="en-US" sz="2800" cap="none" dirty="0"/>
+              <a:t>Explicit Wait</a:t>
+            </a:r>
+          </a:p>
+          <a:p>
+            <a:endParaRPr lang="en-US" sz="2800" cap="none" dirty="0"/>
+          </a:p>
+          <a:p>
+            <a:r>
+              <a:rPr lang="en-US" sz="2800" cap="none" dirty="0"/>
+              <a:t>With explicit waits we call out when something is dynamic and when something isn’t dynamic and the element should be available.  </a:t>
+            </a:r>
+            <a:endParaRPr lang="es-MX" sz="2800" cap="none" dirty="0"/>
+          </a:p>
+        </p:txBody>
+      </p:sp>
+      <p:sp>
+        <p:nvSpPr>
+          <p:cNvPr id="7" name="Title 1">
+            <a:extLst>
+              <a:ext uri="{FF2B5EF4-FFF2-40B4-BE49-F238E27FC236}">
+                <a16:creationId xmlns:a16="http://schemas.microsoft.com/office/drawing/2014/main" id="{E85D87ED-2924-4453-BC2F-A29D16D360A1}"/>
+              </a:ext>
+            </a:extLst>
+          </p:cNvPr>
+          <p:cNvSpPr txBox="1">
+            <a:spLocks/>
+          </p:cNvSpPr>
+          <p:nvPr/>
+        </p:nvSpPr>
+        <p:spPr>
+          <a:xfrm>
+            <a:off x="6166815" y="5234730"/>
+            <a:ext cx="5637898" cy="1175860"/>
+          </a:xfrm>
+          <a:prstGeom prst="rect">
+            <a:avLst/>
+          </a:prstGeom>
+        </p:spPr>
+        <p:txBody>
+          <a:bodyPr vert="horz" lIns="91440" tIns="45720" rIns="91440" bIns="45720" rtlCol="0" anchor="b">
+            <a:normAutofit lnSpcReduction="10000"/>
+          </a:bodyPr>
+          <a:lstStyle>
+            <a:lvl1pPr algn="l" defTabSz="914400" rtl="0" eaLnBrk="1" latinLnBrk="0" hangingPunct="1">
+              <a:lnSpc>
+                <a:spcPct val="90000"/>
+              </a:lnSpc>
+              <a:spcBef>
+                <a:spcPct val="0"/>
+              </a:spcBef>
+              <a:buNone/>
+              <a:defRPr sz="4800" kern="1200" cap="all" baseline="0">
+                <a:solidFill>
+                  <a:schemeClr val="tx1"/>
+                </a:solidFill>
+                <a:latin typeface="+mj-lt"/>
+                <a:ea typeface="+mj-ea"/>
+                <a:cs typeface="+mj-cs"/>
+              </a:defRPr>
+            </a:lvl1pPr>
+          </a:lstStyle>
+          <a:p>
+            <a:r>
+              <a:rPr lang="en-US" sz="2000" cap="none" dirty="0"/>
+              <a:t>Implicit Wait</a:t>
+            </a:r>
+          </a:p>
+          <a:p>
+            <a:r>
+              <a:rPr lang="en-US" sz="2000" cap="none" dirty="0"/>
+              <a:t>Implicit wait sets a global setting for our driver, this means that every single time we select something the driver will wait that preset time  </a:t>
+            </a:r>
+            <a:endParaRPr lang="es-MX" sz="2000" cap="none" dirty="0"/>
+          </a:p>
+        </p:txBody>
+      </p:sp>
+    </p:spTree>
+    <p:extLst>
+      <p:ext uri="{BB962C8B-B14F-4D97-AF65-F5344CB8AC3E}">
+        <p14:creationId xmlns:p14="http://schemas.microsoft.com/office/powerpoint/2010/main" val="2843837676"/>
+      </p:ext>
+    </p:extLst>
+  </p:cSld>
+  <p:clrMapOvr>
+    <a:masterClrMapping/>
+  </p:clrMapOvr>
+</p:sld>
+</file>
+
+<file path=ppt/slides/slide28.xml><?xml version="1.0" encoding="utf-8"?>
+<p:sld xmlns:a="http://schemas.openxmlformats.org/drawingml/2006/main" xmlns:r="http://schemas.openxmlformats.org/officeDocument/2006/relationships" xmlns:p="http://schemas.openxmlformats.org/presentationml/2006/main">
+  <p:cSld>
+    <p:spTree>
+      <p:nvGrpSpPr>
+        <p:cNvPr id="1" name=""/>
+        <p:cNvGrpSpPr/>
+        <p:nvPr/>
+      </p:nvGrpSpPr>
+      <p:grpSpPr>
+        <a:xfrm>
+          <a:off x="0" y="0"/>
+          <a:ext cx="0" cy="0"/>
+          <a:chOff x="0" y="0"/>
+          <a:chExt cx="0" cy="0"/>
+        </a:xfrm>
+      </p:grpSpPr>
+      <p:sp>
+        <p:nvSpPr>
+          <p:cNvPr id="2" name="Title 1">
+            <a:extLst>
+              <a:ext uri="{FF2B5EF4-FFF2-40B4-BE49-F238E27FC236}">
+                <a16:creationId xmlns:a16="http://schemas.microsoft.com/office/drawing/2014/main" id="{53AF1C14-8EF3-46FF-85C2-16DD3949E603}"/>
+              </a:ext>
+            </a:extLst>
+          </p:cNvPr>
+          <p:cNvSpPr>
+            <a:spLocks noGrp="1"/>
+          </p:cNvSpPr>
+          <p:nvPr>
+            <p:ph type="ctrTitle"/>
+          </p:nvPr>
+        </p:nvSpPr>
+        <p:spPr>
+          <a:xfrm>
+            <a:off x="1415845" y="2559692"/>
+            <a:ext cx="5739964" cy="869308"/>
+          </a:xfrm>
+        </p:spPr>
+        <p:txBody>
+          <a:bodyPr>
+            <a:normAutofit/>
+          </a:bodyPr>
+          <a:lstStyle/>
+          <a:p>
+            <a:r>
+              <a:rPr lang="en-US" dirty="0"/>
+              <a:t>Demo  -- waits</a:t>
+            </a:r>
+            <a:endParaRPr lang="es-MX" dirty="0"/>
+          </a:p>
+        </p:txBody>
+      </p:sp>
+      <p:sp>
+        <p:nvSpPr>
+          <p:cNvPr id="3" name="Title 1">
+            <a:extLst>
+              <a:ext uri="{FF2B5EF4-FFF2-40B4-BE49-F238E27FC236}">
+                <a16:creationId xmlns:a16="http://schemas.microsoft.com/office/drawing/2014/main" id="{32911155-D0EE-48DB-9D0B-1FBCD7885E67}"/>
+              </a:ext>
+            </a:extLst>
+          </p:cNvPr>
+          <p:cNvSpPr txBox="1">
+            <a:spLocks/>
+          </p:cNvSpPr>
+          <p:nvPr/>
+        </p:nvSpPr>
+        <p:spPr>
+          <a:xfrm>
+            <a:off x="1944351" y="1435100"/>
+            <a:ext cx="9997844" cy="4838700"/>
+          </a:xfrm>
+          <a:prstGeom prst="rect">
+            <a:avLst/>
+          </a:prstGeom>
+        </p:spPr>
+        <p:txBody>
+          <a:bodyPr vert="horz" lIns="91440" tIns="45720" rIns="91440" bIns="45720" rtlCol="0" anchor="b">
+            <a:normAutofit/>
+          </a:bodyPr>
+          <a:lstStyle>
+            <a:lvl1pPr algn="l" defTabSz="914400" rtl="0" eaLnBrk="1" latinLnBrk="0" hangingPunct="1">
+              <a:lnSpc>
+                <a:spcPct val="90000"/>
+              </a:lnSpc>
+              <a:spcBef>
+                <a:spcPct val="0"/>
+              </a:spcBef>
+              <a:buNone/>
+              <a:defRPr sz="4800" kern="1200" cap="all" baseline="0">
+                <a:solidFill>
+                  <a:schemeClr val="tx1"/>
+                </a:solidFill>
+                <a:latin typeface="+mj-lt"/>
+                <a:ea typeface="+mj-ea"/>
+                <a:cs typeface="+mj-cs"/>
+              </a:defRPr>
+            </a:lvl1pPr>
+          </a:lstStyle>
+          <a:p>
+            <a:endParaRPr lang="en-US" dirty="0"/>
+          </a:p>
+          <a:p>
+            <a:endParaRPr lang="es-MX" dirty="0"/>
+          </a:p>
+        </p:txBody>
+      </p:sp>
+      <p:pic>
+        <p:nvPicPr>
+          <p:cNvPr id="4" name="Picture 3">
+            <a:extLst>
+              <a:ext uri="{FF2B5EF4-FFF2-40B4-BE49-F238E27FC236}">
+                <a16:creationId xmlns:a16="http://schemas.microsoft.com/office/drawing/2014/main" id="{ABFB7E50-674A-46C3-8290-23A4D6E5081D}"/>
+              </a:ext>
+            </a:extLst>
+          </p:cNvPr>
+          <p:cNvPicPr>
+            <a:picLocks noChangeAspect="1"/>
+          </p:cNvPicPr>
+          <p:nvPr/>
+        </p:nvPicPr>
+        <p:blipFill>
+          <a:blip r:embed="rId2">
+            <a:clrChange>
+              <a:clrFrom>
+                <a:srgbClr val="F8F344"/>
+              </a:clrFrom>
+              <a:clrTo>
+                <a:srgbClr val="F8F344">
+                  <a:alpha val="0"/>
+                </a:srgbClr>
+              </a:clrTo>
+            </a:clrChange>
+            <a:duotone>
+              <a:prstClr val="black"/>
+              <a:schemeClr val="accent2">
+                <a:tint val="45000"/>
+                <a:satMod val="400000"/>
+              </a:schemeClr>
+            </a:duotone>
+          </a:blip>
+          <a:stretch>
+            <a:fillRect/>
+          </a:stretch>
+        </p:blipFill>
+        <p:spPr>
+          <a:xfrm>
+            <a:off x="7800427" y="858974"/>
+            <a:ext cx="4141768" cy="4838700"/>
+          </a:xfrm>
+          <a:prstGeom prst="rect">
+            <a:avLst/>
+          </a:prstGeom>
+        </p:spPr>
+      </p:pic>
+    </p:spTree>
+    <p:extLst>
+      <p:ext uri="{BB962C8B-B14F-4D97-AF65-F5344CB8AC3E}">
+        <p14:creationId xmlns:p14="http://schemas.microsoft.com/office/powerpoint/2010/main" val="2782095552"/>
+      </p:ext>
+    </p:extLst>
+  </p:cSld>
+  <p:clrMapOvr>
+    <a:masterClrMapping/>
+  </p:clrMapOvr>
+</p:sld>
+</file>
+
+<file path=ppt/slides/slide29.xml><?xml version="1.0" encoding="utf-8"?>
+<p:sld xmlns:a="http://schemas.openxmlformats.org/drawingml/2006/main" xmlns:r="http://schemas.openxmlformats.org/officeDocument/2006/relationships" xmlns:p="http://schemas.openxmlformats.org/presentationml/2006/main">
+  <p:cSld>
+    <p:spTree>
+      <p:nvGrpSpPr>
+        <p:cNvPr id="1" name=""/>
+        <p:cNvGrpSpPr/>
+        <p:nvPr/>
+      </p:nvGrpSpPr>
+      <p:grpSpPr>
+        <a:xfrm>
+          <a:off x="0" y="0"/>
+          <a:ext cx="0" cy="0"/>
+          <a:chOff x="0" y="0"/>
+          <a:chExt cx="0" cy="0"/>
+        </a:xfrm>
+      </p:grpSpPr>
+      <p:sp>
+        <p:nvSpPr>
+          <p:cNvPr id="2" name="Title 1">
+            <a:extLst>
+              <a:ext uri="{FF2B5EF4-FFF2-40B4-BE49-F238E27FC236}">
+                <a16:creationId xmlns:a16="http://schemas.microsoft.com/office/drawing/2014/main" id="{53AF1C14-8EF3-46FF-85C2-16DD3949E603}"/>
+              </a:ext>
+            </a:extLst>
+          </p:cNvPr>
+          <p:cNvSpPr>
+            <a:spLocks noGrp="1"/>
+          </p:cNvSpPr>
+          <p:nvPr>
+            <p:ph type="ctrTitle"/>
+          </p:nvPr>
+        </p:nvSpPr>
+        <p:spPr>
+          <a:xfrm>
+            <a:off x="2079624" y="1003300"/>
+            <a:ext cx="9223376" cy="762000"/>
+          </a:xfrm>
+        </p:spPr>
+        <p:txBody>
+          <a:bodyPr>
+            <a:normAutofit fontScale="90000"/>
+          </a:bodyPr>
+          <a:lstStyle/>
+          <a:p>
+            <a:r>
+              <a:rPr lang="en-US" dirty="0"/>
+              <a:t>Summary</a:t>
+            </a:r>
+            <a:br>
+              <a:rPr lang="en-US" dirty="0"/>
+            </a:br>
+            <a:endParaRPr lang="es-MX" dirty="0"/>
+          </a:p>
+        </p:txBody>
+      </p:sp>
+      <p:sp>
+        <p:nvSpPr>
+          <p:cNvPr id="3" name="Title 1">
+            <a:extLst>
+              <a:ext uri="{FF2B5EF4-FFF2-40B4-BE49-F238E27FC236}">
+                <a16:creationId xmlns:a16="http://schemas.microsoft.com/office/drawing/2014/main" id="{F1E6199C-440F-47C6-9490-57DFAD41D615}"/>
+              </a:ext>
+            </a:extLst>
+          </p:cNvPr>
+          <p:cNvSpPr txBox="1">
+            <a:spLocks/>
+          </p:cNvSpPr>
+          <p:nvPr/>
+        </p:nvSpPr>
+        <p:spPr>
+          <a:xfrm>
+            <a:off x="1927224" y="1625600"/>
+            <a:ext cx="9223376" cy="4607420"/>
+          </a:xfrm>
+          <a:prstGeom prst="rect">
+            <a:avLst/>
+          </a:prstGeom>
+        </p:spPr>
+        <p:txBody>
+          <a:bodyPr vert="horz" lIns="91440" tIns="45720" rIns="91440" bIns="45720" rtlCol="0" anchor="b">
+            <a:normAutofit fontScale="75000" lnSpcReduction="20000"/>
+          </a:bodyPr>
+          <a:lstStyle>
+            <a:lvl1pPr algn="l" defTabSz="914400" rtl="0" eaLnBrk="1" latinLnBrk="0" hangingPunct="1">
+              <a:lnSpc>
+                <a:spcPct val="90000"/>
+              </a:lnSpc>
+              <a:spcBef>
+                <a:spcPct val="0"/>
+              </a:spcBef>
+              <a:buNone/>
+              <a:defRPr sz="4800" kern="1200" cap="all" baseline="0">
+                <a:solidFill>
+                  <a:schemeClr val="tx1"/>
+                </a:solidFill>
+                <a:latin typeface="+mj-lt"/>
+                <a:ea typeface="+mj-ea"/>
+                <a:cs typeface="+mj-cs"/>
+              </a:defRPr>
+            </a:lvl1pPr>
+          </a:lstStyle>
+          <a:p>
+            <a:pPr marL="685800" indent="-685800">
+              <a:buFont typeface="Wingdings" panose="05000000000000000000" pitchFamily="2" charset="2"/>
+              <a:buChar char="ü"/>
+            </a:pPr>
+            <a:r>
+              <a:rPr lang="en-US" dirty="0"/>
+              <a:t>Radio buttons</a:t>
+            </a:r>
+          </a:p>
+          <a:p>
+            <a:pPr marL="685800" indent="-685800">
+              <a:buFont typeface="Wingdings" panose="05000000000000000000" pitchFamily="2" charset="2"/>
+              <a:buChar char="ü"/>
+            </a:pPr>
+            <a:endParaRPr lang="en-US" dirty="0"/>
+          </a:p>
+          <a:p>
+            <a:pPr marL="685800" indent="-685800">
+              <a:buFont typeface="Wingdings" panose="05000000000000000000" pitchFamily="2" charset="2"/>
+              <a:buChar char="ü"/>
+            </a:pPr>
+            <a:r>
+              <a:rPr lang="en-US" dirty="0"/>
+              <a:t>Checkboxes</a:t>
+            </a:r>
+          </a:p>
+          <a:p>
+            <a:pPr marL="685800" indent="-685800">
+              <a:buFont typeface="Wingdings" panose="05000000000000000000" pitchFamily="2" charset="2"/>
+              <a:buChar char="ü"/>
+            </a:pPr>
+            <a:endParaRPr lang="en-US" dirty="0"/>
+          </a:p>
+          <a:p>
+            <a:pPr marL="685800" indent="-685800">
+              <a:buFont typeface="Wingdings" panose="05000000000000000000" pitchFamily="2" charset="2"/>
+              <a:buChar char="ü"/>
+            </a:pPr>
+            <a:r>
+              <a:rPr lang="en-US" dirty="0"/>
+              <a:t>Select items</a:t>
+            </a:r>
+          </a:p>
+          <a:p>
+            <a:pPr marL="685800" indent="-685800">
+              <a:buFont typeface="Wingdings" panose="05000000000000000000" pitchFamily="2" charset="2"/>
+              <a:buChar char="ü"/>
+            </a:pPr>
+            <a:endParaRPr lang="en-US" dirty="0"/>
+          </a:p>
+          <a:p>
+            <a:pPr marL="685800" indent="-685800">
+              <a:buFont typeface="Wingdings" panose="05000000000000000000" pitchFamily="2" charset="2"/>
+              <a:buChar char="ü"/>
+            </a:pPr>
+            <a:r>
+              <a:rPr lang="en-US" dirty="0" err="1"/>
+              <a:t>Xpath</a:t>
+            </a:r>
+            <a:endParaRPr lang="en-US" dirty="0"/>
+          </a:p>
+          <a:p>
+            <a:pPr marL="685800" indent="-685800">
+              <a:buFont typeface="Wingdings" panose="05000000000000000000" pitchFamily="2" charset="2"/>
+              <a:buChar char="ü"/>
+            </a:pPr>
+            <a:endParaRPr lang="en-US" dirty="0"/>
+          </a:p>
+          <a:p>
+            <a:pPr marL="685800" indent="-685800">
+              <a:buFont typeface="Wingdings" panose="05000000000000000000" pitchFamily="2" charset="2"/>
+              <a:buChar char="ü"/>
+            </a:pPr>
+            <a:r>
+              <a:rPr lang="en-US" dirty="0"/>
+              <a:t>Explicit waits vs implicit waits</a:t>
+            </a:r>
+          </a:p>
+          <a:p>
+            <a:br>
+              <a:rPr lang="en-US" dirty="0"/>
+            </a:br>
+            <a:endParaRPr lang="es-MX" dirty="0"/>
+          </a:p>
+        </p:txBody>
+      </p:sp>
+    </p:spTree>
+    <p:extLst>
+      <p:ext uri="{BB962C8B-B14F-4D97-AF65-F5344CB8AC3E}">
+        <p14:creationId xmlns:p14="http://schemas.microsoft.com/office/powerpoint/2010/main" val="2216083395"/>
       </p:ext>
     </p:extLst>
   </p:cSld>
@@ -14734,6 +16151,4239 @@
     <p:extLst>
       <p:ext uri="{BB962C8B-B14F-4D97-AF65-F5344CB8AC3E}">
         <p14:creationId xmlns:p14="http://schemas.microsoft.com/office/powerpoint/2010/main" val="4125617440"/>
+      </p:ext>
+    </p:extLst>
+  </p:cSld>
+  <p:clrMapOvr>
+    <a:masterClrMapping/>
+  </p:clrMapOvr>
+</p:sld>
+</file>
+
+<file path=ppt/slides/slide30.xml><?xml version="1.0" encoding="utf-8"?>
+<p:sld xmlns:a="http://schemas.openxmlformats.org/drawingml/2006/main" xmlns:r="http://schemas.openxmlformats.org/officeDocument/2006/relationships" xmlns:p="http://schemas.openxmlformats.org/presentationml/2006/main">
+  <p:cSld>
+    <p:spTree>
+      <p:nvGrpSpPr>
+        <p:cNvPr id="1" name=""/>
+        <p:cNvGrpSpPr/>
+        <p:nvPr/>
+      </p:nvGrpSpPr>
+      <p:grpSpPr>
+        <a:xfrm>
+          <a:off x="0" y="0"/>
+          <a:ext cx="0" cy="0"/>
+          <a:chOff x="0" y="0"/>
+          <a:chExt cx="0" cy="0"/>
+        </a:xfrm>
+      </p:grpSpPr>
+      <p:sp>
+        <p:nvSpPr>
+          <p:cNvPr id="2" name="Title 1">
+            <a:extLst>
+              <a:ext uri="{FF2B5EF4-FFF2-40B4-BE49-F238E27FC236}">
+                <a16:creationId xmlns:a16="http://schemas.microsoft.com/office/drawing/2014/main" id="{53AF1C14-8EF3-46FF-85C2-16DD3949E603}"/>
+              </a:ext>
+            </a:extLst>
+          </p:cNvPr>
+          <p:cNvSpPr>
+            <a:spLocks noGrp="1"/>
+          </p:cNvSpPr>
+          <p:nvPr>
+            <p:ph type="ctrTitle"/>
+          </p:nvPr>
+        </p:nvSpPr>
+        <p:spPr>
+          <a:xfrm>
+            <a:off x="2079624" y="1003300"/>
+            <a:ext cx="9223376" cy="762000"/>
+          </a:xfrm>
+        </p:spPr>
+        <p:txBody>
+          <a:bodyPr>
+            <a:normAutofit/>
+          </a:bodyPr>
+          <a:lstStyle/>
+          <a:p>
+            <a:r>
+              <a:rPr lang="en-US" dirty="0"/>
+              <a:t>Selenium Server</a:t>
+            </a:r>
+            <a:endParaRPr lang="es-MX" dirty="0"/>
+          </a:p>
+        </p:txBody>
+      </p:sp>
+      <p:sp>
+        <p:nvSpPr>
+          <p:cNvPr id="3" name="Title 1">
+            <a:extLst>
+              <a:ext uri="{FF2B5EF4-FFF2-40B4-BE49-F238E27FC236}">
+                <a16:creationId xmlns:a16="http://schemas.microsoft.com/office/drawing/2014/main" id="{F1E6199C-440F-47C6-9490-57DFAD41D615}"/>
+              </a:ext>
+            </a:extLst>
+          </p:cNvPr>
+          <p:cNvSpPr txBox="1">
+            <a:spLocks/>
+          </p:cNvSpPr>
+          <p:nvPr/>
+        </p:nvSpPr>
+        <p:spPr>
+          <a:xfrm>
+            <a:off x="1927224" y="1625600"/>
+            <a:ext cx="9223376" cy="4607420"/>
+          </a:xfrm>
+          <a:prstGeom prst="rect">
+            <a:avLst/>
+          </a:prstGeom>
+        </p:spPr>
+        <p:txBody>
+          <a:bodyPr vert="horz" lIns="91440" tIns="45720" rIns="91440" bIns="45720" rtlCol="0" anchor="b">
+            <a:normAutofit fontScale="97500"/>
+          </a:bodyPr>
+          <a:lstStyle>
+            <a:lvl1pPr algn="l" defTabSz="914400" rtl="0" eaLnBrk="1" latinLnBrk="0" hangingPunct="1">
+              <a:lnSpc>
+                <a:spcPct val="90000"/>
+              </a:lnSpc>
+              <a:spcBef>
+                <a:spcPct val="0"/>
+              </a:spcBef>
+              <a:buNone/>
+              <a:defRPr sz="4800" kern="1200" cap="all" baseline="0">
+                <a:solidFill>
+                  <a:schemeClr val="tx1"/>
+                </a:solidFill>
+                <a:latin typeface="+mj-lt"/>
+                <a:ea typeface="+mj-ea"/>
+                <a:cs typeface="+mj-cs"/>
+              </a:defRPr>
+            </a:lvl1pPr>
+          </a:lstStyle>
+          <a:p>
+            <a:endParaRPr lang="en-US" dirty="0"/>
+          </a:p>
+          <a:p>
+            <a:br>
+              <a:rPr lang="en-US" dirty="0"/>
+            </a:br>
+            <a:endParaRPr lang="es-MX" dirty="0"/>
+          </a:p>
+        </p:txBody>
+      </p:sp>
+      <p:sp>
+        <p:nvSpPr>
+          <p:cNvPr id="4" name="Title 1">
+            <a:extLst>
+              <a:ext uri="{FF2B5EF4-FFF2-40B4-BE49-F238E27FC236}">
+                <a16:creationId xmlns:a16="http://schemas.microsoft.com/office/drawing/2014/main" id="{94CCD4F8-E300-4453-9268-487A210487A9}"/>
+              </a:ext>
+            </a:extLst>
+          </p:cNvPr>
+          <p:cNvSpPr txBox="1">
+            <a:spLocks/>
+          </p:cNvSpPr>
+          <p:nvPr/>
+        </p:nvSpPr>
+        <p:spPr>
+          <a:xfrm>
+            <a:off x="1927224" y="2002988"/>
+            <a:ext cx="8659682" cy="4011918"/>
+          </a:xfrm>
+          <a:prstGeom prst="rect">
+            <a:avLst/>
+          </a:prstGeom>
+        </p:spPr>
+        <p:txBody>
+          <a:bodyPr vert="horz" lIns="91440" tIns="45720" rIns="91440" bIns="45720" rtlCol="0" anchor="b">
+            <a:normAutofit fontScale="92500" lnSpcReduction="10000"/>
+          </a:bodyPr>
+          <a:lstStyle>
+            <a:lvl1pPr algn="l" defTabSz="914400" rtl="0" eaLnBrk="1" latinLnBrk="0" hangingPunct="1">
+              <a:lnSpc>
+                <a:spcPct val="90000"/>
+              </a:lnSpc>
+              <a:spcBef>
+                <a:spcPct val="0"/>
+              </a:spcBef>
+              <a:buNone/>
+              <a:defRPr sz="4800" kern="1200" cap="all" baseline="0">
+                <a:solidFill>
+                  <a:schemeClr val="tx1"/>
+                </a:solidFill>
+                <a:latin typeface="+mj-lt"/>
+                <a:ea typeface="+mj-ea"/>
+                <a:cs typeface="+mj-cs"/>
+              </a:defRPr>
+            </a:lvl1pPr>
+          </a:lstStyle>
+          <a:p>
+            <a:r>
+              <a:rPr lang="en-US" sz="3600" cap="none" dirty="0"/>
+              <a:t>We can take one of our selenium scripts and execute them in a cloud or remote base scenario, to do this we direct our script to a server we had configured, and each test can be configure to execute in a different server or use specified driver.</a:t>
+            </a:r>
+            <a:r>
+              <a:rPr lang="en-US" dirty="0"/>
+              <a:t> </a:t>
+            </a:r>
+          </a:p>
+          <a:p>
+            <a:r>
+              <a:rPr lang="en-US" sz="3600" cap="none" dirty="0"/>
+              <a:t>Sample we can have a UNIX server running chrome driver and we can have another one with IOS running a safari driver</a:t>
+            </a:r>
+            <a:endParaRPr lang="es-MX" sz="3600" cap="none" dirty="0"/>
+          </a:p>
+        </p:txBody>
+      </p:sp>
+    </p:spTree>
+    <p:extLst>
+      <p:ext uri="{BB962C8B-B14F-4D97-AF65-F5344CB8AC3E}">
+        <p14:creationId xmlns:p14="http://schemas.microsoft.com/office/powerpoint/2010/main" val="3887620746"/>
+      </p:ext>
+    </p:extLst>
+  </p:cSld>
+  <p:clrMapOvr>
+    <a:masterClrMapping/>
+  </p:clrMapOvr>
+</p:sld>
+</file>
+
+<file path=ppt/slides/slide31.xml><?xml version="1.0" encoding="utf-8"?>
+<p:sld xmlns:a="http://schemas.openxmlformats.org/drawingml/2006/main" xmlns:r="http://schemas.openxmlformats.org/officeDocument/2006/relationships" xmlns:p="http://schemas.openxmlformats.org/presentationml/2006/main">
+  <p:cSld>
+    <p:spTree>
+      <p:nvGrpSpPr>
+        <p:cNvPr id="1" name=""/>
+        <p:cNvGrpSpPr/>
+        <p:nvPr/>
+      </p:nvGrpSpPr>
+      <p:grpSpPr>
+        <a:xfrm>
+          <a:off x="0" y="0"/>
+          <a:ext cx="0" cy="0"/>
+          <a:chOff x="0" y="0"/>
+          <a:chExt cx="0" cy="0"/>
+        </a:xfrm>
+      </p:grpSpPr>
+      <p:sp>
+        <p:nvSpPr>
+          <p:cNvPr id="2" name="Title 1">
+            <a:extLst>
+              <a:ext uri="{FF2B5EF4-FFF2-40B4-BE49-F238E27FC236}">
+                <a16:creationId xmlns:a16="http://schemas.microsoft.com/office/drawing/2014/main" id="{53AF1C14-8EF3-46FF-85C2-16DD3949E603}"/>
+              </a:ext>
+            </a:extLst>
+          </p:cNvPr>
+          <p:cNvSpPr>
+            <a:spLocks noGrp="1"/>
+          </p:cNvSpPr>
+          <p:nvPr>
+            <p:ph type="ctrTitle"/>
+          </p:nvPr>
+        </p:nvSpPr>
+        <p:spPr>
+          <a:xfrm>
+            <a:off x="2017797" y="1171710"/>
+            <a:ext cx="4405066" cy="762000"/>
+          </a:xfrm>
+        </p:spPr>
+        <p:txBody>
+          <a:bodyPr>
+            <a:normAutofit fontScale="90000"/>
+          </a:bodyPr>
+          <a:lstStyle/>
+          <a:p>
+            <a:r>
+              <a:rPr lang="en-US" dirty="0"/>
+              <a:t>Selenium Server the picture</a:t>
+            </a:r>
+            <a:endParaRPr lang="es-MX" dirty="0"/>
+          </a:p>
+        </p:txBody>
+      </p:sp>
+      <p:sp>
+        <p:nvSpPr>
+          <p:cNvPr id="3" name="Title 1">
+            <a:extLst>
+              <a:ext uri="{FF2B5EF4-FFF2-40B4-BE49-F238E27FC236}">
+                <a16:creationId xmlns:a16="http://schemas.microsoft.com/office/drawing/2014/main" id="{F1E6199C-440F-47C6-9490-57DFAD41D615}"/>
+              </a:ext>
+            </a:extLst>
+          </p:cNvPr>
+          <p:cNvSpPr txBox="1">
+            <a:spLocks/>
+          </p:cNvSpPr>
+          <p:nvPr/>
+        </p:nvSpPr>
+        <p:spPr>
+          <a:xfrm>
+            <a:off x="1927224" y="1625600"/>
+            <a:ext cx="9223376" cy="4607420"/>
+          </a:xfrm>
+          <a:prstGeom prst="rect">
+            <a:avLst/>
+          </a:prstGeom>
+        </p:spPr>
+        <p:txBody>
+          <a:bodyPr vert="horz" lIns="91440" tIns="45720" rIns="91440" bIns="45720" rtlCol="0" anchor="b">
+            <a:normAutofit fontScale="97500"/>
+          </a:bodyPr>
+          <a:lstStyle>
+            <a:lvl1pPr algn="l" defTabSz="914400" rtl="0" eaLnBrk="1" latinLnBrk="0" hangingPunct="1">
+              <a:lnSpc>
+                <a:spcPct val="90000"/>
+              </a:lnSpc>
+              <a:spcBef>
+                <a:spcPct val="0"/>
+              </a:spcBef>
+              <a:buNone/>
+              <a:defRPr sz="4800" kern="1200" cap="all" baseline="0">
+                <a:solidFill>
+                  <a:schemeClr val="tx1"/>
+                </a:solidFill>
+                <a:latin typeface="+mj-lt"/>
+                <a:ea typeface="+mj-ea"/>
+                <a:cs typeface="+mj-cs"/>
+              </a:defRPr>
+            </a:lvl1pPr>
+          </a:lstStyle>
+          <a:p>
+            <a:endParaRPr lang="en-US" dirty="0"/>
+          </a:p>
+          <a:p>
+            <a:br>
+              <a:rPr lang="en-US" dirty="0"/>
+            </a:br>
+            <a:endParaRPr lang="es-MX" dirty="0"/>
+          </a:p>
+        </p:txBody>
+      </p:sp>
+      <p:sp>
+        <p:nvSpPr>
+          <p:cNvPr id="5" name="Scroll: Vertical 4">
+            <a:extLst>
+              <a:ext uri="{FF2B5EF4-FFF2-40B4-BE49-F238E27FC236}">
+                <a16:creationId xmlns:a16="http://schemas.microsoft.com/office/drawing/2014/main" id="{C84691C9-FDB4-45BB-9E9C-606B21EA8531}"/>
+              </a:ext>
+            </a:extLst>
+          </p:cNvPr>
+          <p:cNvSpPr/>
+          <p:nvPr/>
+        </p:nvSpPr>
+        <p:spPr>
+          <a:xfrm>
+            <a:off x="1501629" y="2810312"/>
+            <a:ext cx="273195" cy="302004"/>
+          </a:xfrm>
+          <a:prstGeom prst="verticalScroll">
+            <a:avLst/>
+          </a:prstGeom>
+          <a:solidFill>
+            <a:schemeClr val="bg2">
+              <a:lumMod val="25000"/>
+              <a:lumOff val="75000"/>
+            </a:schemeClr>
+          </a:solidFill>
+          <a:ln>
+            <a:solidFill>
+              <a:srgbClr val="00B0F0"/>
+            </a:solidFill>
+          </a:ln>
+        </p:spPr>
+        <p:style>
+          <a:lnRef idx="2">
+            <a:schemeClr val="accent1">
+              <a:shade val="50000"/>
+            </a:schemeClr>
+          </a:lnRef>
+          <a:fillRef idx="1">
+            <a:schemeClr val="accent1"/>
+          </a:fillRef>
+          <a:effectRef idx="0">
+            <a:schemeClr val="accent1"/>
+          </a:effectRef>
+          <a:fontRef idx="minor">
+            <a:schemeClr val="lt1"/>
+          </a:fontRef>
+        </p:style>
+        <p:txBody>
+          <a:bodyPr rtlCol="0" anchor="ctr"/>
+          <a:lstStyle/>
+          <a:p>
+            <a:pPr algn="ctr"/>
+            <a:endParaRPr lang="es-MX"/>
+          </a:p>
+        </p:txBody>
+      </p:sp>
+      <p:sp>
+        <p:nvSpPr>
+          <p:cNvPr id="6" name="Scroll: Vertical 5">
+            <a:extLst>
+              <a:ext uri="{FF2B5EF4-FFF2-40B4-BE49-F238E27FC236}">
+                <a16:creationId xmlns:a16="http://schemas.microsoft.com/office/drawing/2014/main" id="{B2E44D8C-E32E-4BF1-B0FE-01CAC8130664}"/>
+              </a:ext>
+            </a:extLst>
+          </p:cNvPr>
+          <p:cNvSpPr/>
+          <p:nvPr/>
+        </p:nvSpPr>
+        <p:spPr>
+          <a:xfrm>
+            <a:off x="1514212" y="3294310"/>
+            <a:ext cx="273195" cy="302004"/>
+          </a:xfrm>
+          <a:prstGeom prst="verticalScroll">
+            <a:avLst/>
+          </a:prstGeom>
+          <a:solidFill>
+            <a:schemeClr val="bg2">
+              <a:lumMod val="25000"/>
+              <a:lumOff val="75000"/>
+            </a:schemeClr>
+          </a:solidFill>
+          <a:ln>
+            <a:solidFill>
+              <a:srgbClr val="00B0F0"/>
+            </a:solidFill>
+          </a:ln>
+        </p:spPr>
+        <p:style>
+          <a:lnRef idx="2">
+            <a:schemeClr val="accent1">
+              <a:shade val="50000"/>
+            </a:schemeClr>
+          </a:lnRef>
+          <a:fillRef idx="1">
+            <a:schemeClr val="accent1"/>
+          </a:fillRef>
+          <a:effectRef idx="0">
+            <a:schemeClr val="accent1"/>
+          </a:effectRef>
+          <a:fontRef idx="minor">
+            <a:schemeClr val="lt1"/>
+          </a:fontRef>
+        </p:style>
+        <p:txBody>
+          <a:bodyPr rtlCol="0" anchor="ctr"/>
+          <a:lstStyle/>
+          <a:p>
+            <a:pPr algn="ctr"/>
+            <a:endParaRPr lang="es-MX"/>
+          </a:p>
+        </p:txBody>
+      </p:sp>
+      <p:sp>
+        <p:nvSpPr>
+          <p:cNvPr id="7" name="Scroll: Vertical 6">
+            <a:extLst>
+              <a:ext uri="{FF2B5EF4-FFF2-40B4-BE49-F238E27FC236}">
+                <a16:creationId xmlns:a16="http://schemas.microsoft.com/office/drawing/2014/main" id="{87B3C612-1C31-40A8-BA16-2C457C7D2197}"/>
+              </a:ext>
+            </a:extLst>
+          </p:cNvPr>
+          <p:cNvSpPr/>
+          <p:nvPr/>
+        </p:nvSpPr>
+        <p:spPr>
+          <a:xfrm>
+            <a:off x="1514212" y="3778308"/>
+            <a:ext cx="273195" cy="302004"/>
+          </a:xfrm>
+          <a:prstGeom prst="verticalScroll">
+            <a:avLst/>
+          </a:prstGeom>
+          <a:solidFill>
+            <a:schemeClr val="bg2">
+              <a:lumMod val="25000"/>
+              <a:lumOff val="75000"/>
+            </a:schemeClr>
+          </a:solidFill>
+          <a:ln>
+            <a:solidFill>
+              <a:srgbClr val="00B0F0"/>
+            </a:solidFill>
+          </a:ln>
+        </p:spPr>
+        <p:style>
+          <a:lnRef idx="2">
+            <a:schemeClr val="accent1">
+              <a:shade val="50000"/>
+            </a:schemeClr>
+          </a:lnRef>
+          <a:fillRef idx="1">
+            <a:schemeClr val="accent1"/>
+          </a:fillRef>
+          <a:effectRef idx="0">
+            <a:schemeClr val="accent1"/>
+          </a:effectRef>
+          <a:fontRef idx="minor">
+            <a:schemeClr val="lt1"/>
+          </a:fontRef>
+        </p:style>
+        <p:txBody>
+          <a:bodyPr rtlCol="0" anchor="ctr"/>
+          <a:lstStyle/>
+          <a:p>
+            <a:pPr algn="ctr"/>
+            <a:endParaRPr lang="es-MX"/>
+          </a:p>
+        </p:txBody>
+      </p:sp>
+      <p:sp>
+        <p:nvSpPr>
+          <p:cNvPr id="8" name="Arrow: Left-Right 7">
+            <a:extLst>
+              <a:ext uri="{FF2B5EF4-FFF2-40B4-BE49-F238E27FC236}">
+                <a16:creationId xmlns:a16="http://schemas.microsoft.com/office/drawing/2014/main" id="{48BBD3A9-9031-4628-B04C-A5DD46D2F0AE}"/>
+              </a:ext>
+            </a:extLst>
+          </p:cNvPr>
+          <p:cNvSpPr/>
+          <p:nvPr/>
+        </p:nvSpPr>
+        <p:spPr>
+          <a:xfrm>
+            <a:off x="1995734" y="3294310"/>
+            <a:ext cx="1116582" cy="302004"/>
+          </a:xfrm>
+          <a:prstGeom prst="leftRightArrow">
+            <a:avLst/>
+          </a:prstGeom>
+          <a:solidFill>
+            <a:schemeClr val="bg2">
+              <a:lumMod val="50000"/>
+              <a:lumOff val="50000"/>
+            </a:schemeClr>
+          </a:solidFill>
+          <a:ln>
+            <a:solidFill>
+              <a:srgbClr val="00B0F0"/>
+            </a:solidFill>
+          </a:ln>
+        </p:spPr>
+        <p:style>
+          <a:lnRef idx="2">
+            <a:schemeClr val="accent1">
+              <a:shade val="50000"/>
+            </a:schemeClr>
+          </a:lnRef>
+          <a:fillRef idx="1">
+            <a:schemeClr val="accent1"/>
+          </a:fillRef>
+          <a:effectRef idx="0">
+            <a:schemeClr val="accent1"/>
+          </a:effectRef>
+          <a:fontRef idx="minor">
+            <a:schemeClr val="lt1"/>
+          </a:fontRef>
+        </p:style>
+        <p:txBody>
+          <a:bodyPr rtlCol="0" anchor="ctr"/>
+          <a:lstStyle/>
+          <a:p>
+            <a:pPr algn="ctr"/>
+            <a:endParaRPr lang="es-MX"/>
+          </a:p>
+        </p:txBody>
+      </p:sp>
+      <p:sp>
+        <p:nvSpPr>
+          <p:cNvPr id="9" name="Cloud 8">
+            <a:extLst>
+              <a:ext uri="{FF2B5EF4-FFF2-40B4-BE49-F238E27FC236}">
+                <a16:creationId xmlns:a16="http://schemas.microsoft.com/office/drawing/2014/main" id="{FCE50132-6E52-468F-AFF4-D83139E15A9D}"/>
+              </a:ext>
+            </a:extLst>
+          </p:cNvPr>
+          <p:cNvSpPr/>
+          <p:nvPr/>
+        </p:nvSpPr>
+        <p:spPr>
+          <a:xfrm rot="11326543">
+            <a:off x="3264163" y="2821963"/>
+            <a:ext cx="1711354" cy="1060275"/>
+          </a:xfrm>
+          <a:prstGeom prst="cloud">
+            <a:avLst/>
+          </a:prstGeom>
+          <a:noFill/>
+          <a:ln>
+            <a:solidFill>
+              <a:srgbClr val="00B0F0"/>
+            </a:solidFill>
+          </a:ln>
+        </p:spPr>
+        <p:style>
+          <a:lnRef idx="2">
+            <a:schemeClr val="accent1">
+              <a:shade val="50000"/>
+            </a:schemeClr>
+          </a:lnRef>
+          <a:fillRef idx="1">
+            <a:schemeClr val="accent1"/>
+          </a:fillRef>
+          <a:effectRef idx="0">
+            <a:schemeClr val="accent1"/>
+          </a:effectRef>
+          <a:fontRef idx="minor">
+            <a:schemeClr val="lt1"/>
+          </a:fontRef>
+        </p:style>
+        <p:txBody>
+          <a:bodyPr rtlCol="0" anchor="ctr"/>
+          <a:lstStyle/>
+          <a:p>
+            <a:pPr algn="ctr"/>
+            <a:endParaRPr lang="es-MX"/>
+          </a:p>
+        </p:txBody>
+      </p:sp>
+      <p:sp>
+        <p:nvSpPr>
+          <p:cNvPr id="10" name="Rectangle 9">
+            <a:extLst>
+              <a:ext uri="{FF2B5EF4-FFF2-40B4-BE49-F238E27FC236}">
+                <a16:creationId xmlns:a16="http://schemas.microsoft.com/office/drawing/2014/main" id="{1C301D97-717F-4940-AF02-100C7BEA59A6}"/>
+              </a:ext>
+            </a:extLst>
+          </p:cNvPr>
+          <p:cNvSpPr/>
+          <p:nvPr/>
+        </p:nvSpPr>
+        <p:spPr>
+          <a:xfrm>
+            <a:off x="6422863" y="2898958"/>
+            <a:ext cx="791669" cy="1080686"/>
+          </a:xfrm>
+          <a:prstGeom prst="rect">
+            <a:avLst/>
+          </a:prstGeom>
+          <a:solidFill>
+            <a:schemeClr val="bg2">
+              <a:lumMod val="50000"/>
+              <a:lumOff val="50000"/>
+            </a:schemeClr>
+          </a:solidFill>
+          <a:ln>
+            <a:solidFill>
+              <a:srgbClr val="00B0F0"/>
+            </a:solidFill>
+          </a:ln>
+        </p:spPr>
+        <p:style>
+          <a:lnRef idx="2">
+            <a:schemeClr val="accent1">
+              <a:shade val="50000"/>
+            </a:schemeClr>
+          </a:lnRef>
+          <a:fillRef idx="1">
+            <a:schemeClr val="accent1"/>
+          </a:fillRef>
+          <a:effectRef idx="0">
+            <a:schemeClr val="accent1"/>
+          </a:effectRef>
+          <a:fontRef idx="minor">
+            <a:schemeClr val="lt1"/>
+          </a:fontRef>
+        </p:style>
+        <p:txBody>
+          <a:bodyPr rtlCol="0" anchor="ctr"/>
+          <a:lstStyle/>
+          <a:p>
+            <a:pPr algn="ctr"/>
+            <a:r>
+              <a:rPr lang="en-US" dirty="0"/>
+              <a:t>Server</a:t>
+            </a:r>
+            <a:endParaRPr lang="es-MX" dirty="0"/>
+          </a:p>
+        </p:txBody>
+      </p:sp>
+      <p:sp>
+        <p:nvSpPr>
+          <p:cNvPr id="16" name="Arrow: Left-Right 15">
+            <a:extLst>
+              <a:ext uri="{FF2B5EF4-FFF2-40B4-BE49-F238E27FC236}">
+                <a16:creationId xmlns:a16="http://schemas.microsoft.com/office/drawing/2014/main" id="{E795B487-300F-4E12-BF04-79A310F6F884}"/>
+              </a:ext>
+            </a:extLst>
+          </p:cNvPr>
+          <p:cNvSpPr/>
+          <p:nvPr/>
+        </p:nvSpPr>
+        <p:spPr>
+          <a:xfrm>
+            <a:off x="5133313" y="3277998"/>
+            <a:ext cx="1116582" cy="302004"/>
+          </a:xfrm>
+          <a:prstGeom prst="leftRightArrow">
+            <a:avLst/>
+          </a:prstGeom>
+          <a:solidFill>
+            <a:schemeClr val="bg2">
+              <a:lumMod val="50000"/>
+              <a:lumOff val="50000"/>
+            </a:schemeClr>
+          </a:solidFill>
+          <a:ln>
+            <a:solidFill>
+              <a:srgbClr val="00B0F0"/>
+            </a:solidFill>
+          </a:ln>
+        </p:spPr>
+        <p:style>
+          <a:lnRef idx="2">
+            <a:schemeClr val="accent1">
+              <a:shade val="50000"/>
+            </a:schemeClr>
+          </a:lnRef>
+          <a:fillRef idx="1">
+            <a:schemeClr val="accent1"/>
+          </a:fillRef>
+          <a:effectRef idx="0">
+            <a:schemeClr val="accent1"/>
+          </a:effectRef>
+          <a:fontRef idx="minor">
+            <a:schemeClr val="lt1"/>
+          </a:fontRef>
+        </p:style>
+        <p:txBody>
+          <a:bodyPr rtlCol="0" anchor="ctr"/>
+          <a:lstStyle/>
+          <a:p>
+            <a:pPr algn="ctr"/>
+            <a:endParaRPr lang="es-MX"/>
+          </a:p>
+        </p:txBody>
+      </p:sp>
+      <p:sp>
+        <p:nvSpPr>
+          <p:cNvPr id="17" name="Arrow: Left-Right 16">
+            <a:extLst>
+              <a:ext uri="{FF2B5EF4-FFF2-40B4-BE49-F238E27FC236}">
+                <a16:creationId xmlns:a16="http://schemas.microsoft.com/office/drawing/2014/main" id="{0964CC07-C9B7-4C6A-BB12-5C6B8140A6E9}"/>
+              </a:ext>
+            </a:extLst>
+          </p:cNvPr>
+          <p:cNvSpPr/>
+          <p:nvPr/>
+        </p:nvSpPr>
+        <p:spPr>
+          <a:xfrm>
+            <a:off x="7396293" y="3277998"/>
+            <a:ext cx="1116582" cy="302004"/>
+          </a:xfrm>
+          <a:prstGeom prst="leftRightArrow">
+            <a:avLst/>
+          </a:prstGeom>
+          <a:solidFill>
+            <a:schemeClr val="bg2">
+              <a:lumMod val="50000"/>
+              <a:lumOff val="50000"/>
+            </a:schemeClr>
+          </a:solidFill>
+          <a:ln>
+            <a:solidFill>
+              <a:srgbClr val="00B0F0"/>
+            </a:solidFill>
+          </a:ln>
+        </p:spPr>
+        <p:style>
+          <a:lnRef idx="2">
+            <a:schemeClr val="accent1">
+              <a:shade val="50000"/>
+            </a:schemeClr>
+          </a:lnRef>
+          <a:fillRef idx="1">
+            <a:schemeClr val="accent1"/>
+          </a:fillRef>
+          <a:effectRef idx="0">
+            <a:schemeClr val="accent1"/>
+          </a:effectRef>
+          <a:fontRef idx="minor">
+            <a:schemeClr val="lt1"/>
+          </a:fontRef>
+        </p:style>
+        <p:txBody>
+          <a:bodyPr rtlCol="0" anchor="ctr"/>
+          <a:lstStyle/>
+          <a:p>
+            <a:pPr algn="ctr"/>
+            <a:endParaRPr lang="es-MX"/>
+          </a:p>
+        </p:txBody>
+      </p:sp>
+      <p:sp>
+        <p:nvSpPr>
+          <p:cNvPr id="18" name="Rectangle 17">
+            <a:extLst>
+              <a:ext uri="{FF2B5EF4-FFF2-40B4-BE49-F238E27FC236}">
+                <a16:creationId xmlns:a16="http://schemas.microsoft.com/office/drawing/2014/main" id="{2E8A4CCD-27C7-467A-87C7-6C6134338578}"/>
+              </a:ext>
+            </a:extLst>
+          </p:cNvPr>
+          <p:cNvSpPr/>
+          <p:nvPr/>
+        </p:nvSpPr>
+        <p:spPr>
+          <a:xfrm>
+            <a:off x="8670952" y="1485084"/>
+            <a:ext cx="829027" cy="4303320"/>
+          </a:xfrm>
+          <a:prstGeom prst="rect">
+            <a:avLst/>
+          </a:prstGeom>
+          <a:solidFill>
+            <a:schemeClr val="bg2">
+              <a:lumMod val="50000"/>
+              <a:lumOff val="50000"/>
+            </a:schemeClr>
+          </a:solidFill>
+          <a:ln>
+            <a:solidFill>
+              <a:srgbClr val="00B0F0"/>
+            </a:solidFill>
+          </a:ln>
+        </p:spPr>
+        <p:style>
+          <a:lnRef idx="2">
+            <a:schemeClr val="accent1">
+              <a:shade val="50000"/>
+            </a:schemeClr>
+          </a:lnRef>
+          <a:fillRef idx="1">
+            <a:schemeClr val="accent1"/>
+          </a:fillRef>
+          <a:effectRef idx="0">
+            <a:schemeClr val="accent1"/>
+          </a:effectRef>
+          <a:fontRef idx="minor">
+            <a:schemeClr val="lt1"/>
+          </a:fontRef>
+        </p:style>
+        <p:txBody>
+          <a:bodyPr rtlCol="0" anchor="ctr"/>
+          <a:lstStyle/>
+          <a:p>
+            <a:pPr algn="ctr"/>
+            <a:r>
+              <a:rPr lang="en-US" dirty="0"/>
+              <a:t>Drivers</a:t>
+            </a:r>
+            <a:endParaRPr lang="es-MX" dirty="0"/>
+          </a:p>
+        </p:txBody>
+      </p:sp>
+      <p:sp>
+        <p:nvSpPr>
+          <p:cNvPr id="19" name="Rectangle 18">
+            <a:extLst>
+              <a:ext uri="{FF2B5EF4-FFF2-40B4-BE49-F238E27FC236}">
+                <a16:creationId xmlns:a16="http://schemas.microsoft.com/office/drawing/2014/main" id="{3E00FAB3-FF68-49EE-B636-E7D7AC75C92C}"/>
+              </a:ext>
+            </a:extLst>
+          </p:cNvPr>
+          <p:cNvSpPr/>
+          <p:nvPr/>
+        </p:nvSpPr>
+        <p:spPr>
+          <a:xfrm>
+            <a:off x="10221279" y="1828801"/>
+            <a:ext cx="910912" cy="823704"/>
+          </a:xfrm>
+          <a:prstGeom prst="rect">
+            <a:avLst/>
+          </a:prstGeom>
+          <a:solidFill>
+            <a:schemeClr val="bg2">
+              <a:lumMod val="50000"/>
+              <a:lumOff val="50000"/>
+            </a:schemeClr>
+          </a:solidFill>
+          <a:ln>
+            <a:solidFill>
+              <a:srgbClr val="00B0F0"/>
+            </a:solidFill>
+          </a:ln>
+        </p:spPr>
+        <p:style>
+          <a:lnRef idx="2">
+            <a:schemeClr val="accent1">
+              <a:shade val="50000"/>
+            </a:schemeClr>
+          </a:lnRef>
+          <a:fillRef idx="1">
+            <a:schemeClr val="accent1"/>
+          </a:fillRef>
+          <a:effectRef idx="0">
+            <a:schemeClr val="accent1"/>
+          </a:effectRef>
+          <a:fontRef idx="minor">
+            <a:schemeClr val="lt1"/>
+          </a:fontRef>
+        </p:style>
+        <p:txBody>
+          <a:bodyPr rtlCol="0" anchor="ctr"/>
+          <a:lstStyle/>
+          <a:p>
+            <a:pPr algn="ctr"/>
+            <a:r>
+              <a:rPr lang="en-US" dirty="0"/>
+              <a:t>Firefox</a:t>
+            </a:r>
+            <a:endParaRPr lang="es-MX" dirty="0"/>
+          </a:p>
+        </p:txBody>
+      </p:sp>
+      <p:sp>
+        <p:nvSpPr>
+          <p:cNvPr id="20" name="Rectangle 19">
+            <a:extLst>
+              <a:ext uri="{FF2B5EF4-FFF2-40B4-BE49-F238E27FC236}">
+                <a16:creationId xmlns:a16="http://schemas.microsoft.com/office/drawing/2014/main" id="{98201B6E-A159-4FBA-9728-4787E5015276}"/>
+              </a:ext>
+            </a:extLst>
+          </p:cNvPr>
+          <p:cNvSpPr/>
+          <p:nvPr/>
+        </p:nvSpPr>
+        <p:spPr>
+          <a:xfrm>
+            <a:off x="10221279" y="2768184"/>
+            <a:ext cx="910912" cy="823704"/>
+          </a:xfrm>
+          <a:prstGeom prst="rect">
+            <a:avLst/>
+          </a:prstGeom>
+          <a:solidFill>
+            <a:schemeClr val="bg2">
+              <a:lumMod val="50000"/>
+              <a:lumOff val="50000"/>
+            </a:schemeClr>
+          </a:solidFill>
+          <a:ln>
+            <a:solidFill>
+              <a:srgbClr val="00B0F0"/>
+            </a:solidFill>
+          </a:ln>
+        </p:spPr>
+        <p:style>
+          <a:lnRef idx="2">
+            <a:schemeClr val="accent1">
+              <a:shade val="50000"/>
+            </a:schemeClr>
+          </a:lnRef>
+          <a:fillRef idx="1">
+            <a:schemeClr val="accent1"/>
+          </a:fillRef>
+          <a:effectRef idx="0">
+            <a:schemeClr val="accent1"/>
+          </a:effectRef>
+          <a:fontRef idx="minor">
+            <a:schemeClr val="lt1"/>
+          </a:fontRef>
+        </p:style>
+        <p:txBody>
+          <a:bodyPr rtlCol="0" anchor="ctr"/>
+          <a:lstStyle/>
+          <a:p>
+            <a:pPr algn="ctr"/>
+            <a:r>
+              <a:rPr lang="en-US" dirty="0"/>
+              <a:t>Chrome</a:t>
+            </a:r>
+            <a:endParaRPr lang="es-MX" dirty="0"/>
+          </a:p>
+        </p:txBody>
+      </p:sp>
+      <p:sp>
+        <p:nvSpPr>
+          <p:cNvPr id="21" name="Rectangle 20">
+            <a:extLst>
+              <a:ext uri="{FF2B5EF4-FFF2-40B4-BE49-F238E27FC236}">
+                <a16:creationId xmlns:a16="http://schemas.microsoft.com/office/drawing/2014/main" id="{C07A2C94-506B-433A-A235-6F0DA08D67A1}"/>
+              </a:ext>
+            </a:extLst>
+          </p:cNvPr>
+          <p:cNvSpPr/>
+          <p:nvPr/>
+        </p:nvSpPr>
+        <p:spPr>
+          <a:xfrm>
+            <a:off x="10221279" y="3726152"/>
+            <a:ext cx="910912" cy="823704"/>
+          </a:xfrm>
+          <a:prstGeom prst="rect">
+            <a:avLst/>
+          </a:prstGeom>
+          <a:solidFill>
+            <a:schemeClr val="bg2">
+              <a:lumMod val="50000"/>
+              <a:lumOff val="50000"/>
+            </a:schemeClr>
+          </a:solidFill>
+          <a:ln>
+            <a:solidFill>
+              <a:srgbClr val="00B0F0"/>
+            </a:solidFill>
+          </a:ln>
+        </p:spPr>
+        <p:style>
+          <a:lnRef idx="2">
+            <a:schemeClr val="accent1">
+              <a:shade val="50000"/>
+            </a:schemeClr>
+          </a:lnRef>
+          <a:fillRef idx="1">
+            <a:schemeClr val="accent1"/>
+          </a:fillRef>
+          <a:effectRef idx="0">
+            <a:schemeClr val="accent1"/>
+          </a:effectRef>
+          <a:fontRef idx="minor">
+            <a:schemeClr val="lt1"/>
+          </a:fontRef>
+        </p:style>
+        <p:txBody>
+          <a:bodyPr rtlCol="0" anchor="ctr"/>
+          <a:lstStyle/>
+          <a:p>
+            <a:pPr algn="ctr"/>
+            <a:r>
+              <a:rPr lang="en-US" dirty="0" err="1"/>
+              <a:t>Safary</a:t>
+            </a:r>
+            <a:endParaRPr lang="es-MX" dirty="0"/>
+          </a:p>
+        </p:txBody>
+      </p:sp>
+      <p:sp>
+        <p:nvSpPr>
+          <p:cNvPr id="22" name="Rectangle 21">
+            <a:extLst>
+              <a:ext uri="{FF2B5EF4-FFF2-40B4-BE49-F238E27FC236}">
+                <a16:creationId xmlns:a16="http://schemas.microsoft.com/office/drawing/2014/main" id="{E3F5C285-59A2-4395-9DA8-19F66811B6BD}"/>
+              </a:ext>
+            </a:extLst>
+          </p:cNvPr>
+          <p:cNvSpPr/>
+          <p:nvPr/>
+        </p:nvSpPr>
+        <p:spPr>
+          <a:xfrm>
+            <a:off x="10221279" y="4684120"/>
+            <a:ext cx="910912" cy="823704"/>
+          </a:xfrm>
+          <a:prstGeom prst="rect">
+            <a:avLst/>
+          </a:prstGeom>
+          <a:solidFill>
+            <a:schemeClr val="bg2">
+              <a:lumMod val="50000"/>
+              <a:lumOff val="50000"/>
+            </a:schemeClr>
+          </a:solidFill>
+          <a:ln>
+            <a:solidFill>
+              <a:srgbClr val="00B0F0"/>
+            </a:solidFill>
+          </a:ln>
+        </p:spPr>
+        <p:style>
+          <a:lnRef idx="2">
+            <a:schemeClr val="accent1">
+              <a:shade val="50000"/>
+            </a:schemeClr>
+          </a:lnRef>
+          <a:fillRef idx="1">
+            <a:schemeClr val="accent1"/>
+          </a:fillRef>
+          <a:effectRef idx="0">
+            <a:schemeClr val="accent1"/>
+          </a:effectRef>
+          <a:fontRef idx="minor">
+            <a:schemeClr val="lt1"/>
+          </a:fontRef>
+        </p:style>
+        <p:txBody>
+          <a:bodyPr rtlCol="0" anchor="ctr"/>
+          <a:lstStyle/>
+          <a:p>
+            <a:pPr algn="ctr"/>
+            <a:r>
+              <a:rPr lang="en-US" dirty="0"/>
+              <a:t>IE</a:t>
+            </a:r>
+            <a:endParaRPr lang="es-MX" dirty="0"/>
+          </a:p>
+        </p:txBody>
+      </p:sp>
+      <p:sp>
+        <p:nvSpPr>
+          <p:cNvPr id="23" name="Arrow: Left-Right 22">
+            <a:extLst>
+              <a:ext uri="{FF2B5EF4-FFF2-40B4-BE49-F238E27FC236}">
+                <a16:creationId xmlns:a16="http://schemas.microsoft.com/office/drawing/2014/main" id="{FACBD317-4549-4058-8551-3C964FB75B32}"/>
+              </a:ext>
+            </a:extLst>
+          </p:cNvPr>
+          <p:cNvSpPr/>
+          <p:nvPr/>
+        </p:nvSpPr>
+        <p:spPr>
+          <a:xfrm>
+            <a:off x="9617348" y="2142621"/>
+            <a:ext cx="486562" cy="302004"/>
+          </a:xfrm>
+          <a:prstGeom prst="leftRightArrow">
+            <a:avLst/>
+          </a:prstGeom>
+          <a:solidFill>
+            <a:schemeClr val="bg2">
+              <a:lumMod val="50000"/>
+              <a:lumOff val="50000"/>
+            </a:schemeClr>
+          </a:solidFill>
+          <a:ln>
+            <a:solidFill>
+              <a:srgbClr val="00B0F0"/>
+            </a:solidFill>
+          </a:ln>
+        </p:spPr>
+        <p:style>
+          <a:lnRef idx="2">
+            <a:schemeClr val="accent1">
+              <a:shade val="50000"/>
+            </a:schemeClr>
+          </a:lnRef>
+          <a:fillRef idx="1">
+            <a:schemeClr val="accent1"/>
+          </a:fillRef>
+          <a:effectRef idx="0">
+            <a:schemeClr val="accent1"/>
+          </a:effectRef>
+          <a:fontRef idx="minor">
+            <a:schemeClr val="lt1"/>
+          </a:fontRef>
+        </p:style>
+        <p:txBody>
+          <a:bodyPr rtlCol="0" anchor="ctr"/>
+          <a:lstStyle/>
+          <a:p>
+            <a:pPr algn="ctr"/>
+            <a:endParaRPr lang="es-MX"/>
+          </a:p>
+        </p:txBody>
+      </p:sp>
+      <p:sp>
+        <p:nvSpPr>
+          <p:cNvPr id="24" name="Arrow: Left-Right 23">
+            <a:extLst>
+              <a:ext uri="{FF2B5EF4-FFF2-40B4-BE49-F238E27FC236}">
+                <a16:creationId xmlns:a16="http://schemas.microsoft.com/office/drawing/2014/main" id="{F7FF70CA-7A59-4740-A7A9-F9F0CBAD9A87}"/>
+              </a:ext>
+            </a:extLst>
+          </p:cNvPr>
+          <p:cNvSpPr/>
+          <p:nvPr/>
+        </p:nvSpPr>
+        <p:spPr>
+          <a:xfrm>
+            <a:off x="9612763" y="3062590"/>
+            <a:ext cx="486562" cy="302004"/>
+          </a:xfrm>
+          <a:prstGeom prst="leftRightArrow">
+            <a:avLst/>
+          </a:prstGeom>
+          <a:solidFill>
+            <a:schemeClr val="bg2">
+              <a:lumMod val="50000"/>
+              <a:lumOff val="50000"/>
+            </a:schemeClr>
+          </a:solidFill>
+          <a:ln>
+            <a:solidFill>
+              <a:srgbClr val="00B0F0"/>
+            </a:solidFill>
+          </a:ln>
+        </p:spPr>
+        <p:style>
+          <a:lnRef idx="2">
+            <a:schemeClr val="accent1">
+              <a:shade val="50000"/>
+            </a:schemeClr>
+          </a:lnRef>
+          <a:fillRef idx="1">
+            <a:schemeClr val="accent1"/>
+          </a:fillRef>
+          <a:effectRef idx="0">
+            <a:schemeClr val="accent1"/>
+          </a:effectRef>
+          <a:fontRef idx="minor">
+            <a:schemeClr val="lt1"/>
+          </a:fontRef>
+        </p:style>
+        <p:txBody>
+          <a:bodyPr rtlCol="0" anchor="ctr"/>
+          <a:lstStyle/>
+          <a:p>
+            <a:pPr algn="ctr"/>
+            <a:endParaRPr lang="es-MX"/>
+          </a:p>
+        </p:txBody>
+      </p:sp>
+      <p:sp>
+        <p:nvSpPr>
+          <p:cNvPr id="25" name="Arrow: Left-Right 24">
+            <a:extLst>
+              <a:ext uri="{FF2B5EF4-FFF2-40B4-BE49-F238E27FC236}">
+                <a16:creationId xmlns:a16="http://schemas.microsoft.com/office/drawing/2014/main" id="{8F34A420-A938-4525-8270-2A8AA3BAABFC}"/>
+              </a:ext>
+            </a:extLst>
+          </p:cNvPr>
+          <p:cNvSpPr/>
+          <p:nvPr/>
+        </p:nvSpPr>
+        <p:spPr>
+          <a:xfrm>
+            <a:off x="9621997" y="4036818"/>
+            <a:ext cx="486562" cy="302004"/>
+          </a:xfrm>
+          <a:prstGeom prst="leftRightArrow">
+            <a:avLst/>
+          </a:prstGeom>
+          <a:solidFill>
+            <a:schemeClr val="bg2">
+              <a:lumMod val="50000"/>
+              <a:lumOff val="50000"/>
+            </a:schemeClr>
+          </a:solidFill>
+          <a:ln>
+            <a:solidFill>
+              <a:srgbClr val="00B0F0"/>
+            </a:solidFill>
+          </a:ln>
+        </p:spPr>
+        <p:style>
+          <a:lnRef idx="2">
+            <a:schemeClr val="accent1">
+              <a:shade val="50000"/>
+            </a:schemeClr>
+          </a:lnRef>
+          <a:fillRef idx="1">
+            <a:schemeClr val="accent1"/>
+          </a:fillRef>
+          <a:effectRef idx="0">
+            <a:schemeClr val="accent1"/>
+          </a:effectRef>
+          <a:fontRef idx="minor">
+            <a:schemeClr val="lt1"/>
+          </a:fontRef>
+        </p:style>
+        <p:txBody>
+          <a:bodyPr rtlCol="0" anchor="ctr"/>
+          <a:lstStyle/>
+          <a:p>
+            <a:pPr algn="ctr"/>
+            <a:endParaRPr lang="es-MX"/>
+          </a:p>
+        </p:txBody>
+      </p:sp>
+      <p:sp>
+        <p:nvSpPr>
+          <p:cNvPr id="26" name="Arrow: Left-Right 25">
+            <a:extLst>
+              <a:ext uri="{FF2B5EF4-FFF2-40B4-BE49-F238E27FC236}">
+                <a16:creationId xmlns:a16="http://schemas.microsoft.com/office/drawing/2014/main" id="{86799346-9039-4081-B020-C664AEE854A6}"/>
+              </a:ext>
+            </a:extLst>
+          </p:cNvPr>
+          <p:cNvSpPr/>
+          <p:nvPr/>
+        </p:nvSpPr>
+        <p:spPr>
+          <a:xfrm>
+            <a:off x="9621997" y="4930396"/>
+            <a:ext cx="486562" cy="302004"/>
+          </a:xfrm>
+          <a:prstGeom prst="leftRightArrow">
+            <a:avLst/>
+          </a:prstGeom>
+          <a:solidFill>
+            <a:schemeClr val="bg2">
+              <a:lumMod val="50000"/>
+              <a:lumOff val="50000"/>
+            </a:schemeClr>
+          </a:solidFill>
+          <a:ln>
+            <a:solidFill>
+              <a:srgbClr val="00B0F0"/>
+            </a:solidFill>
+          </a:ln>
+        </p:spPr>
+        <p:style>
+          <a:lnRef idx="2">
+            <a:schemeClr val="accent1">
+              <a:shade val="50000"/>
+            </a:schemeClr>
+          </a:lnRef>
+          <a:fillRef idx="1">
+            <a:schemeClr val="accent1"/>
+          </a:fillRef>
+          <a:effectRef idx="0">
+            <a:schemeClr val="accent1"/>
+          </a:effectRef>
+          <a:fontRef idx="minor">
+            <a:schemeClr val="lt1"/>
+          </a:fontRef>
+        </p:style>
+        <p:txBody>
+          <a:bodyPr rtlCol="0" anchor="ctr"/>
+          <a:lstStyle/>
+          <a:p>
+            <a:pPr algn="ctr"/>
+            <a:endParaRPr lang="es-MX"/>
+          </a:p>
+        </p:txBody>
+      </p:sp>
+    </p:spTree>
+    <p:extLst>
+      <p:ext uri="{BB962C8B-B14F-4D97-AF65-F5344CB8AC3E}">
+        <p14:creationId xmlns:p14="http://schemas.microsoft.com/office/powerpoint/2010/main" val="3435622966"/>
+      </p:ext>
+    </p:extLst>
+  </p:cSld>
+  <p:clrMapOvr>
+    <a:masterClrMapping/>
+  </p:clrMapOvr>
+</p:sld>
+</file>
+
+<file path=ppt/slides/slide32.xml><?xml version="1.0" encoding="utf-8"?>
+<p:sld xmlns:a="http://schemas.openxmlformats.org/drawingml/2006/main" xmlns:r="http://schemas.openxmlformats.org/officeDocument/2006/relationships" xmlns:p="http://schemas.openxmlformats.org/presentationml/2006/main">
+  <p:cSld>
+    <p:spTree>
+      <p:nvGrpSpPr>
+        <p:cNvPr id="1" name=""/>
+        <p:cNvGrpSpPr/>
+        <p:nvPr/>
+      </p:nvGrpSpPr>
+      <p:grpSpPr>
+        <a:xfrm>
+          <a:off x="0" y="0"/>
+          <a:ext cx="0" cy="0"/>
+          <a:chOff x="0" y="0"/>
+          <a:chExt cx="0" cy="0"/>
+        </a:xfrm>
+      </p:grpSpPr>
+      <p:sp>
+        <p:nvSpPr>
+          <p:cNvPr id="2" name="Title 1">
+            <a:extLst>
+              <a:ext uri="{FF2B5EF4-FFF2-40B4-BE49-F238E27FC236}">
+                <a16:creationId xmlns:a16="http://schemas.microsoft.com/office/drawing/2014/main" id="{53AF1C14-8EF3-46FF-85C2-16DD3949E603}"/>
+              </a:ext>
+            </a:extLst>
+          </p:cNvPr>
+          <p:cNvSpPr>
+            <a:spLocks noGrp="1"/>
+          </p:cNvSpPr>
+          <p:nvPr>
+            <p:ph type="ctrTitle"/>
+          </p:nvPr>
+        </p:nvSpPr>
+        <p:spPr>
+          <a:xfrm>
+            <a:off x="2079624" y="1003300"/>
+            <a:ext cx="7844552" cy="762000"/>
+          </a:xfrm>
+        </p:spPr>
+        <p:txBody>
+          <a:bodyPr>
+            <a:normAutofit/>
+          </a:bodyPr>
+          <a:lstStyle/>
+          <a:p>
+            <a:r>
+              <a:rPr lang="en-US" dirty="0"/>
+              <a:t>Selenium Server Grid mode</a:t>
+            </a:r>
+            <a:endParaRPr lang="es-MX" dirty="0"/>
+          </a:p>
+        </p:txBody>
+      </p:sp>
+      <p:sp>
+        <p:nvSpPr>
+          <p:cNvPr id="3" name="Title 1">
+            <a:extLst>
+              <a:ext uri="{FF2B5EF4-FFF2-40B4-BE49-F238E27FC236}">
+                <a16:creationId xmlns:a16="http://schemas.microsoft.com/office/drawing/2014/main" id="{F1E6199C-440F-47C6-9490-57DFAD41D615}"/>
+              </a:ext>
+            </a:extLst>
+          </p:cNvPr>
+          <p:cNvSpPr txBox="1">
+            <a:spLocks/>
+          </p:cNvSpPr>
+          <p:nvPr/>
+        </p:nvSpPr>
+        <p:spPr>
+          <a:xfrm>
+            <a:off x="1927224" y="1625600"/>
+            <a:ext cx="9223376" cy="4607420"/>
+          </a:xfrm>
+          <a:prstGeom prst="rect">
+            <a:avLst/>
+          </a:prstGeom>
+        </p:spPr>
+        <p:txBody>
+          <a:bodyPr vert="horz" lIns="91440" tIns="45720" rIns="91440" bIns="45720" rtlCol="0" anchor="b">
+            <a:normAutofit fontScale="97500"/>
+          </a:bodyPr>
+          <a:lstStyle>
+            <a:lvl1pPr algn="l" defTabSz="914400" rtl="0" eaLnBrk="1" latinLnBrk="0" hangingPunct="1">
+              <a:lnSpc>
+                <a:spcPct val="90000"/>
+              </a:lnSpc>
+              <a:spcBef>
+                <a:spcPct val="0"/>
+              </a:spcBef>
+              <a:buNone/>
+              <a:defRPr sz="4800" kern="1200" cap="all" baseline="0">
+                <a:solidFill>
+                  <a:schemeClr val="tx1"/>
+                </a:solidFill>
+                <a:latin typeface="+mj-lt"/>
+                <a:ea typeface="+mj-ea"/>
+                <a:cs typeface="+mj-cs"/>
+              </a:defRPr>
+            </a:lvl1pPr>
+          </a:lstStyle>
+          <a:p>
+            <a:endParaRPr lang="en-US" dirty="0"/>
+          </a:p>
+          <a:p>
+            <a:br>
+              <a:rPr lang="en-US" dirty="0"/>
+            </a:br>
+            <a:endParaRPr lang="es-MX" dirty="0"/>
+          </a:p>
+        </p:txBody>
+      </p:sp>
+      <p:sp>
+        <p:nvSpPr>
+          <p:cNvPr id="4" name="Title 1">
+            <a:extLst>
+              <a:ext uri="{FF2B5EF4-FFF2-40B4-BE49-F238E27FC236}">
+                <a16:creationId xmlns:a16="http://schemas.microsoft.com/office/drawing/2014/main" id="{94CCD4F8-E300-4453-9268-487A210487A9}"/>
+              </a:ext>
+            </a:extLst>
+          </p:cNvPr>
+          <p:cNvSpPr txBox="1">
+            <a:spLocks/>
+          </p:cNvSpPr>
+          <p:nvPr/>
+        </p:nvSpPr>
+        <p:spPr>
+          <a:xfrm>
+            <a:off x="2079624" y="2130803"/>
+            <a:ext cx="8659682" cy="3162649"/>
+          </a:xfrm>
+          <a:prstGeom prst="rect">
+            <a:avLst/>
+          </a:prstGeom>
+        </p:spPr>
+        <p:txBody>
+          <a:bodyPr vert="horz" lIns="91440" tIns="45720" rIns="91440" bIns="45720" rtlCol="0" anchor="b">
+            <a:normAutofit/>
+          </a:bodyPr>
+          <a:lstStyle>
+            <a:lvl1pPr algn="l" defTabSz="914400" rtl="0" eaLnBrk="1" latinLnBrk="0" hangingPunct="1">
+              <a:lnSpc>
+                <a:spcPct val="90000"/>
+              </a:lnSpc>
+              <a:spcBef>
+                <a:spcPct val="0"/>
+              </a:spcBef>
+              <a:buNone/>
+              <a:defRPr sz="4800" kern="1200" cap="all" baseline="0">
+                <a:solidFill>
+                  <a:schemeClr val="tx1"/>
+                </a:solidFill>
+                <a:latin typeface="+mj-lt"/>
+                <a:ea typeface="+mj-ea"/>
+                <a:cs typeface="+mj-cs"/>
+              </a:defRPr>
+            </a:lvl1pPr>
+          </a:lstStyle>
+          <a:p>
+            <a:r>
+              <a:rPr lang="en-US" sz="3600" cap="none" dirty="0"/>
+              <a:t>Grid mode is very similar to Selenium server and in fact is just a functionality built inside of the server.</a:t>
+            </a:r>
+          </a:p>
+          <a:p>
+            <a:r>
+              <a:rPr lang="en-US" sz="3600" cap="none" dirty="0"/>
+              <a:t>This technology allow us to take a test and run it in a numerous of machines which are part of the grid</a:t>
+            </a:r>
+            <a:endParaRPr lang="es-MX" sz="3600" cap="none" dirty="0"/>
+          </a:p>
+        </p:txBody>
+      </p:sp>
+    </p:spTree>
+    <p:extLst>
+      <p:ext uri="{BB962C8B-B14F-4D97-AF65-F5344CB8AC3E}">
+        <p14:creationId xmlns:p14="http://schemas.microsoft.com/office/powerpoint/2010/main" val="1446653347"/>
+      </p:ext>
+    </p:extLst>
+  </p:cSld>
+  <p:clrMapOvr>
+    <a:masterClrMapping/>
+  </p:clrMapOvr>
+</p:sld>
+</file>
+
+<file path=ppt/slides/slide33.xml><?xml version="1.0" encoding="utf-8"?>
+<p:sld xmlns:a="http://schemas.openxmlformats.org/drawingml/2006/main" xmlns:r="http://schemas.openxmlformats.org/officeDocument/2006/relationships" xmlns:p="http://schemas.openxmlformats.org/presentationml/2006/main">
+  <p:cSld>
+    <p:spTree>
+      <p:nvGrpSpPr>
+        <p:cNvPr id="1" name=""/>
+        <p:cNvGrpSpPr/>
+        <p:nvPr/>
+      </p:nvGrpSpPr>
+      <p:grpSpPr>
+        <a:xfrm>
+          <a:off x="0" y="0"/>
+          <a:ext cx="0" cy="0"/>
+          <a:chOff x="0" y="0"/>
+          <a:chExt cx="0" cy="0"/>
+        </a:xfrm>
+      </p:grpSpPr>
+      <p:sp>
+        <p:nvSpPr>
+          <p:cNvPr id="2" name="Title 1">
+            <a:extLst>
+              <a:ext uri="{FF2B5EF4-FFF2-40B4-BE49-F238E27FC236}">
+                <a16:creationId xmlns:a16="http://schemas.microsoft.com/office/drawing/2014/main" id="{53AF1C14-8EF3-46FF-85C2-16DD3949E603}"/>
+              </a:ext>
+            </a:extLst>
+          </p:cNvPr>
+          <p:cNvSpPr>
+            <a:spLocks noGrp="1"/>
+          </p:cNvSpPr>
+          <p:nvPr>
+            <p:ph type="ctrTitle"/>
+          </p:nvPr>
+        </p:nvSpPr>
+        <p:spPr>
+          <a:xfrm>
+            <a:off x="2017797" y="1171710"/>
+            <a:ext cx="4405066" cy="762000"/>
+          </a:xfrm>
+        </p:spPr>
+        <p:txBody>
+          <a:bodyPr>
+            <a:normAutofit fontScale="90000"/>
+          </a:bodyPr>
+          <a:lstStyle/>
+          <a:p>
+            <a:r>
+              <a:rPr lang="en-US" dirty="0"/>
+              <a:t>Selenium Server the picture</a:t>
+            </a:r>
+            <a:endParaRPr lang="es-MX" dirty="0"/>
+          </a:p>
+        </p:txBody>
+      </p:sp>
+      <p:sp>
+        <p:nvSpPr>
+          <p:cNvPr id="3" name="Title 1">
+            <a:extLst>
+              <a:ext uri="{FF2B5EF4-FFF2-40B4-BE49-F238E27FC236}">
+                <a16:creationId xmlns:a16="http://schemas.microsoft.com/office/drawing/2014/main" id="{F1E6199C-440F-47C6-9490-57DFAD41D615}"/>
+              </a:ext>
+            </a:extLst>
+          </p:cNvPr>
+          <p:cNvSpPr txBox="1">
+            <a:spLocks/>
+          </p:cNvSpPr>
+          <p:nvPr/>
+        </p:nvSpPr>
+        <p:spPr>
+          <a:xfrm>
+            <a:off x="1995734" y="1474598"/>
+            <a:ext cx="9223376" cy="4607420"/>
+          </a:xfrm>
+          <a:prstGeom prst="rect">
+            <a:avLst/>
+          </a:prstGeom>
+        </p:spPr>
+        <p:txBody>
+          <a:bodyPr vert="horz" lIns="91440" tIns="45720" rIns="91440" bIns="45720" rtlCol="0" anchor="b">
+            <a:normAutofit fontScale="97500"/>
+          </a:bodyPr>
+          <a:lstStyle>
+            <a:lvl1pPr algn="l" defTabSz="914400" rtl="0" eaLnBrk="1" latinLnBrk="0" hangingPunct="1">
+              <a:lnSpc>
+                <a:spcPct val="90000"/>
+              </a:lnSpc>
+              <a:spcBef>
+                <a:spcPct val="0"/>
+              </a:spcBef>
+              <a:buNone/>
+              <a:defRPr sz="4800" kern="1200" cap="all" baseline="0">
+                <a:solidFill>
+                  <a:schemeClr val="tx1"/>
+                </a:solidFill>
+                <a:latin typeface="+mj-lt"/>
+                <a:ea typeface="+mj-ea"/>
+                <a:cs typeface="+mj-cs"/>
+              </a:defRPr>
+            </a:lvl1pPr>
+          </a:lstStyle>
+          <a:p>
+            <a:endParaRPr lang="en-US" dirty="0"/>
+          </a:p>
+          <a:p>
+            <a:br>
+              <a:rPr lang="en-US" dirty="0"/>
+            </a:br>
+            <a:endParaRPr lang="es-MX" dirty="0"/>
+          </a:p>
+        </p:txBody>
+      </p:sp>
+      <p:sp>
+        <p:nvSpPr>
+          <p:cNvPr id="5" name="Scroll: Vertical 4">
+            <a:extLst>
+              <a:ext uri="{FF2B5EF4-FFF2-40B4-BE49-F238E27FC236}">
+                <a16:creationId xmlns:a16="http://schemas.microsoft.com/office/drawing/2014/main" id="{C84691C9-FDB4-45BB-9E9C-606B21EA8531}"/>
+              </a:ext>
+            </a:extLst>
+          </p:cNvPr>
+          <p:cNvSpPr/>
+          <p:nvPr/>
+        </p:nvSpPr>
+        <p:spPr>
+          <a:xfrm>
+            <a:off x="1501629" y="2810312"/>
+            <a:ext cx="273195" cy="302004"/>
+          </a:xfrm>
+          <a:prstGeom prst="verticalScroll">
+            <a:avLst/>
+          </a:prstGeom>
+          <a:solidFill>
+            <a:schemeClr val="bg2">
+              <a:lumMod val="25000"/>
+              <a:lumOff val="75000"/>
+            </a:schemeClr>
+          </a:solidFill>
+          <a:ln>
+            <a:solidFill>
+              <a:srgbClr val="00B0F0"/>
+            </a:solidFill>
+          </a:ln>
+        </p:spPr>
+        <p:style>
+          <a:lnRef idx="2">
+            <a:schemeClr val="accent1">
+              <a:shade val="50000"/>
+            </a:schemeClr>
+          </a:lnRef>
+          <a:fillRef idx="1">
+            <a:schemeClr val="accent1"/>
+          </a:fillRef>
+          <a:effectRef idx="0">
+            <a:schemeClr val="accent1"/>
+          </a:effectRef>
+          <a:fontRef idx="minor">
+            <a:schemeClr val="lt1"/>
+          </a:fontRef>
+        </p:style>
+        <p:txBody>
+          <a:bodyPr rtlCol="0" anchor="ctr"/>
+          <a:lstStyle/>
+          <a:p>
+            <a:pPr algn="ctr"/>
+            <a:endParaRPr lang="es-MX"/>
+          </a:p>
+        </p:txBody>
+      </p:sp>
+      <p:sp>
+        <p:nvSpPr>
+          <p:cNvPr id="6" name="Scroll: Vertical 5">
+            <a:extLst>
+              <a:ext uri="{FF2B5EF4-FFF2-40B4-BE49-F238E27FC236}">
+                <a16:creationId xmlns:a16="http://schemas.microsoft.com/office/drawing/2014/main" id="{B2E44D8C-E32E-4BF1-B0FE-01CAC8130664}"/>
+              </a:ext>
+            </a:extLst>
+          </p:cNvPr>
+          <p:cNvSpPr/>
+          <p:nvPr/>
+        </p:nvSpPr>
+        <p:spPr>
+          <a:xfrm>
+            <a:off x="1514212" y="3294310"/>
+            <a:ext cx="273195" cy="302004"/>
+          </a:xfrm>
+          <a:prstGeom prst="verticalScroll">
+            <a:avLst/>
+          </a:prstGeom>
+          <a:solidFill>
+            <a:schemeClr val="bg2">
+              <a:lumMod val="25000"/>
+              <a:lumOff val="75000"/>
+            </a:schemeClr>
+          </a:solidFill>
+          <a:ln>
+            <a:solidFill>
+              <a:srgbClr val="00B0F0"/>
+            </a:solidFill>
+          </a:ln>
+        </p:spPr>
+        <p:style>
+          <a:lnRef idx="2">
+            <a:schemeClr val="accent1">
+              <a:shade val="50000"/>
+            </a:schemeClr>
+          </a:lnRef>
+          <a:fillRef idx="1">
+            <a:schemeClr val="accent1"/>
+          </a:fillRef>
+          <a:effectRef idx="0">
+            <a:schemeClr val="accent1"/>
+          </a:effectRef>
+          <a:fontRef idx="minor">
+            <a:schemeClr val="lt1"/>
+          </a:fontRef>
+        </p:style>
+        <p:txBody>
+          <a:bodyPr rtlCol="0" anchor="ctr"/>
+          <a:lstStyle/>
+          <a:p>
+            <a:pPr algn="ctr"/>
+            <a:endParaRPr lang="es-MX"/>
+          </a:p>
+        </p:txBody>
+      </p:sp>
+      <p:sp>
+        <p:nvSpPr>
+          <p:cNvPr id="7" name="Scroll: Vertical 6">
+            <a:extLst>
+              <a:ext uri="{FF2B5EF4-FFF2-40B4-BE49-F238E27FC236}">
+                <a16:creationId xmlns:a16="http://schemas.microsoft.com/office/drawing/2014/main" id="{87B3C612-1C31-40A8-BA16-2C457C7D2197}"/>
+              </a:ext>
+            </a:extLst>
+          </p:cNvPr>
+          <p:cNvSpPr/>
+          <p:nvPr/>
+        </p:nvSpPr>
+        <p:spPr>
+          <a:xfrm>
+            <a:off x="1514212" y="3778308"/>
+            <a:ext cx="273195" cy="302004"/>
+          </a:xfrm>
+          <a:prstGeom prst="verticalScroll">
+            <a:avLst/>
+          </a:prstGeom>
+          <a:solidFill>
+            <a:schemeClr val="bg2">
+              <a:lumMod val="25000"/>
+              <a:lumOff val="75000"/>
+            </a:schemeClr>
+          </a:solidFill>
+          <a:ln>
+            <a:solidFill>
+              <a:srgbClr val="00B0F0"/>
+            </a:solidFill>
+          </a:ln>
+        </p:spPr>
+        <p:style>
+          <a:lnRef idx="2">
+            <a:schemeClr val="accent1">
+              <a:shade val="50000"/>
+            </a:schemeClr>
+          </a:lnRef>
+          <a:fillRef idx="1">
+            <a:schemeClr val="accent1"/>
+          </a:fillRef>
+          <a:effectRef idx="0">
+            <a:schemeClr val="accent1"/>
+          </a:effectRef>
+          <a:fontRef idx="minor">
+            <a:schemeClr val="lt1"/>
+          </a:fontRef>
+        </p:style>
+        <p:txBody>
+          <a:bodyPr rtlCol="0" anchor="ctr"/>
+          <a:lstStyle/>
+          <a:p>
+            <a:pPr algn="ctr"/>
+            <a:endParaRPr lang="es-MX"/>
+          </a:p>
+        </p:txBody>
+      </p:sp>
+      <p:sp>
+        <p:nvSpPr>
+          <p:cNvPr id="8" name="Arrow: Left-Right 7">
+            <a:extLst>
+              <a:ext uri="{FF2B5EF4-FFF2-40B4-BE49-F238E27FC236}">
+                <a16:creationId xmlns:a16="http://schemas.microsoft.com/office/drawing/2014/main" id="{48BBD3A9-9031-4628-B04C-A5DD46D2F0AE}"/>
+              </a:ext>
+            </a:extLst>
+          </p:cNvPr>
+          <p:cNvSpPr/>
+          <p:nvPr/>
+        </p:nvSpPr>
+        <p:spPr>
+          <a:xfrm>
+            <a:off x="1995734" y="3294310"/>
+            <a:ext cx="1116582" cy="302004"/>
+          </a:xfrm>
+          <a:prstGeom prst="leftRightArrow">
+            <a:avLst/>
+          </a:prstGeom>
+          <a:solidFill>
+            <a:schemeClr val="bg2">
+              <a:lumMod val="50000"/>
+              <a:lumOff val="50000"/>
+            </a:schemeClr>
+          </a:solidFill>
+          <a:ln>
+            <a:solidFill>
+              <a:srgbClr val="00B0F0"/>
+            </a:solidFill>
+          </a:ln>
+        </p:spPr>
+        <p:style>
+          <a:lnRef idx="2">
+            <a:schemeClr val="accent1">
+              <a:shade val="50000"/>
+            </a:schemeClr>
+          </a:lnRef>
+          <a:fillRef idx="1">
+            <a:schemeClr val="accent1"/>
+          </a:fillRef>
+          <a:effectRef idx="0">
+            <a:schemeClr val="accent1"/>
+          </a:effectRef>
+          <a:fontRef idx="minor">
+            <a:schemeClr val="lt1"/>
+          </a:fontRef>
+        </p:style>
+        <p:txBody>
+          <a:bodyPr rtlCol="0" anchor="ctr"/>
+          <a:lstStyle/>
+          <a:p>
+            <a:pPr algn="ctr"/>
+            <a:endParaRPr lang="es-MX"/>
+          </a:p>
+        </p:txBody>
+      </p:sp>
+      <p:sp>
+        <p:nvSpPr>
+          <p:cNvPr id="9" name="Cloud 8">
+            <a:extLst>
+              <a:ext uri="{FF2B5EF4-FFF2-40B4-BE49-F238E27FC236}">
+                <a16:creationId xmlns:a16="http://schemas.microsoft.com/office/drawing/2014/main" id="{FCE50132-6E52-468F-AFF4-D83139E15A9D}"/>
+              </a:ext>
+            </a:extLst>
+          </p:cNvPr>
+          <p:cNvSpPr/>
+          <p:nvPr/>
+        </p:nvSpPr>
+        <p:spPr>
+          <a:xfrm rot="11326543">
+            <a:off x="3264163" y="2821963"/>
+            <a:ext cx="1711354" cy="1060275"/>
+          </a:xfrm>
+          <a:prstGeom prst="cloud">
+            <a:avLst/>
+          </a:prstGeom>
+          <a:noFill/>
+          <a:ln>
+            <a:solidFill>
+              <a:srgbClr val="00B0F0"/>
+            </a:solidFill>
+          </a:ln>
+        </p:spPr>
+        <p:style>
+          <a:lnRef idx="2">
+            <a:schemeClr val="accent1">
+              <a:shade val="50000"/>
+            </a:schemeClr>
+          </a:lnRef>
+          <a:fillRef idx="1">
+            <a:schemeClr val="accent1"/>
+          </a:fillRef>
+          <a:effectRef idx="0">
+            <a:schemeClr val="accent1"/>
+          </a:effectRef>
+          <a:fontRef idx="minor">
+            <a:schemeClr val="lt1"/>
+          </a:fontRef>
+        </p:style>
+        <p:txBody>
+          <a:bodyPr rtlCol="0" anchor="ctr"/>
+          <a:lstStyle/>
+          <a:p>
+            <a:pPr algn="ctr"/>
+            <a:endParaRPr lang="es-MX" dirty="0"/>
+          </a:p>
+        </p:txBody>
+      </p:sp>
+      <p:sp>
+        <p:nvSpPr>
+          <p:cNvPr id="16" name="Arrow: Left-Right 15">
+            <a:extLst>
+              <a:ext uri="{FF2B5EF4-FFF2-40B4-BE49-F238E27FC236}">
+                <a16:creationId xmlns:a16="http://schemas.microsoft.com/office/drawing/2014/main" id="{E795B487-300F-4E12-BF04-79A310F6F884}"/>
+              </a:ext>
+            </a:extLst>
+          </p:cNvPr>
+          <p:cNvSpPr/>
+          <p:nvPr/>
+        </p:nvSpPr>
+        <p:spPr>
+          <a:xfrm>
+            <a:off x="5133313" y="3277998"/>
+            <a:ext cx="962687" cy="302004"/>
+          </a:xfrm>
+          <a:prstGeom prst="leftRightArrow">
+            <a:avLst/>
+          </a:prstGeom>
+          <a:solidFill>
+            <a:schemeClr val="bg2">
+              <a:lumMod val="50000"/>
+              <a:lumOff val="50000"/>
+            </a:schemeClr>
+          </a:solidFill>
+          <a:ln>
+            <a:solidFill>
+              <a:srgbClr val="00B0F0"/>
+            </a:solidFill>
+          </a:ln>
+        </p:spPr>
+        <p:style>
+          <a:lnRef idx="2">
+            <a:schemeClr val="accent1">
+              <a:shade val="50000"/>
+            </a:schemeClr>
+          </a:lnRef>
+          <a:fillRef idx="1">
+            <a:schemeClr val="accent1"/>
+          </a:fillRef>
+          <a:effectRef idx="0">
+            <a:schemeClr val="accent1"/>
+          </a:effectRef>
+          <a:fontRef idx="minor">
+            <a:schemeClr val="lt1"/>
+          </a:fontRef>
+        </p:style>
+        <p:txBody>
+          <a:bodyPr rtlCol="0" anchor="ctr"/>
+          <a:lstStyle/>
+          <a:p>
+            <a:pPr algn="ctr"/>
+            <a:endParaRPr lang="es-MX"/>
+          </a:p>
+        </p:txBody>
+      </p:sp>
+      <p:sp>
+        <p:nvSpPr>
+          <p:cNvPr id="21" name="Rectangle 20">
+            <a:extLst>
+              <a:ext uri="{FF2B5EF4-FFF2-40B4-BE49-F238E27FC236}">
+                <a16:creationId xmlns:a16="http://schemas.microsoft.com/office/drawing/2014/main" id="{C07A2C94-506B-433A-A235-6F0DA08D67A1}"/>
+              </a:ext>
+            </a:extLst>
+          </p:cNvPr>
+          <p:cNvSpPr/>
+          <p:nvPr/>
+        </p:nvSpPr>
+        <p:spPr>
+          <a:xfrm>
+            <a:off x="9405457" y="2835479"/>
+            <a:ext cx="691761" cy="502266"/>
+          </a:xfrm>
+          <a:prstGeom prst="rect">
+            <a:avLst/>
+          </a:prstGeom>
+          <a:solidFill>
+            <a:schemeClr val="bg2">
+              <a:lumMod val="50000"/>
+              <a:lumOff val="50000"/>
+            </a:schemeClr>
+          </a:solidFill>
+          <a:ln>
+            <a:solidFill>
+              <a:srgbClr val="00B0F0"/>
+            </a:solidFill>
+          </a:ln>
+        </p:spPr>
+        <p:style>
+          <a:lnRef idx="2">
+            <a:schemeClr val="accent1">
+              <a:shade val="50000"/>
+            </a:schemeClr>
+          </a:lnRef>
+          <a:fillRef idx="1">
+            <a:schemeClr val="accent1"/>
+          </a:fillRef>
+          <a:effectRef idx="0">
+            <a:schemeClr val="accent1"/>
+          </a:effectRef>
+          <a:fontRef idx="minor">
+            <a:schemeClr val="lt1"/>
+          </a:fontRef>
+        </p:style>
+        <p:txBody>
+          <a:bodyPr rtlCol="0" anchor="ctr"/>
+          <a:lstStyle/>
+          <a:p>
+            <a:pPr algn="ctr"/>
+            <a:r>
+              <a:rPr lang="en-US" sz="1200" dirty="0" err="1"/>
+              <a:t>Safary</a:t>
+            </a:r>
+            <a:endParaRPr lang="es-MX" sz="1200" dirty="0"/>
+          </a:p>
+        </p:txBody>
+      </p:sp>
+      <p:sp>
+        <p:nvSpPr>
+          <p:cNvPr id="4" name="Flowchart: Summing Junction 3">
+            <a:extLst>
+              <a:ext uri="{FF2B5EF4-FFF2-40B4-BE49-F238E27FC236}">
+                <a16:creationId xmlns:a16="http://schemas.microsoft.com/office/drawing/2014/main" id="{15DC480A-15FF-451D-97A3-84CFC82990B2}"/>
+              </a:ext>
+            </a:extLst>
+          </p:cNvPr>
+          <p:cNvSpPr/>
+          <p:nvPr/>
+        </p:nvSpPr>
+        <p:spPr>
+          <a:xfrm>
+            <a:off x="6260466" y="2991723"/>
+            <a:ext cx="952840" cy="874553"/>
+          </a:xfrm>
+          <a:prstGeom prst="flowChartSummingJunction">
+            <a:avLst/>
+          </a:prstGeom>
+          <a:noFill/>
+          <a:ln>
+            <a:solidFill>
+              <a:srgbClr val="00B0F0"/>
+            </a:solidFill>
+          </a:ln>
+        </p:spPr>
+        <p:style>
+          <a:lnRef idx="2">
+            <a:schemeClr val="accent1">
+              <a:shade val="50000"/>
+            </a:schemeClr>
+          </a:lnRef>
+          <a:fillRef idx="1">
+            <a:schemeClr val="accent1"/>
+          </a:fillRef>
+          <a:effectRef idx="0">
+            <a:schemeClr val="accent1"/>
+          </a:effectRef>
+          <a:fontRef idx="minor">
+            <a:schemeClr val="lt1"/>
+          </a:fontRef>
+        </p:style>
+        <p:txBody>
+          <a:bodyPr rtlCol="0" anchor="ctr"/>
+          <a:lstStyle/>
+          <a:p>
+            <a:pPr algn="ctr"/>
+            <a:r>
+              <a:rPr lang="en-US" dirty="0"/>
+              <a:t>HUB</a:t>
+            </a:r>
+            <a:endParaRPr lang="es-MX" dirty="0"/>
+          </a:p>
+        </p:txBody>
+      </p:sp>
+      <p:sp>
+        <p:nvSpPr>
+          <p:cNvPr id="27" name="Rectangle 26">
+            <a:extLst>
+              <a:ext uri="{FF2B5EF4-FFF2-40B4-BE49-F238E27FC236}">
+                <a16:creationId xmlns:a16="http://schemas.microsoft.com/office/drawing/2014/main" id="{43A6E5E4-FB82-4754-B779-ADDD74C22A50}"/>
+              </a:ext>
+            </a:extLst>
+          </p:cNvPr>
+          <p:cNvSpPr/>
+          <p:nvPr/>
+        </p:nvSpPr>
+        <p:spPr>
+          <a:xfrm>
+            <a:off x="7896446" y="2835479"/>
+            <a:ext cx="829027" cy="1226321"/>
+          </a:xfrm>
+          <a:prstGeom prst="rect">
+            <a:avLst/>
+          </a:prstGeom>
+          <a:solidFill>
+            <a:schemeClr val="bg2">
+              <a:lumMod val="50000"/>
+              <a:lumOff val="50000"/>
+            </a:schemeClr>
+          </a:solidFill>
+          <a:ln>
+            <a:solidFill>
+              <a:srgbClr val="00B0F0"/>
+            </a:solidFill>
+          </a:ln>
+        </p:spPr>
+        <p:style>
+          <a:lnRef idx="2">
+            <a:schemeClr val="accent1">
+              <a:shade val="50000"/>
+            </a:schemeClr>
+          </a:lnRef>
+          <a:fillRef idx="1">
+            <a:schemeClr val="accent1"/>
+          </a:fillRef>
+          <a:effectRef idx="0">
+            <a:schemeClr val="accent1"/>
+          </a:effectRef>
+          <a:fontRef idx="minor">
+            <a:schemeClr val="lt1"/>
+          </a:fontRef>
+        </p:style>
+        <p:txBody>
+          <a:bodyPr rtlCol="0" anchor="ctr"/>
+          <a:lstStyle/>
+          <a:p>
+            <a:pPr algn="ctr"/>
+            <a:r>
+              <a:rPr lang="en-US" dirty="0"/>
+              <a:t>Drivers</a:t>
+            </a:r>
+            <a:endParaRPr lang="es-MX" dirty="0"/>
+          </a:p>
+        </p:txBody>
+      </p:sp>
+      <p:sp>
+        <p:nvSpPr>
+          <p:cNvPr id="28" name="Arrow: Left-Right 27">
+            <a:extLst>
+              <a:ext uri="{FF2B5EF4-FFF2-40B4-BE49-F238E27FC236}">
+                <a16:creationId xmlns:a16="http://schemas.microsoft.com/office/drawing/2014/main" id="{FD5C6234-373A-4B0C-80B6-FBDD8CF4A07F}"/>
+              </a:ext>
+            </a:extLst>
+          </p:cNvPr>
+          <p:cNvSpPr/>
+          <p:nvPr/>
+        </p:nvSpPr>
+        <p:spPr>
+          <a:xfrm>
+            <a:off x="8851955" y="2971266"/>
+            <a:ext cx="401102" cy="216551"/>
+          </a:xfrm>
+          <a:prstGeom prst="leftRightArrow">
+            <a:avLst/>
+          </a:prstGeom>
+          <a:solidFill>
+            <a:schemeClr val="bg2">
+              <a:lumMod val="50000"/>
+              <a:lumOff val="50000"/>
+            </a:schemeClr>
+          </a:solidFill>
+          <a:ln>
+            <a:solidFill>
+              <a:srgbClr val="00B0F0"/>
+            </a:solidFill>
+          </a:ln>
+        </p:spPr>
+        <p:style>
+          <a:lnRef idx="2">
+            <a:schemeClr val="accent1">
+              <a:shade val="50000"/>
+            </a:schemeClr>
+          </a:lnRef>
+          <a:fillRef idx="1">
+            <a:schemeClr val="accent1"/>
+          </a:fillRef>
+          <a:effectRef idx="0">
+            <a:schemeClr val="accent1"/>
+          </a:effectRef>
+          <a:fontRef idx="minor">
+            <a:schemeClr val="lt1"/>
+          </a:fontRef>
+        </p:style>
+        <p:txBody>
+          <a:bodyPr rtlCol="0" anchor="ctr"/>
+          <a:lstStyle/>
+          <a:p>
+            <a:pPr algn="ctr"/>
+            <a:endParaRPr lang="es-MX"/>
+          </a:p>
+        </p:txBody>
+      </p:sp>
+      <p:sp>
+        <p:nvSpPr>
+          <p:cNvPr id="35" name="Rectangle 34">
+            <a:extLst>
+              <a:ext uri="{FF2B5EF4-FFF2-40B4-BE49-F238E27FC236}">
+                <a16:creationId xmlns:a16="http://schemas.microsoft.com/office/drawing/2014/main" id="{27DC2A75-7342-4030-9640-5D7DD1038443}"/>
+              </a:ext>
+            </a:extLst>
+          </p:cNvPr>
+          <p:cNvSpPr/>
+          <p:nvPr/>
+        </p:nvSpPr>
+        <p:spPr>
+          <a:xfrm>
+            <a:off x="9405457" y="3578417"/>
+            <a:ext cx="691761" cy="483383"/>
+          </a:xfrm>
+          <a:prstGeom prst="rect">
+            <a:avLst/>
+          </a:prstGeom>
+          <a:solidFill>
+            <a:schemeClr val="bg2">
+              <a:lumMod val="50000"/>
+              <a:lumOff val="50000"/>
+            </a:schemeClr>
+          </a:solidFill>
+          <a:ln>
+            <a:solidFill>
+              <a:srgbClr val="00B0F0"/>
+            </a:solidFill>
+          </a:ln>
+        </p:spPr>
+        <p:style>
+          <a:lnRef idx="2">
+            <a:schemeClr val="accent1">
+              <a:shade val="50000"/>
+            </a:schemeClr>
+          </a:lnRef>
+          <a:fillRef idx="1">
+            <a:schemeClr val="accent1"/>
+          </a:fillRef>
+          <a:effectRef idx="0">
+            <a:schemeClr val="accent1"/>
+          </a:effectRef>
+          <a:fontRef idx="minor">
+            <a:schemeClr val="lt1"/>
+          </a:fontRef>
+        </p:style>
+        <p:txBody>
+          <a:bodyPr rtlCol="0" anchor="ctr"/>
+          <a:lstStyle/>
+          <a:p>
+            <a:pPr algn="ctr"/>
+            <a:r>
+              <a:rPr lang="en-US" sz="1200" dirty="0"/>
+              <a:t>IE</a:t>
+            </a:r>
+            <a:endParaRPr lang="es-MX" sz="1200" dirty="0"/>
+          </a:p>
+        </p:txBody>
+      </p:sp>
+      <p:sp>
+        <p:nvSpPr>
+          <p:cNvPr id="36" name="Arrow: Left-Right 35">
+            <a:extLst>
+              <a:ext uri="{FF2B5EF4-FFF2-40B4-BE49-F238E27FC236}">
+                <a16:creationId xmlns:a16="http://schemas.microsoft.com/office/drawing/2014/main" id="{57A12979-25C4-4984-BB4E-9726545AF097}"/>
+              </a:ext>
+            </a:extLst>
+          </p:cNvPr>
+          <p:cNvSpPr/>
+          <p:nvPr/>
+        </p:nvSpPr>
+        <p:spPr>
+          <a:xfrm>
+            <a:off x="8877873" y="3712642"/>
+            <a:ext cx="401102" cy="216551"/>
+          </a:xfrm>
+          <a:prstGeom prst="leftRightArrow">
+            <a:avLst/>
+          </a:prstGeom>
+          <a:solidFill>
+            <a:schemeClr val="bg2">
+              <a:lumMod val="50000"/>
+              <a:lumOff val="50000"/>
+            </a:schemeClr>
+          </a:solidFill>
+          <a:ln>
+            <a:solidFill>
+              <a:srgbClr val="00B0F0"/>
+            </a:solidFill>
+          </a:ln>
+        </p:spPr>
+        <p:style>
+          <a:lnRef idx="2">
+            <a:schemeClr val="accent1">
+              <a:shade val="50000"/>
+            </a:schemeClr>
+          </a:lnRef>
+          <a:fillRef idx="1">
+            <a:schemeClr val="accent1"/>
+          </a:fillRef>
+          <a:effectRef idx="0">
+            <a:schemeClr val="accent1"/>
+          </a:effectRef>
+          <a:fontRef idx="minor">
+            <a:schemeClr val="lt1"/>
+          </a:fontRef>
+        </p:style>
+        <p:txBody>
+          <a:bodyPr rtlCol="0" anchor="ctr"/>
+          <a:lstStyle/>
+          <a:p>
+            <a:pPr algn="ctr"/>
+            <a:endParaRPr lang="es-MX"/>
+          </a:p>
+        </p:txBody>
+      </p:sp>
+      <p:sp>
+        <p:nvSpPr>
+          <p:cNvPr id="37" name="Rectangle 36">
+            <a:extLst>
+              <a:ext uri="{FF2B5EF4-FFF2-40B4-BE49-F238E27FC236}">
+                <a16:creationId xmlns:a16="http://schemas.microsoft.com/office/drawing/2014/main" id="{3950AC66-2649-40D0-82B7-68CFA6F6FEBE}"/>
+              </a:ext>
+            </a:extLst>
+          </p:cNvPr>
+          <p:cNvSpPr/>
+          <p:nvPr/>
+        </p:nvSpPr>
+        <p:spPr>
+          <a:xfrm>
+            <a:off x="9392396" y="1152369"/>
+            <a:ext cx="691761" cy="502266"/>
+          </a:xfrm>
+          <a:prstGeom prst="rect">
+            <a:avLst/>
+          </a:prstGeom>
+          <a:solidFill>
+            <a:schemeClr val="bg2">
+              <a:lumMod val="50000"/>
+              <a:lumOff val="50000"/>
+            </a:schemeClr>
+          </a:solidFill>
+          <a:ln>
+            <a:solidFill>
+              <a:srgbClr val="00B0F0"/>
+            </a:solidFill>
+          </a:ln>
+        </p:spPr>
+        <p:style>
+          <a:lnRef idx="2">
+            <a:schemeClr val="accent1">
+              <a:shade val="50000"/>
+            </a:schemeClr>
+          </a:lnRef>
+          <a:fillRef idx="1">
+            <a:schemeClr val="accent1"/>
+          </a:fillRef>
+          <a:effectRef idx="0">
+            <a:schemeClr val="accent1"/>
+          </a:effectRef>
+          <a:fontRef idx="minor">
+            <a:schemeClr val="lt1"/>
+          </a:fontRef>
+        </p:style>
+        <p:txBody>
+          <a:bodyPr rtlCol="0" anchor="ctr"/>
+          <a:lstStyle/>
+          <a:p>
+            <a:pPr algn="ctr"/>
+            <a:r>
+              <a:rPr lang="en-US" sz="1200" dirty="0"/>
+              <a:t>Firefox</a:t>
+            </a:r>
+            <a:endParaRPr lang="es-MX" sz="1200" dirty="0"/>
+          </a:p>
+        </p:txBody>
+      </p:sp>
+      <p:sp>
+        <p:nvSpPr>
+          <p:cNvPr id="38" name="Rectangle 37">
+            <a:extLst>
+              <a:ext uri="{FF2B5EF4-FFF2-40B4-BE49-F238E27FC236}">
+                <a16:creationId xmlns:a16="http://schemas.microsoft.com/office/drawing/2014/main" id="{7A2DE376-2896-4B88-B47C-9E7D87F89EB2}"/>
+              </a:ext>
+            </a:extLst>
+          </p:cNvPr>
+          <p:cNvSpPr/>
+          <p:nvPr/>
+        </p:nvSpPr>
+        <p:spPr>
+          <a:xfrm>
+            <a:off x="7883385" y="1152369"/>
+            <a:ext cx="829027" cy="1226321"/>
+          </a:xfrm>
+          <a:prstGeom prst="rect">
+            <a:avLst/>
+          </a:prstGeom>
+          <a:solidFill>
+            <a:schemeClr val="bg2">
+              <a:lumMod val="50000"/>
+              <a:lumOff val="50000"/>
+            </a:schemeClr>
+          </a:solidFill>
+          <a:ln>
+            <a:solidFill>
+              <a:srgbClr val="00B0F0"/>
+            </a:solidFill>
+          </a:ln>
+        </p:spPr>
+        <p:style>
+          <a:lnRef idx="2">
+            <a:schemeClr val="accent1">
+              <a:shade val="50000"/>
+            </a:schemeClr>
+          </a:lnRef>
+          <a:fillRef idx="1">
+            <a:schemeClr val="accent1"/>
+          </a:fillRef>
+          <a:effectRef idx="0">
+            <a:schemeClr val="accent1"/>
+          </a:effectRef>
+          <a:fontRef idx="minor">
+            <a:schemeClr val="lt1"/>
+          </a:fontRef>
+        </p:style>
+        <p:txBody>
+          <a:bodyPr rtlCol="0" anchor="ctr"/>
+          <a:lstStyle/>
+          <a:p>
+            <a:pPr algn="ctr"/>
+            <a:r>
+              <a:rPr lang="en-US" dirty="0"/>
+              <a:t>Drivers</a:t>
+            </a:r>
+            <a:endParaRPr lang="es-MX" dirty="0"/>
+          </a:p>
+        </p:txBody>
+      </p:sp>
+      <p:sp>
+        <p:nvSpPr>
+          <p:cNvPr id="39" name="Arrow: Left-Right 38">
+            <a:extLst>
+              <a:ext uri="{FF2B5EF4-FFF2-40B4-BE49-F238E27FC236}">
+                <a16:creationId xmlns:a16="http://schemas.microsoft.com/office/drawing/2014/main" id="{B91C027C-AF1A-49D9-A352-11709A4F8F64}"/>
+              </a:ext>
+            </a:extLst>
+          </p:cNvPr>
+          <p:cNvSpPr/>
+          <p:nvPr/>
+        </p:nvSpPr>
+        <p:spPr>
+          <a:xfrm>
+            <a:off x="8838894" y="1288156"/>
+            <a:ext cx="401102" cy="216551"/>
+          </a:xfrm>
+          <a:prstGeom prst="leftRightArrow">
+            <a:avLst/>
+          </a:prstGeom>
+          <a:solidFill>
+            <a:schemeClr val="bg2">
+              <a:lumMod val="50000"/>
+              <a:lumOff val="50000"/>
+            </a:schemeClr>
+          </a:solidFill>
+          <a:ln>
+            <a:solidFill>
+              <a:srgbClr val="00B0F0"/>
+            </a:solidFill>
+          </a:ln>
+        </p:spPr>
+        <p:style>
+          <a:lnRef idx="2">
+            <a:schemeClr val="accent1">
+              <a:shade val="50000"/>
+            </a:schemeClr>
+          </a:lnRef>
+          <a:fillRef idx="1">
+            <a:schemeClr val="accent1"/>
+          </a:fillRef>
+          <a:effectRef idx="0">
+            <a:schemeClr val="accent1"/>
+          </a:effectRef>
+          <a:fontRef idx="minor">
+            <a:schemeClr val="lt1"/>
+          </a:fontRef>
+        </p:style>
+        <p:txBody>
+          <a:bodyPr rtlCol="0" anchor="ctr"/>
+          <a:lstStyle/>
+          <a:p>
+            <a:pPr algn="ctr"/>
+            <a:endParaRPr lang="es-MX"/>
+          </a:p>
+        </p:txBody>
+      </p:sp>
+      <p:sp>
+        <p:nvSpPr>
+          <p:cNvPr id="40" name="Rectangle 39">
+            <a:extLst>
+              <a:ext uri="{FF2B5EF4-FFF2-40B4-BE49-F238E27FC236}">
+                <a16:creationId xmlns:a16="http://schemas.microsoft.com/office/drawing/2014/main" id="{24CC1E59-5842-4AFA-B6AD-AF2724692EF6}"/>
+              </a:ext>
+            </a:extLst>
+          </p:cNvPr>
+          <p:cNvSpPr/>
+          <p:nvPr/>
+        </p:nvSpPr>
+        <p:spPr>
+          <a:xfrm>
+            <a:off x="9392396" y="1895307"/>
+            <a:ext cx="691761" cy="483383"/>
+          </a:xfrm>
+          <a:prstGeom prst="rect">
+            <a:avLst/>
+          </a:prstGeom>
+          <a:solidFill>
+            <a:schemeClr val="bg2">
+              <a:lumMod val="50000"/>
+              <a:lumOff val="50000"/>
+            </a:schemeClr>
+          </a:solidFill>
+          <a:ln>
+            <a:solidFill>
+              <a:srgbClr val="00B0F0"/>
+            </a:solidFill>
+          </a:ln>
+        </p:spPr>
+        <p:style>
+          <a:lnRef idx="2">
+            <a:schemeClr val="accent1">
+              <a:shade val="50000"/>
+            </a:schemeClr>
+          </a:lnRef>
+          <a:fillRef idx="1">
+            <a:schemeClr val="accent1"/>
+          </a:fillRef>
+          <a:effectRef idx="0">
+            <a:schemeClr val="accent1"/>
+          </a:effectRef>
+          <a:fontRef idx="minor">
+            <a:schemeClr val="lt1"/>
+          </a:fontRef>
+        </p:style>
+        <p:txBody>
+          <a:bodyPr rtlCol="0" anchor="ctr"/>
+          <a:lstStyle/>
+          <a:p>
+            <a:pPr algn="ctr"/>
+            <a:r>
+              <a:rPr lang="en-US" sz="1200" dirty="0"/>
+              <a:t>Chrome</a:t>
+            </a:r>
+            <a:endParaRPr lang="es-MX" sz="1200" dirty="0"/>
+          </a:p>
+        </p:txBody>
+      </p:sp>
+      <p:sp>
+        <p:nvSpPr>
+          <p:cNvPr id="41" name="Arrow: Left-Right 40">
+            <a:extLst>
+              <a:ext uri="{FF2B5EF4-FFF2-40B4-BE49-F238E27FC236}">
+                <a16:creationId xmlns:a16="http://schemas.microsoft.com/office/drawing/2014/main" id="{6D5616BC-3675-449E-A63D-47594DA4ECEE}"/>
+              </a:ext>
+            </a:extLst>
+          </p:cNvPr>
+          <p:cNvSpPr/>
+          <p:nvPr/>
+        </p:nvSpPr>
+        <p:spPr>
+          <a:xfrm>
+            <a:off x="8864812" y="2029532"/>
+            <a:ext cx="401102" cy="216551"/>
+          </a:xfrm>
+          <a:prstGeom prst="leftRightArrow">
+            <a:avLst/>
+          </a:prstGeom>
+          <a:solidFill>
+            <a:schemeClr val="bg2">
+              <a:lumMod val="50000"/>
+              <a:lumOff val="50000"/>
+            </a:schemeClr>
+          </a:solidFill>
+          <a:ln>
+            <a:solidFill>
+              <a:srgbClr val="00B0F0"/>
+            </a:solidFill>
+          </a:ln>
+        </p:spPr>
+        <p:style>
+          <a:lnRef idx="2">
+            <a:schemeClr val="accent1">
+              <a:shade val="50000"/>
+            </a:schemeClr>
+          </a:lnRef>
+          <a:fillRef idx="1">
+            <a:schemeClr val="accent1"/>
+          </a:fillRef>
+          <a:effectRef idx="0">
+            <a:schemeClr val="accent1"/>
+          </a:effectRef>
+          <a:fontRef idx="minor">
+            <a:schemeClr val="lt1"/>
+          </a:fontRef>
+        </p:style>
+        <p:txBody>
+          <a:bodyPr rtlCol="0" anchor="ctr"/>
+          <a:lstStyle/>
+          <a:p>
+            <a:pPr algn="ctr"/>
+            <a:endParaRPr lang="es-MX"/>
+          </a:p>
+        </p:txBody>
+      </p:sp>
+      <p:sp>
+        <p:nvSpPr>
+          <p:cNvPr id="42" name="Rectangle 41">
+            <a:extLst>
+              <a:ext uri="{FF2B5EF4-FFF2-40B4-BE49-F238E27FC236}">
+                <a16:creationId xmlns:a16="http://schemas.microsoft.com/office/drawing/2014/main" id="{35E652C4-182E-4CD3-9619-6A7BA2795E95}"/>
+              </a:ext>
+            </a:extLst>
+          </p:cNvPr>
+          <p:cNvSpPr/>
+          <p:nvPr/>
+        </p:nvSpPr>
+        <p:spPr>
+          <a:xfrm>
+            <a:off x="9425952" y="4466227"/>
+            <a:ext cx="691761" cy="502266"/>
+          </a:xfrm>
+          <a:prstGeom prst="rect">
+            <a:avLst/>
+          </a:prstGeom>
+          <a:solidFill>
+            <a:schemeClr val="bg2">
+              <a:lumMod val="50000"/>
+              <a:lumOff val="50000"/>
+            </a:schemeClr>
+          </a:solidFill>
+          <a:ln>
+            <a:solidFill>
+              <a:srgbClr val="00B0F0"/>
+            </a:solidFill>
+          </a:ln>
+        </p:spPr>
+        <p:style>
+          <a:lnRef idx="2">
+            <a:schemeClr val="accent1">
+              <a:shade val="50000"/>
+            </a:schemeClr>
+          </a:lnRef>
+          <a:fillRef idx="1">
+            <a:schemeClr val="accent1"/>
+          </a:fillRef>
+          <a:effectRef idx="0">
+            <a:schemeClr val="accent1"/>
+          </a:effectRef>
+          <a:fontRef idx="minor">
+            <a:schemeClr val="lt1"/>
+          </a:fontRef>
+        </p:style>
+        <p:txBody>
+          <a:bodyPr rtlCol="0" anchor="ctr"/>
+          <a:lstStyle/>
+          <a:p>
+            <a:pPr algn="ctr"/>
+            <a:r>
+              <a:rPr lang="en-US" sz="1200" dirty="0"/>
+              <a:t>Chrome</a:t>
+            </a:r>
+            <a:endParaRPr lang="es-MX" sz="1200" dirty="0"/>
+          </a:p>
+        </p:txBody>
+      </p:sp>
+      <p:sp>
+        <p:nvSpPr>
+          <p:cNvPr id="43" name="Rectangle 42">
+            <a:extLst>
+              <a:ext uri="{FF2B5EF4-FFF2-40B4-BE49-F238E27FC236}">
+                <a16:creationId xmlns:a16="http://schemas.microsoft.com/office/drawing/2014/main" id="{442389CE-2B85-449A-A234-0C5156A4CBEB}"/>
+              </a:ext>
+            </a:extLst>
+          </p:cNvPr>
+          <p:cNvSpPr/>
+          <p:nvPr/>
+        </p:nvSpPr>
+        <p:spPr>
+          <a:xfrm>
+            <a:off x="7916941" y="4466227"/>
+            <a:ext cx="829027" cy="1226321"/>
+          </a:xfrm>
+          <a:prstGeom prst="rect">
+            <a:avLst/>
+          </a:prstGeom>
+          <a:solidFill>
+            <a:schemeClr val="bg2">
+              <a:lumMod val="50000"/>
+              <a:lumOff val="50000"/>
+            </a:schemeClr>
+          </a:solidFill>
+          <a:ln>
+            <a:solidFill>
+              <a:srgbClr val="00B0F0"/>
+            </a:solidFill>
+          </a:ln>
+        </p:spPr>
+        <p:style>
+          <a:lnRef idx="2">
+            <a:schemeClr val="accent1">
+              <a:shade val="50000"/>
+            </a:schemeClr>
+          </a:lnRef>
+          <a:fillRef idx="1">
+            <a:schemeClr val="accent1"/>
+          </a:fillRef>
+          <a:effectRef idx="0">
+            <a:schemeClr val="accent1"/>
+          </a:effectRef>
+          <a:fontRef idx="minor">
+            <a:schemeClr val="lt1"/>
+          </a:fontRef>
+        </p:style>
+        <p:txBody>
+          <a:bodyPr rtlCol="0" anchor="ctr"/>
+          <a:lstStyle/>
+          <a:p>
+            <a:pPr algn="ctr"/>
+            <a:r>
+              <a:rPr lang="en-US" dirty="0"/>
+              <a:t>Drivers</a:t>
+            </a:r>
+            <a:endParaRPr lang="es-MX" dirty="0"/>
+          </a:p>
+        </p:txBody>
+      </p:sp>
+      <p:sp>
+        <p:nvSpPr>
+          <p:cNvPr id="44" name="Arrow: Left-Right 43">
+            <a:extLst>
+              <a:ext uri="{FF2B5EF4-FFF2-40B4-BE49-F238E27FC236}">
+                <a16:creationId xmlns:a16="http://schemas.microsoft.com/office/drawing/2014/main" id="{4D109609-FDDB-4365-8466-71972978F6C8}"/>
+              </a:ext>
+            </a:extLst>
+          </p:cNvPr>
+          <p:cNvSpPr/>
+          <p:nvPr/>
+        </p:nvSpPr>
+        <p:spPr>
+          <a:xfrm>
+            <a:off x="8872450" y="4602014"/>
+            <a:ext cx="401102" cy="216551"/>
+          </a:xfrm>
+          <a:prstGeom prst="leftRightArrow">
+            <a:avLst/>
+          </a:prstGeom>
+          <a:solidFill>
+            <a:schemeClr val="bg2">
+              <a:lumMod val="50000"/>
+              <a:lumOff val="50000"/>
+            </a:schemeClr>
+          </a:solidFill>
+          <a:ln>
+            <a:solidFill>
+              <a:srgbClr val="00B0F0"/>
+            </a:solidFill>
+          </a:ln>
+        </p:spPr>
+        <p:style>
+          <a:lnRef idx="2">
+            <a:schemeClr val="accent1">
+              <a:shade val="50000"/>
+            </a:schemeClr>
+          </a:lnRef>
+          <a:fillRef idx="1">
+            <a:schemeClr val="accent1"/>
+          </a:fillRef>
+          <a:effectRef idx="0">
+            <a:schemeClr val="accent1"/>
+          </a:effectRef>
+          <a:fontRef idx="minor">
+            <a:schemeClr val="lt1"/>
+          </a:fontRef>
+        </p:style>
+        <p:txBody>
+          <a:bodyPr rtlCol="0" anchor="ctr"/>
+          <a:lstStyle/>
+          <a:p>
+            <a:pPr algn="ctr"/>
+            <a:endParaRPr lang="es-MX"/>
+          </a:p>
+        </p:txBody>
+      </p:sp>
+      <p:sp>
+        <p:nvSpPr>
+          <p:cNvPr id="45" name="Rectangle 44">
+            <a:extLst>
+              <a:ext uri="{FF2B5EF4-FFF2-40B4-BE49-F238E27FC236}">
+                <a16:creationId xmlns:a16="http://schemas.microsoft.com/office/drawing/2014/main" id="{A3552265-FE49-4460-9A97-D4036F0D0A3C}"/>
+              </a:ext>
+            </a:extLst>
+          </p:cNvPr>
+          <p:cNvSpPr/>
+          <p:nvPr/>
+        </p:nvSpPr>
+        <p:spPr>
+          <a:xfrm>
+            <a:off x="9425952" y="5209165"/>
+            <a:ext cx="691761" cy="483383"/>
+          </a:xfrm>
+          <a:prstGeom prst="rect">
+            <a:avLst/>
+          </a:prstGeom>
+          <a:solidFill>
+            <a:schemeClr val="bg2">
+              <a:lumMod val="50000"/>
+              <a:lumOff val="50000"/>
+            </a:schemeClr>
+          </a:solidFill>
+          <a:ln>
+            <a:solidFill>
+              <a:srgbClr val="00B0F0"/>
+            </a:solidFill>
+          </a:ln>
+        </p:spPr>
+        <p:style>
+          <a:lnRef idx="2">
+            <a:schemeClr val="accent1">
+              <a:shade val="50000"/>
+            </a:schemeClr>
+          </a:lnRef>
+          <a:fillRef idx="1">
+            <a:schemeClr val="accent1"/>
+          </a:fillRef>
+          <a:effectRef idx="0">
+            <a:schemeClr val="accent1"/>
+          </a:effectRef>
+          <a:fontRef idx="minor">
+            <a:schemeClr val="lt1"/>
+          </a:fontRef>
+        </p:style>
+        <p:txBody>
+          <a:bodyPr rtlCol="0" anchor="ctr"/>
+          <a:lstStyle/>
+          <a:p>
+            <a:pPr algn="ctr"/>
+            <a:r>
+              <a:rPr lang="en-US" sz="1200" dirty="0"/>
+              <a:t>IE</a:t>
+            </a:r>
+            <a:endParaRPr lang="es-MX" sz="1200" dirty="0"/>
+          </a:p>
+        </p:txBody>
+      </p:sp>
+      <p:sp>
+        <p:nvSpPr>
+          <p:cNvPr id="46" name="Arrow: Left-Right 45">
+            <a:extLst>
+              <a:ext uri="{FF2B5EF4-FFF2-40B4-BE49-F238E27FC236}">
+                <a16:creationId xmlns:a16="http://schemas.microsoft.com/office/drawing/2014/main" id="{894BB973-C3C9-4897-8FC0-C15C3D9E699F}"/>
+              </a:ext>
+            </a:extLst>
+          </p:cNvPr>
+          <p:cNvSpPr/>
+          <p:nvPr/>
+        </p:nvSpPr>
+        <p:spPr>
+          <a:xfrm>
+            <a:off x="8898368" y="5343390"/>
+            <a:ext cx="401102" cy="216551"/>
+          </a:xfrm>
+          <a:prstGeom prst="leftRightArrow">
+            <a:avLst/>
+          </a:prstGeom>
+          <a:solidFill>
+            <a:schemeClr val="bg2">
+              <a:lumMod val="50000"/>
+              <a:lumOff val="50000"/>
+            </a:schemeClr>
+          </a:solidFill>
+          <a:ln>
+            <a:solidFill>
+              <a:srgbClr val="00B0F0"/>
+            </a:solidFill>
+          </a:ln>
+        </p:spPr>
+        <p:style>
+          <a:lnRef idx="2">
+            <a:schemeClr val="accent1">
+              <a:shade val="50000"/>
+            </a:schemeClr>
+          </a:lnRef>
+          <a:fillRef idx="1">
+            <a:schemeClr val="accent1"/>
+          </a:fillRef>
+          <a:effectRef idx="0">
+            <a:schemeClr val="accent1"/>
+          </a:effectRef>
+          <a:fontRef idx="minor">
+            <a:schemeClr val="lt1"/>
+          </a:fontRef>
+        </p:style>
+        <p:txBody>
+          <a:bodyPr rtlCol="0" anchor="ctr"/>
+          <a:lstStyle/>
+          <a:p>
+            <a:pPr algn="ctr"/>
+            <a:endParaRPr lang="es-MX"/>
+          </a:p>
+        </p:txBody>
+      </p:sp>
+      <p:sp>
+        <p:nvSpPr>
+          <p:cNvPr id="47" name="Arrow: Left-Right 46">
+            <a:extLst>
+              <a:ext uri="{FF2B5EF4-FFF2-40B4-BE49-F238E27FC236}">
+                <a16:creationId xmlns:a16="http://schemas.microsoft.com/office/drawing/2014/main" id="{EE1DE94F-4EE3-4854-AD7E-74206F1D3F5F}"/>
+              </a:ext>
+            </a:extLst>
+          </p:cNvPr>
+          <p:cNvSpPr/>
+          <p:nvPr/>
+        </p:nvSpPr>
+        <p:spPr>
+          <a:xfrm rot="18918944">
+            <a:off x="6839566" y="2490755"/>
+            <a:ext cx="1063358" cy="216551"/>
+          </a:xfrm>
+          <a:prstGeom prst="leftRightArrow">
+            <a:avLst/>
+          </a:prstGeom>
+          <a:solidFill>
+            <a:schemeClr val="bg2">
+              <a:lumMod val="50000"/>
+              <a:lumOff val="50000"/>
+            </a:schemeClr>
+          </a:solidFill>
+          <a:ln>
+            <a:solidFill>
+              <a:srgbClr val="00B0F0"/>
+            </a:solidFill>
+          </a:ln>
+        </p:spPr>
+        <p:style>
+          <a:lnRef idx="2">
+            <a:schemeClr val="accent1">
+              <a:shade val="50000"/>
+            </a:schemeClr>
+          </a:lnRef>
+          <a:fillRef idx="1">
+            <a:schemeClr val="accent1"/>
+          </a:fillRef>
+          <a:effectRef idx="0">
+            <a:schemeClr val="accent1"/>
+          </a:effectRef>
+          <a:fontRef idx="minor">
+            <a:schemeClr val="lt1"/>
+          </a:fontRef>
+        </p:style>
+        <p:txBody>
+          <a:bodyPr rtlCol="0" anchor="ctr"/>
+          <a:lstStyle/>
+          <a:p>
+            <a:pPr algn="ctr"/>
+            <a:endParaRPr lang="es-MX"/>
+          </a:p>
+        </p:txBody>
+      </p:sp>
+      <p:sp>
+        <p:nvSpPr>
+          <p:cNvPr id="48" name="Arrow: Left-Right 47">
+            <a:extLst>
+              <a:ext uri="{FF2B5EF4-FFF2-40B4-BE49-F238E27FC236}">
+                <a16:creationId xmlns:a16="http://schemas.microsoft.com/office/drawing/2014/main" id="{BCFBE082-612B-4FA0-8084-938351D37F28}"/>
+              </a:ext>
+            </a:extLst>
+          </p:cNvPr>
+          <p:cNvSpPr/>
+          <p:nvPr/>
+        </p:nvSpPr>
+        <p:spPr>
+          <a:xfrm>
+            <a:off x="7368862" y="3379763"/>
+            <a:ext cx="401102" cy="216551"/>
+          </a:xfrm>
+          <a:prstGeom prst="leftRightArrow">
+            <a:avLst/>
+          </a:prstGeom>
+          <a:solidFill>
+            <a:schemeClr val="bg2">
+              <a:lumMod val="50000"/>
+              <a:lumOff val="50000"/>
+            </a:schemeClr>
+          </a:solidFill>
+          <a:ln>
+            <a:solidFill>
+              <a:srgbClr val="00B0F0"/>
+            </a:solidFill>
+          </a:ln>
+        </p:spPr>
+        <p:style>
+          <a:lnRef idx="2">
+            <a:schemeClr val="accent1">
+              <a:shade val="50000"/>
+            </a:schemeClr>
+          </a:lnRef>
+          <a:fillRef idx="1">
+            <a:schemeClr val="accent1"/>
+          </a:fillRef>
+          <a:effectRef idx="0">
+            <a:schemeClr val="accent1"/>
+          </a:effectRef>
+          <a:fontRef idx="minor">
+            <a:schemeClr val="lt1"/>
+          </a:fontRef>
+        </p:style>
+        <p:txBody>
+          <a:bodyPr rtlCol="0" anchor="ctr"/>
+          <a:lstStyle/>
+          <a:p>
+            <a:pPr algn="ctr"/>
+            <a:endParaRPr lang="es-MX"/>
+          </a:p>
+        </p:txBody>
+      </p:sp>
+      <p:sp>
+        <p:nvSpPr>
+          <p:cNvPr id="50" name="Arrow: Left-Right 49">
+            <a:extLst>
+              <a:ext uri="{FF2B5EF4-FFF2-40B4-BE49-F238E27FC236}">
+                <a16:creationId xmlns:a16="http://schemas.microsoft.com/office/drawing/2014/main" id="{16EC49B9-8BA9-4BAF-A7C8-11E756DDEDB9}"/>
+              </a:ext>
+            </a:extLst>
+          </p:cNvPr>
+          <p:cNvSpPr/>
+          <p:nvPr/>
+        </p:nvSpPr>
+        <p:spPr>
+          <a:xfrm rot="13443763">
+            <a:off x="6844172" y="4205559"/>
+            <a:ext cx="1063358" cy="216551"/>
+          </a:xfrm>
+          <a:prstGeom prst="leftRightArrow">
+            <a:avLst/>
+          </a:prstGeom>
+          <a:solidFill>
+            <a:schemeClr val="bg2">
+              <a:lumMod val="50000"/>
+              <a:lumOff val="50000"/>
+            </a:schemeClr>
+          </a:solidFill>
+          <a:ln>
+            <a:solidFill>
+              <a:srgbClr val="00B0F0"/>
+            </a:solidFill>
+          </a:ln>
+        </p:spPr>
+        <p:style>
+          <a:lnRef idx="2">
+            <a:schemeClr val="accent1">
+              <a:shade val="50000"/>
+            </a:schemeClr>
+          </a:lnRef>
+          <a:fillRef idx="1">
+            <a:schemeClr val="accent1"/>
+          </a:fillRef>
+          <a:effectRef idx="0">
+            <a:schemeClr val="accent1"/>
+          </a:effectRef>
+          <a:fontRef idx="minor">
+            <a:schemeClr val="lt1"/>
+          </a:fontRef>
+        </p:style>
+        <p:txBody>
+          <a:bodyPr rtlCol="0" anchor="ctr"/>
+          <a:lstStyle/>
+          <a:p>
+            <a:pPr algn="ctr"/>
+            <a:endParaRPr lang="es-MX"/>
+          </a:p>
+        </p:txBody>
+      </p:sp>
+    </p:spTree>
+    <p:extLst>
+      <p:ext uri="{BB962C8B-B14F-4D97-AF65-F5344CB8AC3E}">
+        <p14:creationId xmlns:p14="http://schemas.microsoft.com/office/powerpoint/2010/main" val="4217451884"/>
+      </p:ext>
+    </p:extLst>
+  </p:cSld>
+  <p:clrMapOvr>
+    <a:masterClrMapping/>
+  </p:clrMapOvr>
+</p:sld>
+</file>
+
+<file path=ppt/slides/slide34.xml><?xml version="1.0" encoding="utf-8"?>
+<p:sld xmlns:a="http://schemas.openxmlformats.org/drawingml/2006/main" xmlns:r="http://schemas.openxmlformats.org/officeDocument/2006/relationships" xmlns:p="http://schemas.openxmlformats.org/presentationml/2006/main">
+  <p:cSld>
+    <p:spTree>
+      <p:nvGrpSpPr>
+        <p:cNvPr id="1" name=""/>
+        <p:cNvGrpSpPr/>
+        <p:nvPr/>
+      </p:nvGrpSpPr>
+      <p:grpSpPr>
+        <a:xfrm>
+          <a:off x="0" y="0"/>
+          <a:ext cx="0" cy="0"/>
+          <a:chOff x="0" y="0"/>
+          <a:chExt cx="0" cy="0"/>
+        </a:xfrm>
+      </p:grpSpPr>
+      <p:sp>
+        <p:nvSpPr>
+          <p:cNvPr id="2" name="Title 1">
+            <a:extLst>
+              <a:ext uri="{FF2B5EF4-FFF2-40B4-BE49-F238E27FC236}">
+                <a16:creationId xmlns:a16="http://schemas.microsoft.com/office/drawing/2014/main" id="{53AF1C14-8EF3-46FF-85C2-16DD3949E603}"/>
+              </a:ext>
+            </a:extLst>
+          </p:cNvPr>
+          <p:cNvSpPr>
+            <a:spLocks noGrp="1"/>
+          </p:cNvSpPr>
+          <p:nvPr>
+            <p:ph type="ctrTitle"/>
+          </p:nvPr>
+        </p:nvSpPr>
+        <p:spPr>
+          <a:xfrm>
+            <a:off x="1391726" y="2667000"/>
+            <a:ext cx="7844552" cy="762000"/>
+          </a:xfrm>
+        </p:spPr>
+        <p:txBody>
+          <a:bodyPr>
+            <a:normAutofit/>
+          </a:bodyPr>
+          <a:lstStyle/>
+          <a:p>
+            <a:r>
+              <a:rPr lang="en-US" dirty="0"/>
+              <a:t>Demo: Selenium Server</a:t>
+            </a:r>
+            <a:endParaRPr lang="es-MX" dirty="0"/>
+          </a:p>
+        </p:txBody>
+      </p:sp>
+      <p:sp>
+        <p:nvSpPr>
+          <p:cNvPr id="3" name="Title 1">
+            <a:extLst>
+              <a:ext uri="{FF2B5EF4-FFF2-40B4-BE49-F238E27FC236}">
+                <a16:creationId xmlns:a16="http://schemas.microsoft.com/office/drawing/2014/main" id="{F1E6199C-440F-47C6-9490-57DFAD41D615}"/>
+              </a:ext>
+            </a:extLst>
+          </p:cNvPr>
+          <p:cNvSpPr txBox="1">
+            <a:spLocks/>
+          </p:cNvSpPr>
+          <p:nvPr/>
+        </p:nvSpPr>
+        <p:spPr>
+          <a:xfrm>
+            <a:off x="1927224" y="1625600"/>
+            <a:ext cx="9223376" cy="4607420"/>
+          </a:xfrm>
+          <a:prstGeom prst="rect">
+            <a:avLst/>
+          </a:prstGeom>
+        </p:spPr>
+        <p:txBody>
+          <a:bodyPr vert="horz" lIns="91440" tIns="45720" rIns="91440" bIns="45720" rtlCol="0" anchor="b">
+            <a:normAutofit fontScale="97500"/>
+          </a:bodyPr>
+          <a:lstStyle>
+            <a:lvl1pPr algn="l" defTabSz="914400" rtl="0" eaLnBrk="1" latinLnBrk="0" hangingPunct="1">
+              <a:lnSpc>
+                <a:spcPct val="90000"/>
+              </a:lnSpc>
+              <a:spcBef>
+                <a:spcPct val="0"/>
+              </a:spcBef>
+              <a:buNone/>
+              <a:defRPr sz="4800" kern="1200" cap="all" baseline="0">
+                <a:solidFill>
+                  <a:schemeClr val="tx1"/>
+                </a:solidFill>
+                <a:latin typeface="+mj-lt"/>
+                <a:ea typeface="+mj-ea"/>
+                <a:cs typeface="+mj-cs"/>
+              </a:defRPr>
+            </a:lvl1pPr>
+          </a:lstStyle>
+          <a:p>
+            <a:endParaRPr lang="en-US" dirty="0"/>
+          </a:p>
+          <a:p>
+            <a:br>
+              <a:rPr lang="en-US" dirty="0"/>
+            </a:br>
+            <a:endParaRPr lang="es-MX" dirty="0"/>
+          </a:p>
+        </p:txBody>
+      </p:sp>
+    </p:spTree>
+    <p:extLst>
+      <p:ext uri="{BB962C8B-B14F-4D97-AF65-F5344CB8AC3E}">
+        <p14:creationId xmlns:p14="http://schemas.microsoft.com/office/powerpoint/2010/main" val="423345705"/>
+      </p:ext>
+    </p:extLst>
+  </p:cSld>
+  <p:clrMapOvr>
+    <a:masterClrMapping/>
+  </p:clrMapOvr>
+</p:sld>
+</file>
+
+<file path=ppt/slides/slide35.xml><?xml version="1.0" encoding="utf-8"?>
+<p:sld xmlns:a="http://schemas.openxmlformats.org/drawingml/2006/main" xmlns:r="http://schemas.openxmlformats.org/officeDocument/2006/relationships" xmlns:p="http://schemas.openxmlformats.org/presentationml/2006/main">
+  <p:cSld>
+    <p:spTree>
+      <p:nvGrpSpPr>
+        <p:cNvPr id="1" name=""/>
+        <p:cNvGrpSpPr/>
+        <p:nvPr/>
+      </p:nvGrpSpPr>
+      <p:grpSpPr>
+        <a:xfrm>
+          <a:off x="0" y="0"/>
+          <a:ext cx="0" cy="0"/>
+          <a:chOff x="0" y="0"/>
+          <a:chExt cx="0" cy="0"/>
+        </a:xfrm>
+      </p:grpSpPr>
+      <p:sp>
+        <p:nvSpPr>
+          <p:cNvPr id="2" name="Title 1">
+            <a:extLst>
+              <a:ext uri="{FF2B5EF4-FFF2-40B4-BE49-F238E27FC236}">
+                <a16:creationId xmlns:a16="http://schemas.microsoft.com/office/drawing/2014/main" id="{53AF1C14-8EF3-46FF-85C2-16DD3949E603}"/>
+              </a:ext>
+            </a:extLst>
+          </p:cNvPr>
+          <p:cNvSpPr>
+            <a:spLocks noGrp="1"/>
+          </p:cNvSpPr>
+          <p:nvPr>
+            <p:ph type="ctrTitle"/>
+          </p:nvPr>
+        </p:nvSpPr>
+        <p:spPr>
+          <a:xfrm>
+            <a:off x="1927224" y="687198"/>
+            <a:ext cx="6108032" cy="762000"/>
+          </a:xfrm>
+        </p:spPr>
+        <p:txBody>
+          <a:bodyPr>
+            <a:normAutofit/>
+          </a:bodyPr>
+          <a:lstStyle/>
+          <a:p>
+            <a:r>
+              <a:rPr lang="en-US" dirty="0"/>
+              <a:t>Grid Configuration</a:t>
+            </a:r>
+            <a:endParaRPr lang="es-MX" dirty="0"/>
+          </a:p>
+        </p:txBody>
+      </p:sp>
+      <p:sp>
+        <p:nvSpPr>
+          <p:cNvPr id="3" name="Title 1">
+            <a:extLst>
+              <a:ext uri="{FF2B5EF4-FFF2-40B4-BE49-F238E27FC236}">
+                <a16:creationId xmlns:a16="http://schemas.microsoft.com/office/drawing/2014/main" id="{F1E6199C-440F-47C6-9490-57DFAD41D615}"/>
+              </a:ext>
+            </a:extLst>
+          </p:cNvPr>
+          <p:cNvSpPr txBox="1">
+            <a:spLocks/>
+          </p:cNvSpPr>
+          <p:nvPr/>
+        </p:nvSpPr>
+        <p:spPr>
+          <a:xfrm>
+            <a:off x="1927224" y="1625600"/>
+            <a:ext cx="9223376" cy="4607420"/>
+          </a:xfrm>
+          <a:prstGeom prst="rect">
+            <a:avLst/>
+          </a:prstGeom>
+        </p:spPr>
+        <p:txBody>
+          <a:bodyPr vert="horz" lIns="91440" tIns="45720" rIns="91440" bIns="45720" rtlCol="0" anchor="b">
+            <a:normAutofit fontScale="97500"/>
+          </a:bodyPr>
+          <a:lstStyle>
+            <a:lvl1pPr algn="l" defTabSz="914400" rtl="0" eaLnBrk="1" latinLnBrk="0" hangingPunct="1">
+              <a:lnSpc>
+                <a:spcPct val="90000"/>
+              </a:lnSpc>
+              <a:spcBef>
+                <a:spcPct val="0"/>
+              </a:spcBef>
+              <a:buNone/>
+              <a:defRPr sz="4800" kern="1200" cap="all" baseline="0">
+                <a:solidFill>
+                  <a:schemeClr val="tx1"/>
+                </a:solidFill>
+                <a:latin typeface="+mj-lt"/>
+                <a:ea typeface="+mj-ea"/>
+                <a:cs typeface="+mj-cs"/>
+              </a:defRPr>
+            </a:lvl1pPr>
+          </a:lstStyle>
+          <a:p>
+            <a:endParaRPr lang="en-US" dirty="0"/>
+          </a:p>
+          <a:p>
+            <a:br>
+              <a:rPr lang="en-US" dirty="0"/>
+            </a:br>
+            <a:endParaRPr lang="es-MX" dirty="0"/>
+          </a:p>
+        </p:txBody>
+      </p:sp>
+      <p:sp>
+        <p:nvSpPr>
+          <p:cNvPr id="4" name="Title 1">
+            <a:extLst>
+              <a:ext uri="{FF2B5EF4-FFF2-40B4-BE49-F238E27FC236}">
+                <a16:creationId xmlns:a16="http://schemas.microsoft.com/office/drawing/2014/main" id="{ACB7CA38-D959-4DB8-886E-E1A96520C695}"/>
+              </a:ext>
+            </a:extLst>
+          </p:cNvPr>
+          <p:cNvSpPr txBox="1">
+            <a:spLocks/>
+          </p:cNvSpPr>
+          <p:nvPr/>
+        </p:nvSpPr>
+        <p:spPr>
+          <a:xfrm>
+            <a:off x="1928622" y="1863056"/>
+            <a:ext cx="8532450" cy="4307746"/>
+          </a:xfrm>
+          <a:prstGeom prst="rect">
+            <a:avLst/>
+          </a:prstGeom>
+        </p:spPr>
+        <p:txBody>
+          <a:bodyPr vert="horz" lIns="91440" tIns="45720" rIns="91440" bIns="45720" rtlCol="0" anchor="b">
+            <a:normAutofit/>
+          </a:bodyPr>
+          <a:lstStyle>
+            <a:lvl1pPr algn="l" defTabSz="914400" rtl="0" eaLnBrk="1" latinLnBrk="0" hangingPunct="1">
+              <a:lnSpc>
+                <a:spcPct val="90000"/>
+              </a:lnSpc>
+              <a:spcBef>
+                <a:spcPct val="0"/>
+              </a:spcBef>
+              <a:buNone/>
+              <a:defRPr sz="4800" kern="1200" cap="all" baseline="0">
+                <a:solidFill>
+                  <a:schemeClr val="tx1"/>
+                </a:solidFill>
+                <a:latin typeface="+mj-lt"/>
+                <a:ea typeface="+mj-ea"/>
+                <a:cs typeface="+mj-cs"/>
+              </a:defRPr>
+            </a:lvl1pPr>
+          </a:lstStyle>
+          <a:p>
+            <a:r>
+              <a:rPr lang="en-US" sz="3800" cap="none" dirty="0"/>
+              <a:t>For this first what we can do is download the stand alone selenium server from:</a:t>
+            </a:r>
+          </a:p>
+          <a:p>
+            <a:r>
+              <a:rPr lang="es-MX" sz="3800" cap="none" dirty="0">
+                <a:hlinkClick r:id="rId2"/>
+              </a:rPr>
+              <a:t>Https://www.Seleniumhq.Org/download/</a:t>
+            </a:r>
+            <a:endParaRPr lang="es-MX" sz="3800" cap="none" dirty="0"/>
+          </a:p>
+          <a:p>
+            <a:r>
+              <a:rPr lang="en-US" sz="3800" cap="none" dirty="0"/>
+              <a:t>T</a:t>
+            </a:r>
+            <a:r>
+              <a:rPr lang="es-MX" sz="3800" cap="none" dirty="0" err="1"/>
+              <a:t>his</a:t>
+            </a:r>
+            <a:r>
+              <a:rPr lang="es-MX" sz="3800" cap="none" dirty="0"/>
+              <a:t> </a:t>
+            </a:r>
+            <a:r>
+              <a:rPr lang="es-MX" sz="3800" cap="none" dirty="0" err="1"/>
+              <a:t>will</a:t>
+            </a:r>
+            <a:r>
+              <a:rPr lang="es-MX" sz="3800" cap="none" dirty="0"/>
+              <a:t> </a:t>
+            </a:r>
+            <a:r>
+              <a:rPr lang="es-MX" sz="3800" cap="none" dirty="0" err="1"/>
+              <a:t>download</a:t>
+            </a:r>
+            <a:r>
+              <a:rPr lang="es-MX" sz="3800" cap="none" dirty="0"/>
+              <a:t> a </a:t>
+            </a:r>
+            <a:r>
+              <a:rPr lang="es-MX" sz="3800" cap="none" dirty="0" err="1"/>
+              <a:t>jar</a:t>
+            </a:r>
+            <a:r>
+              <a:rPr lang="es-MX" sz="3800" cap="none" dirty="0"/>
+              <a:t> file.</a:t>
+            </a:r>
+          </a:p>
+          <a:p>
+            <a:r>
+              <a:rPr lang="en-US" sz="3800" cap="none" dirty="0"/>
+              <a:t>The way we configure this is through console, we have to generate the hub, then we have to register the nodes under that hub.</a:t>
+            </a:r>
+            <a:endParaRPr lang="es-MX" dirty="0"/>
+          </a:p>
+        </p:txBody>
+      </p:sp>
+    </p:spTree>
+    <p:extLst>
+      <p:ext uri="{BB962C8B-B14F-4D97-AF65-F5344CB8AC3E}">
+        <p14:creationId xmlns:p14="http://schemas.microsoft.com/office/powerpoint/2010/main" val="2917684682"/>
+      </p:ext>
+    </p:extLst>
+  </p:cSld>
+  <p:clrMapOvr>
+    <a:masterClrMapping/>
+  </p:clrMapOvr>
+</p:sld>
+</file>
+
+<file path=ppt/slides/slide36.xml><?xml version="1.0" encoding="utf-8"?>
+<p:sld xmlns:a="http://schemas.openxmlformats.org/drawingml/2006/main" xmlns:r="http://schemas.openxmlformats.org/officeDocument/2006/relationships" xmlns:p="http://schemas.openxmlformats.org/presentationml/2006/main">
+  <p:cSld>
+    <p:spTree>
+      <p:nvGrpSpPr>
+        <p:cNvPr id="1" name=""/>
+        <p:cNvGrpSpPr/>
+        <p:nvPr/>
+      </p:nvGrpSpPr>
+      <p:grpSpPr>
+        <a:xfrm>
+          <a:off x="0" y="0"/>
+          <a:ext cx="0" cy="0"/>
+          <a:chOff x="0" y="0"/>
+          <a:chExt cx="0" cy="0"/>
+        </a:xfrm>
+      </p:grpSpPr>
+      <p:sp>
+        <p:nvSpPr>
+          <p:cNvPr id="2" name="Title 1">
+            <a:extLst>
+              <a:ext uri="{FF2B5EF4-FFF2-40B4-BE49-F238E27FC236}">
+                <a16:creationId xmlns:a16="http://schemas.microsoft.com/office/drawing/2014/main" id="{53AF1C14-8EF3-46FF-85C2-16DD3949E603}"/>
+              </a:ext>
+            </a:extLst>
+          </p:cNvPr>
+          <p:cNvSpPr>
+            <a:spLocks noGrp="1"/>
+          </p:cNvSpPr>
+          <p:nvPr>
+            <p:ph type="ctrTitle"/>
+          </p:nvPr>
+        </p:nvSpPr>
+        <p:spPr>
+          <a:xfrm>
+            <a:off x="1391726" y="2667000"/>
+            <a:ext cx="7844552" cy="762000"/>
+          </a:xfrm>
+        </p:spPr>
+        <p:txBody>
+          <a:bodyPr>
+            <a:normAutofit/>
+          </a:bodyPr>
+          <a:lstStyle/>
+          <a:p>
+            <a:r>
+              <a:rPr lang="en-US" dirty="0"/>
+              <a:t>Demo: Selenium Hub</a:t>
+            </a:r>
+            <a:endParaRPr lang="es-MX" dirty="0"/>
+          </a:p>
+        </p:txBody>
+      </p:sp>
+      <p:sp>
+        <p:nvSpPr>
+          <p:cNvPr id="3" name="Title 1">
+            <a:extLst>
+              <a:ext uri="{FF2B5EF4-FFF2-40B4-BE49-F238E27FC236}">
+                <a16:creationId xmlns:a16="http://schemas.microsoft.com/office/drawing/2014/main" id="{F1E6199C-440F-47C6-9490-57DFAD41D615}"/>
+              </a:ext>
+            </a:extLst>
+          </p:cNvPr>
+          <p:cNvSpPr txBox="1">
+            <a:spLocks/>
+          </p:cNvSpPr>
+          <p:nvPr/>
+        </p:nvSpPr>
+        <p:spPr>
+          <a:xfrm>
+            <a:off x="1927224" y="1625600"/>
+            <a:ext cx="9223376" cy="4607420"/>
+          </a:xfrm>
+          <a:prstGeom prst="rect">
+            <a:avLst/>
+          </a:prstGeom>
+        </p:spPr>
+        <p:txBody>
+          <a:bodyPr vert="horz" lIns="91440" tIns="45720" rIns="91440" bIns="45720" rtlCol="0" anchor="b">
+            <a:normAutofit fontScale="97500"/>
+          </a:bodyPr>
+          <a:lstStyle>
+            <a:lvl1pPr algn="l" defTabSz="914400" rtl="0" eaLnBrk="1" latinLnBrk="0" hangingPunct="1">
+              <a:lnSpc>
+                <a:spcPct val="90000"/>
+              </a:lnSpc>
+              <a:spcBef>
+                <a:spcPct val="0"/>
+              </a:spcBef>
+              <a:buNone/>
+              <a:defRPr sz="4800" kern="1200" cap="all" baseline="0">
+                <a:solidFill>
+                  <a:schemeClr val="tx1"/>
+                </a:solidFill>
+                <a:latin typeface="+mj-lt"/>
+                <a:ea typeface="+mj-ea"/>
+                <a:cs typeface="+mj-cs"/>
+              </a:defRPr>
+            </a:lvl1pPr>
+          </a:lstStyle>
+          <a:p>
+            <a:endParaRPr lang="en-US" dirty="0"/>
+          </a:p>
+          <a:p>
+            <a:br>
+              <a:rPr lang="en-US" dirty="0"/>
+            </a:br>
+            <a:endParaRPr lang="es-MX" dirty="0"/>
+          </a:p>
+        </p:txBody>
+      </p:sp>
+    </p:spTree>
+    <p:extLst>
+      <p:ext uri="{BB962C8B-B14F-4D97-AF65-F5344CB8AC3E}">
+        <p14:creationId xmlns:p14="http://schemas.microsoft.com/office/powerpoint/2010/main" val="1393613197"/>
+      </p:ext>
+    </p:extLst>
+  </p:cSld>
+  <p:clrMapOvr>
+    <a:masterClrMapping/>
+  </p:clrMapOvr>
+</p:sld>
+</file>
+
+<file path=ppt/slides/slide37.xml><?xml version="1.0" encoding="utf-8"?>
+<p:sld xmlns:a="http://schemas.openxmlformats.org/drawingml/2006/main" xmlns:r="http://schemas.openxmlformats.org/officeDocument/2006/relationships" xmlns:p="http://schemas.openxmlformats.org/presentationml/2006/main">
+  <p:cSld>
+    <p:spTree>
+      <p:nvGrpSpPr>
+        <p:cNvPr id="1" name=""/>
+        <p:cNvGrpSpPr/>
+        <p:nvPr/>
+      </p:nvGrpSpPr>
+      <p:grpSpPr>
+        <a:xfrm>
+          <a:off x="0" y="0"/>
+          <a:ext cx="0" cy="0"/>
+          <a:chOff x="0" y="0"/>
+          <a:chExt cx="0" cy="0"/>
+        </a:xfrm>
+      </p:grpSpPr>
+      <p:sp>
+        <p:nvSpPr>
+          <p:cNvPr id="2" name="Title 1">
+            <a:extLst>
+              <a:ext uri="{FF2B5EF4-FFF2-40B4-BE49-F238E27FC236}">
+                <a16:creationId xmlns:a16="http://schemas.microsoft.com/office/drawing/2014/main" id="{53AF1C14-8EF3-46FF-85C2-16DD3949E603}"/>
+              </a:ext>
+            </a:extLst>
+          </p:cNvPr>
+          <p:cNvSpPr>
+            <a:spLocks noGrp="1"/>
+          </p:cNvSpPr>
+          <p:nvPr>
+            <p:ph type="ctrTitle"/>
+          </p:nvPr>
+        </p:nvSpPr>
+        <p:spPr>
+          <a:xfrm>
+            <a:off x="1927224" y="863600"/>
+            <a:ext cx="6084262" cy="762000"/>
+          </a:xfrm>
+        </p:spPr>
+        <p:txBody>
+          <a:bodyPr>
+            <a:normAutofit/>
+          </a:bodyPr>
+          <a:lstStyle/>
+          <a:p>
+            <a:r>
+              <a:rPr lang="en-US" dirty="0"/>
+              <a:t>Parallel processing </a:t>
+            </a:r>
+            <a:endParaRPr lang="es-MX" dirty="0"/>
+          </a:p>
+        </p:txBody>
+      </p:sp>
+      <p:sp>
+        <p:nvSpPr>
+          <p:cNvPr id="3" name="Title 1">
+            <a:extLst>
+              <a:ext uri="{FF2B5EF4-FFF2-40B4-BE49-F238E27FC236}">
+                <a16:creationId xmlns:a16="http://schemas.microsoft.com/office/drawing/2014/main" id="{F1E6199C-440F-47C6-9490-57DFAD41D615}"/>
+              </a:ext>
+            </a:extLst>
+          </p:cNvPr>
+          <p:cNvSpPr txBox="1">
+            <a:spLocks/>
+          </p:cNvSpPr>
+          <p:nvPr/>
+        </p:nvSpPr>
+        <p:spPr>
+          <a:xfrm>
+            <a:off x="1927224" y="1625600"/>
+            <a:ext cx="9223376" cy="4607420"/>
+          </a:xfrm>
+          <a:prstGeom prst="rect">
+            <a:avLst/>
+          </a:prstGeom>
+        </p:spPr>
+        <p:txBody>
+          <a:bodyPr vert="horz" lIns="91440" tIns="45720" rIns="91440" bIns="45720" rtlCol="0" anchor="b">
+            <a:normAutofit fontScale="97500"/>
+          </a:bodyPr>
+          <a:lstStyle>
+            <a:lvl1pPr algn="l" defTabSz="914400" rtl="0" eaLnBrk="1" latinLnBrk="0" hangingPunct="1">
+              <a:lnSpc>
+                <a:spcPct val="90000"/>
+              </a:lnSpc>
+              <a:spcBef>
+                <a:spcPct val="0"/>
+              </a:spcBef>
+              <a:buNone/>
+              <a:defRPr sz="4800" kern="1200" cap="all" baseline="0">
+                <a:solidFill>
+                  <a:schemeClr val="tx1"/>
+                </a:solidFill>
+                <a:latin typeface="+mj-lt"/>
+                <a:ea typeface="+mj-ea"/>
+                <a:cs typeface="+mj-cs"/>
+              </a:defRPr>
+            </a:lvl1pPr>
+          </a:lstStyle>
+          <a:p>
+            <a:endParaRPr lang="en-US" dirty="0"/>
+          </a:p>
+          <a:p>
+            <a:br>
+              <a:rPr lang="en-US" dirty="0"/>
+            </a:br>
+            <a:endParaRPr lang="es-MX" dirty="0"/>
+          </a:p>
+        </p:txBody>
+      </p:sp>
+      <p:sp>
+        <p:nvSpPr>
+          <p:cNvPr id="4" name="Title 1">
+            <a:extLst>
+              <a:ext uri="{FF2B5EF4-FFF2-40B4-BE49-F238E27FC236}">
+                <a16:creationId xmlns:a16="http://schemas.microsoft.com/office/drawing/2014/main" id="{0B079F09-272F-4E52-93BF-787E1D1BC64F}"/>
+              </a:ext>
+            </a:extLst>
+          </p:cNvPr>
+          <p:cNvSpPr txBox="1">
+            <a:spLocks/>
+          </p:cNvSpPr>
+          <p:nvPr/>
+        </p:nvSpPr>
+        <p:spPr>
+          <a:xfrm>
+            <a:off x="1400115" y="2265027"/>
+            <a:ext cx="10042468" cy="1940652"/>
+          </a:xfrm>
+          <a:prstGeom prst="rect">
+            <a:avLst/>
+          </a:prstGeom>
+        </p:spPr>
+        <p:txBody>
+          <a:bodyPr vert="horz" lIns="91440" tIns="45720" rIns="91440" bIns="45720" rtlCol="0" anchor="b">
+            <a:normAutofit/>
+          </a:bodyPr>
+          <a:lstStyle>
+            <a:lvl1pPr algn="l" defTabSz="914400" rtl="0" eaLnBrk="1" latinLnBrk="0" hangingPunct="1">
+              <a:lnSpc>
+                <a:spcPct val="90000"/>
+              </a:lnSpc>
+              <a:spcBef>
+                <a:spcPct val="0"/>
+              </a:spcBef>
+              <a:buNone/>
+              <a:defRPr sz="4800" kern="1200" cap="all" baseline="0">
+                <a:solidFill>
+                  <a:schemeClr val="tx1"/>
+                </a:solidFill>
+                <a:latin typeface="+mj-lt"/>
+                <a:ea typeface="+mj-ea"/>
+                <a:cs typeface="+mj-cs"/>
+              </a:defRPr>
+            </a:lvl1pPr>
+          </a:lstStyle>
+          <a:p>
+            <a:r>
+              <a:rPr lang="en-US" sz="3200" cap="none" dirty="0"/>
+              <a:t>When we’re executing into a grid we tend to think that all scripts executes in a parallel way, but this is not the case. In order to do this we’ve manually to set this.</a:t>
+            </a:r>
+          </a:p>
+          <a:p>
+            <a:r>
+              <a:rPr lang="en-US" sz="3200" cap="none" dirty="0"/>
+              <a:t>So for parallel executions we’re responsible to handle it.  </a:t>
+            </a:r>
+            <a:endParaRPr lang="es-MX" sz="3200" cap="none" dirty="0"/>
+          </a:p>
+        </p:txBody>
+      </p:sp>
+    </p:spTree>
+    <p:extLst>
+      <p:ext uri="{BB962C8B-B14F-4D97-AF65-F5344CB8AC3E}">
+        <p14:creationId xmlns:p14="http://schemas.microsoft.com/office/powerpoint/2010/main" val="2693881817"/>
+      </p:ext>
+    </p:extLst>
+  </p:cSld>
+  <p:clrMapOvr>
+    <a:masterClrMapping/>
+  </p:clrMapOvr>
+</p:sld>
+</file>
+
+<file path=ppt/slides/slide38.xml><?xml version="1.0" encoding="utf-8"?>
+<p:sld xmlns:a="http://schemas.openxmlformats.org/drawingml/2006/main" xmlns:r="http://schemas.openxmlformats.org/officeDocument/2006/relationships" xmlns:p="http://schemas.openxmlformats.org/presentationml/2006/main">
+  <p:cSld>
+    <p:spTree>
+      <p:nvGrpSpPr>
+        <p:cNvPr id="1" name=""/>
+        <p:cNvGrpSpPr/>
+        <p:nvPr/>
+      </p:nvGrpSpPr>
+      <p:grpSpPr>
+        <a:xfrm>
+          <a:off x="0" y="0"/>
+          <a:ext cx="0" cy="0"/>
+          <a:chOff x="0" y="0"/>
+          <a:chExt cx="0" cy="0"/>
+        </a:xfrm>
+      </p:grpSpPr>
+      <p:sp>
+        <p:nvSpPr>
+          <p:cNvPr id="2" name="Title 1">
+            <a:extLst>
+              <a:ext uri="{FF2B5EF4-FFF2-40B4-BE49-F238E27FC236}">
+                <a16:creationId xmlns:a16="http://schemas.microsoft.com/office/drawing/2014/main" id="{53AF1C14-8EF3-46FF-85C2-16DD3949E603}"/>
+              </a:ext>
+            </a:extLst>
+          </p:cNvPr>
+          <p:cNvSpPr>
+            <a:spLocks noGrp="1"/>
+          </p:cNvSpPr>
+          <p:nvPr>
+            <p:ph type="ctrTitle"/>
+          </p:nvPr>
+        </p:nvSpPr>
+        <p:spPr>
+          <a:xfrm>
+            <a:off x="1927224" y="863600"/>
+            <a:ext cx="6084262" cy="762000"/>
+          </a:xfrm>
+        </p:spPr>
+        <p:txBody>
+          <a:bodyPr>
+            <a:normAutofit/>
+          </a:bodyPr>
+          <a:lstStyle/>
+          <a:p>
+            <a:r>
+              <a:rPr lang="en-US" dirty="0"/>
+              <a:t>Grid strategies</a:t>
+            </a:r>
+            <a:endParaRPr lang="es-MX" dirty="0"/>
+          </a:p>
+        </p:txBody>
+      </p:sp>
+      <p:sp>
+        <p:nvSpPr>
+          <p:cNvPr id="3" name="Title 1">
+            <a:extLst>
+              <a:ext uri="{FF2B5EF4-FFF2-40B4-BE49-F238E27FC236}">
+                <a16:creationId xmlns:a16="http://schemas.microsoft.com/office/drawing/2014/main" id="{F1E6199C-440F-47C6-9490-57DFAD41D615}"/>
+              </a:ext>
+            </a:extLst>
+          </p:cNvPr>
+          <p:cNvSpPr txBox="1">
+            <a:spLocks/>
+          </p:cNvSpPr>
+          <p:nvPr/>
+        </p:nvSpPr>
+        <p:spPr>
+          <a:xfrm>
+            <a:off x="1927224" y="1625600"/>
+            <a:ext cx="9223376" cy="4607420"/>
+          </a:xfrm>
+          <a:prstGeom prst="rect">
+            <a:avLst/>
+          </a:prstGeom>
+        </p:spPr>
+        <p:txBody>
+          <a:bodyPr vert="horz" lIns="91440" tIns="45720" rIns="91440" bIns="45720" rtlCol="0" anchor="b">
+            <a:normAutofit fontScale="97500"/>
+          </a:bodyPr>
+          <a:lstStyle>
+            <a:lvl1pPr algn="l" defTabSz="914400" rtl="0" eaLnBrk="1" latinLnBrk="0" hangingPunct="1">
+              <a:lnSpc>
+                <a:spcPct val="90000"/>
+              </a:lnSpc>
+              <a:spcBef>
+                <a:spcPct val="0"/>
+              </a:spcBef>
+              <a:buNone/>
+              <a:defRPr sz="4800" kern="1200" cap="all" baseline="0">
+                <a:solidFill>
+                  <a:schemeClr val="tx1"/>
+                </a:solidFill>
+                <a:latin typeface="+mj-lt"/>
+                <a:ea typeface="+mj-ea"/>
+                <a:cs typeface="+mj-cs"/>
+              </a:defRPr>
+            </a:lvl1pPr>
+          </a:lstStyle>
+          <a:p>
+            <a:endParaRPr lang="en-US" dirty="0"/>
+          </a:p>
+          <a:p>
+            <a:br>
+              <a:rPr lang="en-US" dirty="0"/>
+            </a:br>
+            <a:endParaRPr lang="es-MX" dirty="0"/>
+          </a:p>
+        </p:txBody>
+      </p:sp>
+      <p:sp>
+        <p:nvSpPr>
+          <p:cNvPr id="4" name="Title 1">
+            <a:extLst>
+              <a:ext uri="{FF2B5EF4-FFF2-40B4-BE49-F238E27FC236}">
+                <a16:creationId xmlns:a16="http://schemas.microsoft.com/office/drawing/2014/main" id="{0B079F09-272F-4E52-93BF-787E1D1BC64F}"/>
+              </a:ext>
+            </a:extLst>
+          </p:cNvPr>
+          <p:cNvSpPr txBox="1">
+            <a:spLocks/>
+          </p:cNvSpPr>
+          <p:nvPr/>
+        </p:nvSpPr>
+        <p:spPr>
+          <a:xfrm>
+            <a:off x="1927224" y="2184401"/>
+            <a:ext cx="3375085" cy="2730500"/>
+          </a:xfrm>
+          <a:prstGeom prst="rect">
+            <a:avLst/>
+          </a:prstGeom>
+        </p:spPr>
+        <p:txBody>
+          <a:bodyPr vert="horz" lIns="91440" tIns="45720" rIns="91440" bIns="45720" rtlCol="0" anchor="b">
+            <a:normAutofit/>
+          </a:bodyPr>
+          <a:lstStyle>
+            <a:lvl1pPr algn="l" defTabSz="914400" rtl="0" eaLnBrk="1" latinLnBrk="0" hangingPunct="1">
+              <a:lnSpc>
+                <a:spcPct val="90000"/>
+              </a:lnSpc>
+              <a:spcBef>
+                <a:spcPct val="0"/>
+              </a:spcBef>
+              <a:buNone/>
+              <a:defRPr sz="4800" kern="1200" cap="all" baseline="0">
+                <a:solidFill>
+                  <a:schemeClr val="tx1"/>
+                </a:solidFill>
+                <a:latin typeface="+mj-lt"/>
+                <a:ea typeface="+mj-ea"/>
+                <a:cs typeface="+mj-cs"/>
+              </a:defRPr>
+            </a:lvl1pPr>
+          </a:lstStyle>
+          <a:p>
+            <a:r>
+              <a:rPr lang="en-US" sz="3200" cap="none" dirty="0"/>
+              <a:t>Small machines </a:t>
+            </a:r>
+          </a:p>
+          <a:p>
+            <a:r>
+              <a:rPr lang="en-US" sz="3200" cap="none" dirty="0"/>
+              <a:t>VM/Hypervisors</a:t>
+            </a:r>
+          </a:p>
+          <a:p>
+            <a:r>
+              <a:rPr lang="en-US" sz="3200" cap="none" dirty="0"/>
+              <a:t>Docker instances</a:t>
+            </a:r>
+          </a:p>
+          <a:p>
+            <a:r>
+              <a:rPr lang="en-US" sz="3200" cap="none" dirty="0"/>
+              <a:t>Amazon EC2</a:t>
+            </a:r>
+          </a:p>
+          <a:p>
+            <a:r>
+              <a:rPr lang="en-US" sz="3200" cap="none" dirty="0"/>
+              <a:t>Cloud Foundry</a:t>
+            </a:r>
+          </a:p>
+          <a:p>
+            <a:r>
+              <a:rPr lang="en-US" sz="3200" cap="none" dirty="0"/>
+              <a:t> </a:t>
+            </a:r>
+            <a:endParaRPr lang="es-MX" sz="3200" cap="none" dirty="0"/>
+          </a:p>
+        </p:txBody>
+      </p:sp>
+      <p:sp>
+        <p:nvSpPr>
+          <p:cNvPr id="5" name="Rectangle 4">
+            <a:extLst>
+              <a:ext uri="{FF2B5EF4-FFF2-40B4-BE49-F238E27FC236}">
+                <a16:creationId xmlns:a16="http://schemas.microsoft.com/office/drawing/2014/main" id="{4E2D2DAB-ACC0-4347-A80A-690F10A00F48}"/>
+              </a:ext>
+            </a:extLst>
+          </p:cNvPr>
+          <p:cNvSpPr/>
+          <p:nvPr/>
+        </p:nvSpPr>
+        <p:spPr>
+          <a:xfrm>
+            <a:off x="5435600" y="1625600"/>
+            <a:ext cx="88900" cy="3606800"/>
+          </a:xfrm>
+          <a:prstGeom prst="rect">
+            <a:avLst/>
+          </a:prstGeom>
+          <a:solidFill>
+            <a:srgbClr val="0070C0"/>
+          </a:solidFill>
+          <a:ln>
+            <a:solidFill>
+              <a:srgbClr val="00B0F0"/>
+            </a:solidFill>
+          </a:ln>
+        </p:spPr>
+        <p:style>
+          <a:lnRef idx="2">
+            <a:schemeClr val="accent1">
+              <a:shade val="50000"/>
+            </a:schemeClr>
+          </a:lnRef>
+          <a:fillRef idx="1">
+            <a:schemeClr val="accent1"/>
+          </a:fillRef>
+          <a:effectRef idx="0">
+            <a:schemeClr val="accent1"/>
+          </a:effectRef>
+          <a:fontRef idx="minor">
+            <a:schemeClr val="lt1"/>
+          </a:fontRef>
+        </p:style>
+        <p:txBody>
+          <a:bodyPr rtlCol="0" anchor="ctr"/>
+          <a:lstStyle/>
+          <a:p>
+            <a:pPr algn="ctr"/>
+            <a:endParaRPr lang="es-MX"/>
+          </a:p>
+        </p:txBody>
+      </p:sp>
+      <p:sp>
+        <p:nvSpPr>
+          <p:cNvPr id="6" name="Cloud 5">
+            <a:extLst>
+              <a:ext uri="{FF2B5EF4-FFF2-40B4-BE49-F238E27FC236}">
+                <a16:creationId xmlns:a16="http://schemas.microsoft.com/office/drawing/2014/main" id="{E245AF56-A75C-42D0-BA72-220A8812100C}"/>
+              </a:ext>
+            </a:extLst>
+          </p:cNvPr>
+          <p:cNvSpPr/>
+          <p:nvPr/>
+        </p:nvSpPr>
+        <p:spPr>
+          <a:xfrm>
+            <a:off x="6027767" y="2184401"/>
+            <a:ext cx="3775017" cy="1828800"/>
+          </a:xfrm>
+          <a:prstGeom prst="cloud">
+            <a:avLst/>
+          </a:prstGeom>
+          <a:noFill/>
+          <a:ln>
+            <a:solidFill>
+              <a:srgbClr val="00B0F0"/>
+            </a:solidFill>
+          </a:ln>
+        </p:spPr>
+        <p:style>
+          <a:lnRef idx="2">
+            <a:schemeClr val="accent1">
+              <a:shade val="50000"/>
+            </a:schemeClr>
+          </a:lnRef>
+          <a:fillRef idx="1">
+            <a:schemeClr val="accent1"/>
+          </a:fillRef>
+          <a:effectRef idx="0">
+            <a:schemeClr val="accent1"/>
+          </a:effectRef>
+          <a:fontRef idx="minor">
+            <a:schemeClr val="lt1"/>
+          </a:fontRef>
+        </p:style>
+        <p:txBody>
+          <a:bodyPr rtlCol="0" anchor="ctr"/>
+          <a:lstStyle/>
+          <a:p>
+            <a:pPr algn="ctr"/>
+            <a:endParaRPr lang="es-MX"/>
+          </a:p>
+        </p:txBody>
+      </p:sp>
+    </p:spTree>
+    <p:extLst>
+      <p:ext uri="{BB962C8B-B14F-4D97-AF65-F5344CB8AC3E}">
+        <p14:creationId xmlns:p14="http://schemas.microsoft.com/office/powerpoint/2010/main" val="2499733666"/>
+      </p:ext>
+    </p:extLst>
+  </p:cSld>
+  <p:clrMapOvr>
+    <a:masterClrMapping/>
+  </p:clrMapOvr>
+</p:sld>
+</file>
+
+<file path=ppt/slides/slide39.xml><?xml version="1.0" encoding="utf-8"?>
+<p:sld xmlns:a="http://schemas.openxmlformats.org/drawingml/2006/main" xmlns:r="http://schemas.openxmlformats.org/officeDocument/2006/relationships" xmlns:p="http://schemas.openxmlformats.org/presentationml/2006/main">
+  <p:cSld>
+    <p:spTree>
+      <p:nvGrpSpPr>
+        <p:cNvPr id="1" name=""/>
+        <p:cNvGrpSpPr/>
+        <p:nvPr/>
+      </p:nvGrpSpPr>
+      <p:grpSpPr>
+        <a:xfrm>
+          <a:off x="0" y="0"/>
+          <a:ext cx="0" cy="0"/>
+          <a:chOff x="0" y="0"/>
+          <a:chExt cx="0" cy="0"/>
+        </a:xfrm>
+      </p:grpSpPr>
+      <p:sp>
+        <p:nvSpPr>
+          <p:cNvPr id="2" name="Title 1">
+            <a:extLst>
+              <a:ext uri="{FF2B5EF4-FFF2-40B4-BE49-F238E27FC236}">
+                <a16:creationId xmlns:a16="http://schemas.microsoft.com/office/drawing/2014/main" id="{53AF1C14-8EF3-46FF-85C2-16DD3949E603}"/>
+              </a:ext>
+            </a:extLst>
+          </p:cNvPr>
+          <p:cNvSpPr>
+            <a:spLocks noGrp="1"/>
+          </p:cNvSpPr>
+          <p:nvPr>
+            <p:ph type="ctrTitle"/>
+          </p:nvPr>
+        </p:nvSpPr>
+        <p:spPr>
+          <a:xfrm>
+            <a:off x="2079624" y="1003300"/>
+            <a:ext cx="9223376" cy="762000"/>
+          </a:xfrm>
+        </p:spPr>
+        <p:txBody>
+          <a:bodyPr>
+            <a:normAutofit fontScale="90000"/>
+          </a:bodyPr>
+          <a:lstStyle/>
+          <a:p>
+            <a:r>
+              <a:rPr lang="en-US" dirty="0"/>
+              <a:t>Summary</a:t>
+            </a:r>
+            <a:br>
+              <a:rPr lang="en-US" dirty="0"/>
+            </a:br>
+            <a:endParaRPr lang="es-MX" dirty="0"/>
+          </a:p>
+        </p:txBody>
+      </p:sp>
+      <p:sp>
+        <p:nvSpPr>
+          <p:cNvPr id="3" name="Title 1">
+            <a:extLst>
+              <a:ext uri="{FF2B5EF4-FFF2-40B4-BE49-F238E27FC236}">
+                <a16:creationId xmlns:a16="http://schemas.microsoft.com/office/drawing/2014/main" id="{F1E6199C-440F-47C6-9490-57DFAD41D615}"/>
+              </a:ext>
+            </a:extLst>
+          </p:cNvPr>
+          <p:cNvSpPr txBox="1">
+            <a:spLocks/>
+          </p:cNvSpPr>
+          <p:nvPr/>
+        </p:nvSpPr>
+        <p:spPr>
+          <a:xfrm>
+            <a:off x="1927224" y="1625600"/>
+            <a:ext cx="9223376" cy="4965700"/>
+          </a:xfrm>
+          <a:prstGeom prst="rect">
+            <a:avLst/>
+          </a:prstGeom>
+        </p:spPr>
+        <p:txBody>
+          <a:bodyPr vert="horz" lIns="91440" tIns="45720" rIns="91440" bIns="45720" rtlCol="0" anchor="b">
+            <a:normAutofit fontScale="82500" lnSpcReduction="20000"/>
+          </a:bodyPr>
+          <a:lstStyle>
+            <a:lvl1pPr algn="l" defTabSz="914400" rtl="0" eaLnBrk="1" latinLnBrk="0" hangingPunct="1">
+              <a:lnSpc>
+                <a:spcPct val="90000"/>
+              </a:lnSpc>
+              <a:spcBef>
+                <a:spcPct val="0"/>
+              </a:spcBef>
+              <a:buNone/>
+              <a:defRPr sz="4800" kern="1200" cap="all" baseline="0">
+                <a:solidFill>
+                  <a:schemeClr val="tx1"/>
+                </a:solidFill>
+                <a:latin typeface="+mj-lt"/>
+                <a:ea typeface="+mj-ea"/>
+                <a:cs typeface="+mj-cs"/>
+              </a:defRPr>
+            </a:lvl1pPr>
+          </a:lstStyle>
+          <a:p>
+            <a:pPr marL="685800" indent="-685800">
+              <a:buFont typeface="Wingdings" panose="05000000000000000000" pitchFamily="2" charset="2"/>
+              <a:buChar char="ü"/>
+            </a:pPr>
+            <a:r>
+              <a:rPr lang="en-US" dirty="0"/>
+              <a:t>Grid</a:t>
+            </a:r>
+          </a:p>
+          <a:p>
+            <a:endParaRPr lang="en-US" dirty="0"/>
+          </a:p>
+          <a:p>
+            <a:pPr marL="685800" indent="-685800">
+              <a:buFont typeface="Wingdings" panose="05000000000000000000" pitchFamily="2" charset="2"/>
+              <a:buChar char="ü"/>
+            </a:pPr>
+            <a:r>
+              <a:rPr lang="en-US" dirty="0"/>
+              <a:t>Host vs node</a:t>
+            </a:r>
+          </a:p>
+          <a:p>
+            <a:pPr marL="685800" indent="-685800">
+              <a:buFont typeface="Wingdings" panose="05000000000000000000" pitchFamily="2" charset="2"/>
+              <a:buChar char="ü"/>
+            </a:pPr>
+            <a:endParaRPr lang="en-US" dirty="0"/>
+          </a:p>
+          <a:p>
+            <a:pPr marL="685800" indent="-685800">
+              <a:buFont typeface="Wingdings" panose="05000000000000000000" pitchFamily="2" charset="2"/>
+              <a:buChar char="ü"/>
+            </a:pPr>
+            <a:r>
+              <a:rPr lang="en-US" dirty="0"/>
+              <a:t>Multiple instances</a:t>
+            </a:r>
+          </a:p>
+          <a:p>
+            <a:pPr marL="685800" indent="-685800">
+              <a:buFont typeface="Wingdings" panose="05000000000000000000" pitchFamily="2" charset="2"/>
+              <a:buChar char="ü"/>
+            </a:pPr>
+            <a:endParaRPr lang="en-US" dirty="0"/>
+          </a:p>
+          <a:p>
+            <a:pPr marL="685800" indent="-685800">
+              <a:buFont typeface="Wingdings" panose="05000000000000000000" pitchFamily="2" charset="2"/>
+              <a:buChar char="ü"/>
+            </a:pPr>
+            <a:r>
+              <a:rPr lang="en-US" dirty="0"/>
+              <a:t>Parallel processing</a:t>
+            </a:r>
+          </a:p>
+          <a:p>
+            <a:pPr marL="685800" indent="-685800">
+              <a:buFont typeface="Wingdings" panose="05000000000000000000" pitchFamily="2" charset="2"/>
+              <a:buChar char="ü"/>
+            </a:pPr>
+            <a:endParaRPr lang="en-US" dirty="0"/>
+          </a:p>
+          <a:p>
+            <a:pPr marL="685800" indent="-685800">
+              <a:buFont typeface="Wingdings" panose="05000000000000000000" pitchFamily="2" charset="2"/>
+              <a:buChar char="ü"/>
+            </a:pPr>
+            <a:r>
+              <a:rPr lang="en-US" dirty="0"/>
+              <a:t>strategies</a:t>
+            </a:r>
+          </a:p>
+          <a:p>
+            <a:br>
+              <a:rPr lang="en-US" dirty="0"/>
+            </a:br>
+            <a:endParaRPr lang="es-MX" dirty="0"/>
+          </a:p>
+        </p:txBody>
+      </p:sp>
+    </p:spTree>
+    <p:extLst>
+      <p:ext uri="{BB962C8B-B14F-4D97-AF65-F5344CB8AC3E}">
+        <p14:creationId xmlns:p14="http://schemas.microsoft.com/office/powerpoint/2010/main" val="521744492"/>
       </p:ext>
     </p:extLst>
   </p:cSld>

--- a/Selenium/SeleniumFromScratch.pptx
+++ b/Selenium/SeleniumFromScratch.pptx
@@ -207,7 +207,7 @@
           <a:noFill/>
           <a:extLst>
             <a:ext uri="{909E8E84-426E-40dd-AFC4-6F175D3DCCD1}">
-              <a14:hiddenFill xmlns:a14="http://schemas.microsoft.com/office/drawing/2010/main" xmlns="">
+              <a14:hiddenFill xmlns="" xmlns:a14="http://schemas.microsoft.com/office/drawing/2010/main">
                 <a:solidFill>
                   <a:srgbClr val="FFFFFF"/>
                 </a:solidFill>
@@ -266,7 +266,7 @@
             </a:ln>
             <a:extLst>
               <a:ext uri="{91240B29-F687-4f45-9708-019B960494DF}">
-                <a14:hiddenLine xmlns:a14="http://schemas.microsoft.com/office/drawing/2010/main" xmlns="" w="9525">
+                <a14:hiddenLine xmlns="" xmlns:a14="http://schemas.microsoft.com/office/drawing/2010/main" w="9525">
                   <a:solidFill>
                     <a:srgbClr val="000000"/>
                   </a:solidFill>
@@ -356,7 +356,7 @@
             </a:ln>
             <a:extLst>
               <a:ext uri="{91240B29-F687-4f45-9708-019B960494DF}">
-                <a14:hiddenLine xmlns:a14="http://schemas.microsoft.com/office/drawing/2010/main" xmlns="" w="9525">
+                <a14:hiddenLine xmlns="" xmlns:a14="http://schemas.microsoft.com/office/drawing/2010/main" w="9525">
                   <a:solidFill>
                     <a:srgbClr val="000000"/>
                   </a:solidFill>
@@ -446,7 +446,7 @@
             </a:ln>
             <a:extLst>
               <a:ext uri="{91240B29-F687-4f45-9708-019B960494DF}">
-                <a14:hiddenLine xmlns:a14="http://schemas.microsoft.com/office/drawing/2010/main" xmlns="" w="9525">
+                <a14:hiddenLine xmlns="" xmlns:a14="http://schemas.microsoft.com/office/drawing/2010/main" w="9525">
                   <a:solidFill>
                     <a:srgbClr val="000000"/>
                   </a:solidFill>
@@ -480,7 +480,7 @@
             </a:ln>
             <a:extLst>
               <a:ext uri="{91240B29-F687-4f45-9708-019B960494DF}">
-                <a14:hiddenLine xmlns:a14="http://schemas.microsoft.com/office/drawing/2010/main" xmlns="" w="9525">
+                <a14:hiddenLine xmlns="" xmlns:a14="http://schemas.microsoft.com/office/drawing/2010/main" w="9525">
                   <a:solidFill>
                     <a:srgbClr val="000000"/>
                   </a:solidFill>
@@ -570,7 +570,7 @@
             </a:ln>
             <a:extLst>
               <a:ext uri="{91240B29-F687-4f45-9708-019B960494DF}">
-                <a14:hiddenLine xmlns:a14="http://schemas.microsoft.com/office/drawing/2010/main" xmlns="" w="9525">
+                <a14:hiddenLine xmlns="" xmlns:a14="http://schemas.microsoft.com/office/drawing/2010/main" w="9525">
                   <a:solidFill>
                     <a:srgbClr val="000000"/>
                   </a:solidFill>
@@ -632,7 +632,7 @@
             </a:ln>
             <a:extLst>
               <a:ext uri="{91240B29-F687-4f45-9708-019B960494DF}">
-                <a14:hiddenLine xmlns:a14="http://schemas.microsoft.com/office/drawing/2010/main" xmlns="" w="9525">
+                <a14:hiddenLine xmlns="" xmlns:a14="http://schemas.microsoft.com/office/drawing/2010/main" w="9525">
                   <a:solidFill>
                     <a:srgbClr val="000000"/>
                   </a:solidFill>
@@ -694,7 +694,7 @@
             </a:ln>
             <a:extLst>
               <a:ext uri="{91240B29-F687-4f45-9708-019B960494DF}">
-                <a14:hiddenLine xmlns:a14="http://schemas.microsoft.com/office/drawing/2010/main" xmlns="" w="9525">
+                <a14:hiddenLine xmlns="" xmlns:a14="http://schemas.microsoft.com/office/drawing/2010/main" w="9525">
                   <a:solidFill>
                     <a:srgbClr val="000000"/>
                   </a:solidFill>
@@ -784,7 +784,7 @@
             </a:ln>
             <a:extLst>
               <a:ext uri="{91240B29-F687-4f45-9708-019B960494DF}">
-                <a14:hiddenLine xmlns:a14="http://schemas.microsoft.com/office/drawing/2010/main" xmlns="" w="9525">
+                <a14:hiddenLine xmlns="" xmlns:a14="http://schemas.microsoft.com/office/drawing/2010/main" w="9525">
                   <a:solidFill>
                     <a:srgbClr val="000000"/>
                   </a:solidFill>
@@ -846,7 +846,7 @@
             </a:ln>
             <a:extLst>
               <a:ext uri="{91240B29-F687-4f45-9708-019B960494DF}">
-                <a14:hiddenLine xmlns:a14="http://schemas.microsoft.com/office/drawing/2010/main" xmlns="" w="9525">
+                <a14:hiddenLine xmlns="" xmlns:a14="http://schemas.microsoft.com/office/drawing/2010/main" w="9525">
                   <a:solidFill>
                     <a:srgbClr val="000000"/>
                   </a:solidFill>
@@ -908,7 +908,7 @@
             </a:ln>
             <a:extLst>
               <a:ext uri="{91240B29-F687-4f45-9708-019B960494DF}">
-                <a14:hiddenLine xmlns:a14="http://schemas.microsoft.com/office/drawing/2010/main" xmlns="" w="9525">
+                <a14:hiddenLine xmlns="" xmlns:a14="http://schemas.microsoft.com/office/drawing/2010/main" w="9525">
                   <a:solidFill>
                     <a:srgbClr val="000000"/>
                   </a:solidFill>
@@ -998,7 +998,7 @@
             </a:ln>
             <a:extLst>
               <a:ext uri="{91240B29-F687-4f45-9708-019B960494DF}">
-                <a14:hiddenLine xmlns:a14="http://schemas.microsoft.com/office/drawing/2010/main" xmlns="" w="9525">
+                <a14:hiddenLine xmlns="" xmlns:a14="http://schemas.microsoft.com/office/drawing/2010/main" w="9525">
                   <a:solidFill>
                     <a:srgbClr val="000000"/>
                   </a:solidFill>
@@ -1088,7 +1088,7 @@
             </a:ln>
             <a:extLst>
               <a:ext uri="{91240B29-F687-4f45-9708-019B960494DF}">
-                <a14:hiddenLine xmlns:a14="http://schemas.microsoft.com/office/drawing/2010/main" xmlns="" w="9525">
+                <a14:hiddenLine xmlns="" xmlns:a14="http://schemas.microsoft.com/office/drawing/2010/main" w="9525">
                   <a:solidFill>
                     <a:srgbClr val="000000"/>
                   </a:solidFill>
@@ -1150,7 +1150,7 @@
             </a:ln>
             <a:extLst>
               <a:ext uri="{91240B29-F687-4f45-9708-019B960494DF}">
-                <a14:hiddenLine xmlns:a14="http://schemas.microsoft.com/office/drawing/2010/main" xmlns="" w="9525">
+                <a14:hiddenLine xmlns="" xmlns:a14="http://schemas.microsoft.com/office/drawing/2010/main" w="9525">
                   <a:solidFill>
                     <a:srgbClr val="000000"/>
                   </a:solidFill>
@@ -1260,7 +1260,7 @@
             </a:ln>
             <a:extLst>
               <a:ext uri="{91240B29-F687-4f45-9708-019B960494DF}">
-                <a14:hiddenLine xmlns:a14="http://schemas.microsoft.com/office/drawing/2010/main" xmlns="" w="9525">
+                <a14:hiddenLine xmlns="" xmlns:a14="http://schemas.microsoft.com/office/drawing/2010/main" w="9525">
                   <a:solidFill>
                     <a:srgbClr val="000000"/>
                   </a:solidFill>
@@ -1322,7 +1322,7 @@
             </a:ln>
             <a:extLst>
               <a:ext uri="{91240B29-F687-4f45-9708-019B960494DF}">
-                <a14:hiddenLine xmlns:a14="http://schemas.microsoft.com/office/drawing/2010/main" xmlns="" w="9525">
+                <a14:hiddenLine xmlns="" xmlns:a14="http://schemas.microsoft.com/office/drawing/2010/main" w="9525">
                   <a:solidFill>
                     <a:srgbClr val="000000"/>
                   </a:solidFill>
@@ -1412,7 +1412,7 @@
             </a:ln>
             <a:extLst>
               <a:ext uri="{91240B29-F687-4f45-9708-019B960494DF}">
-                <a14:hiddenLine xmlns:a14="http://schemas.microsoft.com/office/drawing/2010/main" xmlns="" w="9525">
+                <a14:hiddenLine xmlns="" xmlns:a14="http://schemas.microsoft.com/office/drawing/2010/main" w="9525">
                   <a:solidFill>
                     <a:srgbClr val="000000"/>
                   </a:solidFill>
@@ -1502,7 +1502,7 @@
             </a:ln>
             <a:extLst>
               <a:ext uri="{91240B29-F687-4f45-9708-019B960494DF}">
-                <a14:hiddenLine xmlns:a14="http://schemas.microsoft.com/office/drawing/2010/main" xmlns="" w="9525">
+                <a14:hiddenLine xmlns="" xmlns:a14="http://schemas.microsoft.com/office/drawing/2010/main" w="9525">
                   <a:solidFill>
                     <a:srgbClr val="000000"/>
                   </a:solidFill>
@@ -1564,7 +1564,7 @@
             </a:ln>
             <a:extLst>
               <a:ext uri="{91240B29-F687-4f45-9708-019B960494DF}">
-                <a14:hiddenLine xmlns:a14="http://schemas.microsoft.com/office/drawing/2010/main" xmlns="" w="9525">
+                <a14:hiddenLine xmlns="" xmlns:a14="http://schemas.microsoft.com/office/drawing/2010/main" w="9525">
                   <a:solidFill>
                     <a:srgbClr val="000000"/>
                   </a:solidFill>
@@ -1654,7 +1654,7 @@
             </a:ln>
             <a:extLst>
               <a:ext uri="{91240B29-F687-4f45-9708-019B960494DF}">
-                <a14:hiddenLine xmlns:a14="http://schemas.microsoft.com/office/drawing/2010/main" xmlns="" w="9525">
+                <a14:hiddenLine xmlns="" xmlns:a14="http://schemas.microsoft.com/office/drawing/2010/main" w="9525">
                   <a:solidFill>
                     <a:srgbClr val="000000"/>
                   </a:solidFill>
@@ -1744,7 +1744,7 @@
             </a:ln>
             <a:extLst>
               <a:ext uri="{91240B29-F687-4f45-9708-019B960494DF}">
-                <a14:hiddenLine xmlns:a14="http://schemas.microsoft.com/office/drawing/2010/main" xmlns="" w="9525">
+                <a14:hiddenLine xmlns="" xmlns:a14="http://schemas.microsoft.com/office/drawing/2010/main" w="9525">
                   <a:solidFill>
                     <a:srgbClr val="000000"/>
                   </a:solidFill>
@@ -1800,7 +1800,7 @@
             </a:ln>
             <a:extLst>
               <a:ext uri="{91240B29-F687-4f45-9708-019B960494DF}">
-                <a14:hiddenLine xmlns:a14="http://schemas.microsoft.com/office/drawing/2010/main" xmlns="" w="9525">
+                <a14:hiddenLine xmlns="" xmlns:a14="http://schemas.microsoft.com/office/drawing/2010/main" w="9525">
                   <a:solidFill>
                     <a:srgbClr val="000000"/>
                   </a:solidFill>
@@ -1890,7 +1890,7 @@
             </a:ln>
             <a:extLst>
               <a:ext uri="{91240B29-F687-4f45-9708-019B960494DF}">
-                <a14:hiddenLine xmlns:a14="http://schemas.microsoft.com/office/drawing/2010/main" xmlns="" w="9525">
+                <a14:hiddenLine xmlns="" xmlns:a14="http://schemas.microsoft.com/office/drawing/2010/main" w="9525">
                   <a:solidFill>
                     <a:srgbClr val="000000"/>
                   </a:solidFill>
@@ -1946,7 +1946,7 @@
             </a:ln>
             <a:extLst>
               <a:ext uri="{91240B29-F687-4f45-9708-019B960494DF}">
-                <a14:hiddenLine xmlns:a14="http://schemas.microsoft.com/office/drawing/2010/main" xmlns="" w="9525">
+                <a14:hiddenLine xmlns="" xmlns:a14="http://schemas.microsoft.com/office/drawing/2010/main" w="9525">
                   <a:solidFill>
                     <a:srgbClr val="000000"/>
                   </a:solidFill>
@@ -2036,7 +2036,7 @@
             </a:ln>
             <a:extLst>
               <a:ext uri="{91240B29-F687-4f45-9708-019B960494DF}">
-                <a14:hiddenLine xmlns:a14="http://schemas.microsoft.com/office/drawing/2010/main" xmlns="" w="9525">
+                <a14:hiddenLine xmlns="" xmlns:a14="http://schemas.microsoft.com/office/drawing/2010/main" w="9525">
                   <a:solidFill>
                     <a:srgbClr val="000000"/>
                   </a:solidFill>
@@ -2104,7 +2104,7 @@
             </a:ln>
             <a:extLst>
               <a:ext uri="{91240B29-F687-4f45-9708-019B960494DF}">
-                <a14:hiddenLine xmlns:a14="http://schemas.microsoft.com/office/drawing/2010/main" xmlns="" w="9525">
+                <a14:hiddenLine xmlns="" xmlns:a14="http://schemas.microsoft.com/office/drawing/2010/main" w="9525">
                   <a:solidFill>
                     <a:srgbClr val="000000"/>
                   </a:solidFill>
@@ -2194,7 +2194,7 @@
             </a:ln>
             <a:extLst>
               <a:ext uri="{91240B29-F687-4f45-9708-019B960494DF}">
-                <a14:hiddenLine xmlns:a14="http://schemas.microsoft.com/office/drawing/2010/main" xmlns="" w="9525">
+                <a14:hiddenLine xmlns="" xmlns:a14="http://schemas.microsoft.com/office/drawing/2010/main" w="9525">
                   <a:solidFill>
                     <a:srgbClr val="000000"/>
                   </a:solidFill>
@@ -2262,7 +2262,7 @@
             </a:ln>
             <a:extLst>
               <a:ext uri="{91240B29-F687-4f45-9708-019B960494DF}">
-                <a14:hiddenLine xmlns:a14="http://schemas.microsoft.com/office/drawing/2010/main" xmlns="" w="9525">
+                <a14:hiddenLine xmlns="" xmlns:a14="http://schemas.microsoft.com/office/drawing/2010/main" w="9525">
                   <a:solidFill>
                     <a:srgbClr val="000000"/>
                   </a:solidFill>
@@ -2352,7 +2352,7 @@
             </a:ln>
             <a:extLst>
               <a:ext uri="{91240B29-F687-4f45-9708-019B960494DF}">
-                <a14:hiddenLine xmlns:a14="http://schemas.microsoft.com/office/drawing/2010/main" xmlns="" w="9525">
+                <a14:hiddenLine xmlns="" xmlns:a14="http://schemas.microsoft.com/office/drawing/2010/main" w="9525">
                   <a:solidFill>
                     <a:srgbClr val="000000"/>
                   </a:solidFill>
@@ -2386,7 +2386,7 @@
             </a:ln>
             <a:extLst>
               <a:ext uri="{91240B29-F687-4f45-9708-019B960494DF}">
-                <a14:hiddenLine xmlns:a14="http://schemas.microsoft.com/office/drawing/2010/main" xmlns="" w="9525">
+                <a14:hiddenLine xmlns="" xmlns:a14="http://schemas.microsoft.com/office/drawing/2010/main" w="9525">
                   <a:solidFill>
                     <a:srgbClr val="000000"/>
                   </a:solidFill>
@@ -2476,7 +2476,7 @@
             </a:ln>
             <a:extLst>
               <a:ext uri="{91240B29-F687-4f45-9708-019B960494DF}">
-                <a14:hiddenLine xmlns:a14="http://schemas.microsoft.com/office/drawing/2010/main" xmlns="" w="9525">
+                <a14:hiddenLine xmlns="" xmlns:a14="http://schemas.microsoft.com/office/drawing/2010/main" w="9525">
                   <a:solidFill>
                     <a:srgbClr val="000000"/>
                   </a:solidFill>
@@ -2538,7 +2538,7 @@
             </a:ln>
             <a:extLst>
               <a:ext uri="{91240B29-F687-4f45-9708-019B960494DF}">
-                <a14:hiddenLine xmlns:a14="http://schemas.microsoft.com/office/drawing/2010/main" xmlns="" w="9525">
+                <a14:hiddenLine xmlns="" xmlns:a14="http://schemas.microsoft.com/office/drawing/2010/main" w="9525">
                   <a:solidFill>
                     <a:srgbClr val="000000"/>
                   </a:solidFill>
@@ -2600,7 +2600,7 @@
             </a:ln>
             <a:extLst>
               <a:ext uri="{91240B29-F687-4f45-9708-019B960494DF}">
-                <a14:hiddenLine xmlns:a14="http://schemas.microsoft.com/office/drawing/2010/main" xmlns="" w="9525">
+                <a14:hiddenLine xmlns="" xmlns:a14="http://schemas.microsoft.com/office/drawing/2010/main" w="9525">
                   <a:solidFill>
                     <a:srgbClr val="000000"/>
                   </a:solidFill>
@@ -2690,7 +2690,7 @@
             </a:ln>
             <a:extLst>
               <a:ext uri="{91240B29-F687-4f45-9708-019B960494DF}">
-                <a14:hiddenLine xmlns:a14="http://schemas.microsoft.com/office/drawing/2010/main" xmlns="" w="9525">
+                <a14:hiddenLine xmlns="" xmlns:a14="http://schemas.microsoft.com/office/drawing/2010/main" w="9525">
                   <a:solidFill>
                     <a:srgbClr val="000000"/>
                   </a:solidFill>
@@ -2758,7 +2758,7 @@
             </a:ln>
             <a:extLst>
               <a:ext uri="{91240B29-F687-4f45-9708-019B960494DF}">
-                <a14:hiddenLine xmlns:a14="http://schemas.microsoft.com/office/drawing/2010/main" xmlns="" w="9525">
+                <a14:hiddenLine xmlns="" xmlns:a14="http://schemas.microsoft.com/office/drawing/2010/main" w="9525">
                   <a:solidFill>
                     <a:srgbClr val="000000"/>
                   </a:solidFill>
@@ -2820,7 +2820,7 @@
             </a:ln>
             <a:extLst>
               <a:ext uri="{91240B29-F687-4f45-9708-019B960494DF}">
-                <a14:hiddenLine xmlns:a14="http://schemas.microsoft.com/office/drawing/2010/main" xmlns="" w="9525">
+                <a14:hiddenLine xmlns="" xmlns:a14="http://schemas.microsoft.com/office/drawing/2010/main" w="9525">
                   <a:solidFill>
                     <a:srgbClr val="000000"/>
                   </a:solidFill>
@@ -2910,7 +2910,7 @@
             </a:ln>
             <a:extLst>
               <a:ext uri="{91240B29-F687-4f45-9708-019B960494DF}">
-                <a14:hiddenLine xmlns:a14="http://schemas.microsoft.com/office/drawing/2010/main" xmlns="" w="9525">
+                <a14:hiddenLine xmlns="" xmlns:a14="http://schemas.microsoft.com/office/drawing/2010/main" w="9525">
                   <a:solidFill>
                     <a:srgbClr val="000000"/>
                   </a:solidFill>
@@ -2972,7 +2972,7 @@
             </a:ln>
             <a:extLst>
               <a:ext uri="{91240B29-F687-4f45-9708-019B960494DF}">
-                <a14:hiddenLine xmlns:a14="http://schemas.microsoft.com/office/drawing/2010/main" xmlns="" w="9525">
+                <a14:hiddenLine xmlns="" xmlns:a14="http://schemas.microsoft.com/office/drawing/2010/main" w="9525">
                   <a:solidFill>
                     <a:srgbClr val="000000"/>
                   </a:solidFill>
@@ -3062,7 +3062,7 @@
             </a:ln>
             <a:extLst>
               <a:ext uri="{91240B29-F687-4f45-9708-019B960494DF}">
-                <a14:hiddenLine xmlns:a14="http://schemas.microsoft.com/office/drawing/2010/main" xmlns="" w="9525">
+                <a14:hiddenLine xmlns="" xmlns:a14="http://schemas.microsoft.com/office/drawing/2010/main" w="9525">
                   <a:solidFill>
                     <a:srgbClr val="000000"/>
                   </a:solidFill>
@@ -3124,7 +3124,7 @@
             </a:ln>
             <a:extLst>
               <a:ext uri="{91240B29-F687-4f45-9708-019B960494DF}">
-                <a14:hiddenLine xmlns:a14="http://schemas.microsoft.com/office/drawing/2010/main" xmlns="" w="9525">
+                <a14:hiddenLine xmlns="" xmlns:a14="http://schemas.microsoft.com/office/drawing/2010/main" w="9525">
                   <a:solidFill>
                     <a:srgbClr val="000000"/>
                   </a:solidFill>
@@ -3214,7 +3214,7 @@
             </a:ln>
             <a:extLst>
               <a:ext uri="{91240B29-F687-4f45-9708-019B960494DF}">
-                <a14:hiddenLine xmlns:a14="http://schemas.microsoft.com/office/drawing/2010/main" xmlns="" w="9525">
+                <a14:hiddenLine xmlns="" xmlns:a14="http://schemas.microsoft.com/office/drawing/2010/main" w="9525">
                   <a:solidFill>
                     <a:srgbClr val="000000"/>
                   </a:solidFill>
@@ -3248,7 +3248,7 @@
             </a:ln>
             <a:extLst>
               <a:ext uri="{91240B29-F687-4f45-9708-019B960494DF}">
-                <a14:hiddenLine xmlns:a14="http://schemas.microsoft.com/office/drawing/2010/main" xmlns="" w="9525">
+                <a14:hiddenLine xmlns="" xmlns:a14="http://schemas.microsoft.com/office/drawing/2010/main" w="9525">
                   <a:solidFill>
                     <a:srgbClr val="000000"/>
                   </a:solidFill>
@@ -3313,7 +3313,7 @@
             </a:ln>
             <a:extLst>
               <a:ext uri="{91240B29-F687-4f45-9708-019B960494DF}">
-                <a14:hiddenLine xmlns:a14="http://schemas.microsoft.com/office/drawing/2010/main" xmlns="" w="9525">
+                <a14:hiddenLine xmlns="" xmlns:a14="http://schemas.microsoft.com/office/drawing/2010/main" w="9525">
                   <a:solidFill>
                     <a:srgbClr val="000000"/>
                   </a:solidFill>
@@ -3403,7 +3403,7 @@
             </a:ln>
             <a:extLst>
               <a:ext uri="{91240B29-F687-4f45-9708-019B960494DF}">
-                <a14:hiddenLine xmlns:a14="http://schemas.microsoft.com/office/drawing/2010/main" xmlns="" w="9525">
+                <a14:hiddenLine xmlns="" xmlns:a14="http://schemas.microsoft.com/office/drawing/2010/main" w="9525">
                   <a:solidFill>
                     <a:srgbClr val="000000"/>
                   </a:solidFill>
@@ -3465,7 +3465,7 @@
             </a:ln>
             <a:extLst>
               <a:ext uri="{91240B29-F687-4f45-9708-019B960494DF}">
-                <a14:hiddenLine xmlns:a14="http://schemas.microsoft.com/office/drawing/2010/main" xmlns="" w="9525">
+                <a14:hiddenLine xmlns="" xmlns:a14="http://schemas.microsoft.com/office/drawing/2010/main" w="9525">
                   <a:solidFill>
                     <a:srgbClr val="000000"/>
                   </a:solidFill>
@@ -3555,7 +3555,7 @@
             </a:ln>
             <a:extLst>
               <a:ext uri="{91240B29-F687-4f45-9708-019B960494DF}">
-                <a14:hiddenLine xmlns:a14="http://schemas.microsoft.com/office/drawing/2010/main" xmlns="" w="9525">
+                <a14:hiddenLine xmlns="" xmlns:a14="http://schemas.microsoft.com/office/drawing/2010/main" w="9525">
                   <a:solidFill>
                     <a:srgbClr val="000000"/>
                   </a:solidFill>
@@ -3645,7 +3645,7 @@
             </a:ln>
             <a:extLst>
               <a:ext uri="{91240B29-F687-4f45-9708-019B960494DF}">
-                <a14:hiddenLine xmlns:a14="http://schemas.microsoft.com/office/drawing/2010/main" xmlns="" w="9525">
+                <a14:hiddenLine xmlns="" xmlns:a14="http://schemas.microsoft.com/office/drawing/2010/main" w="9525">
                   <a:solidFill>
                     <a:srgbClr val="000000"/>
                   </a:solidFill>
@@ -3710,7 +3710,7 @@
             </a:ln>
             <a:extLst>
               <a:ext uri="{91240B29-F687-4f45-9708-019B960494DF}">
-                <a14:hiddenLine xmlns:a14="http://schemas.microsoft.com/office/drawing/2010/main" xmlns="" w="9525">
+                <a14:hiddenLine xmlns="" xmlns:a14="http://schemas.microsoft.com/office/drawing/2010/main" w="9525">
                   <a:solidFill>
                     <a:srgbClr val="000000"/>
                   </a:solidFill>
@@ -3772,7 +3772,7 @@
             </a:ln>
             <a:extLst>
               <a:ext uri="{91240B29-F687-4f45-9708-019B960494DF}">
-                <a14:hiddenLine xmlns:a14="http://schemas.microsoft.com/office/drawing/2010/main" xmlns="" w="9525">
+                <a14:hiddenLine xmlns="" xmlns:a14="http://schemas.microsoft.com/office/drawing/2010/main" w="9525">
                   <a:solidFill>
                     <a:srgbClr val="000000"/>
                   </a:solidFill>
@@ -3862,7 +3862,7 @@
             </a:ln>
             <a:extLst>
               <a:ext uri="{91240B29-F687-4f45-9708-019B960494DF}">
-                <a14:hiddenLine xmlns:a14="http://schemas.microsoft.com/office/drawing/2010/main" xmlns="" w="9525">
+                <a14:hiddenLine xmlns="" xmlns:a14="http://schemas.microsoft.com/office/drawing/2010/main" w="9525">
                   <a:solidFill>
                     <a:srgbClr val="000000"/>
                   </a:solidFill>
@@ -3952,7 +3952,7 @@
             </a:ln>
             <a:extLst>
               <a:ext uri="{91240B29-F687-4f45-9708-019B960494DF}">
-                <a14:hiddenLine xmlns:a14="http://schemas.microsoft.com/office/drawing/2010/main" xmlns="" w="9525">
+                <a14:hiddenLine xmlns="" xmlns:a14="http://schemas.microsoft.com/office/drawing/2010/main" w="9525">
                   <a:solidFill>
                     <a:srgbClr val="000000"/>
                   </a:solidFill>
@@ -4014,7 +4014,7 @@
             </a:ln>
             <a:extLst>
               <a:ext uri="{91240B29-F687-4f45-9708-019B960494DF}">
-                <a14:hiddenLine xmlns:a14="http://schemas.microsoft.com/office/drawing/2010/main" xmlns="" w="9525">
+                <a14:hiddenLine xmlns="" xmlns:a14="http://schemas.microsoft.com/office/drawing/2010/main" w="9525">
                   <a:solidFill>
                     <a:srgbClr val="000000"/>
                   </a:solidFill>
@@ -4134,7 +4134,7 @@
             </a:ln>
             <a:extLst>
               <a:ext uri="{91240B29-F687-4f45-9708-019B960494DF}">
-                <a14:hiddenLine xmlns:a14="http://schemas.microsoft.com/office/drawing/2010/main" xmlns="" w="9525">
+                <a14:hiddenLine xmlns="" xmlns:a14="http://schemas.microsoft.com/office/drawing/2010/main" w="9525">
                   <a:solidFill>
                     <a:srgbClr val="000000"/>
                   </a:solidFill>
@@ -4202,7 +4202,7 @@
             </a:ln>
             <a:extLst>
               <a:ext uri="{91240B29-F687-4f45-9708-019B960494DF}">
-                <a14:hiddenLine xmlns:a14="http://schemas.microsoft.com/office/drawing/2010/main" xmlns="" w="9525">
+                <a14:hiddenLine xmlns="" xmlns:a14="http://schemas.microsoft.com/office/drawing/2010/main" w="9525">
                   <a:solidFill>
                     <a:srgbClr val="000000"/>
                   </a:solidFill>
@@ -4292,7 +4292,7 @@
             </a:ln>
             <a:extLst>
               <a:ext uri="{91240B29-F687-4f45-9708-019B960494DF}">
-                <a14:hiddenLine xmlns:a14="http://schemas.microsoft.com/office/drawing/2010/main" xmlns="" w="9525">
+                <a14:hiddenLine xmlns="" xmlns:a14="http://schemas.microsoft.com/office/drawing/2010/main" w="9525">
                   <a:solidFill>
                     <a:srgbClr val="000000"/>
                   </a:solidFill>
@@ -4432,7 +4432,7 @@
           <a:p>
             <a:fld id="{48A87A34-81AB-432B-8DAE-1953F412C126}" type="datetimeFigureOut">
               <a:rPr lang="en-US" dirty="0"/>
-              <a:t>12/7/2018</a:t>
+              <a:t>12/12/18</a:t>
             </a:fld>
             <a:endParaRPr lang="en-US" dirty="0"/>
           </a:p>
@@ -4484,7 +4484,7 @@
           <a:p>
             <a:fld id="{6D22F896-40B5-4ADD-8801-0D06FADFA095}" type="slidenum">
               <a:rPr lang="en-US" dirty="0"/>
-              <a:t>‹#›</a:t>
+              <a:t>‹Nº›</a:t>
             </a:fld>
             <a:endParaRPr lang="en-US" dirty="0"/>
           </a:p>
@@ -4694,7 +4694,7 @@
           <a:p>
             <a:fld id="{48A87A34-81AB-432B-8DAE-1953F412C126}" type="datetimeFigureOut">
               <a:rPr lang="en-US" dirty="0"/>
-              <a:t>12/7/2018</a:t>
+              <a:t>12/12/18</a:t>
             </a:fld>
             <a:endParaRPr lang="en-US" dirty="0"/>
           </a:p>
@@ -4736,7 +4736,7 @@
           <a:p>
             <a:fld id="{6D22F896-40B5-4ADD-8801-0D06FADFA095}" type="slidenum">
               <a:rPr lang="en-US" dirty="0"/>
-              <a:t>‹#›</a:t>
+              <a:t>‹Nº›</a:t>
             </a:fld>
             <a:endParaRPr lang="en-US" dirty="0"/>
           </a:p>
@@ -4885,7 +4885,7 @@
           <a:p>
             <a:fld id="{48A87A34-81AB-432B-8DAE-1953F412C126}" type="datetimeFigureOut">
               <a:rPr lang="en-US" dirty="0"/>
-              <a:t>12/7/2018</a:t>
+              <a:t>12/12/18</a:t>
             </a:fld>
             <a:endParaRPr lang="en-US" dirty="0"/>
           </a:p>
@@ -4927,7 +4927,7 @@
           <a:p>
             <a:fld id="{6D22F896-40B5-4ADD-8801-0D06FADFA095}" type="slidenum">
               <a:rPr lang="en-US" dirty="0"/>
-              <a:t>‹#›</a:t>
+              <a:t>‹Nº›</a:t>
             </a:fld>
             <a:endParaRPr lang="en-US" dirty="0"/>
           </a:p>
@@ -5143,7 +5143,7 @@
           <a:p>
             <a:fld id="{48A87A34-81AB-432B-8DAE-1953F412C126}" type="datetimeFigureOut">
               <a:rPr lang="en-US" dirty="0"/>
-              <a:t>12/7/2018</a:t>
+              <a:t>12/12/18</a:t>
             </a:fld>
             <a:endParaRPr lang="en-US" dirty="0"/>
           </a:p>
@@ -5185,7 +5185,7 @@
           <a:p>
             <a:fld id="{6D22F896-40B5-4ADD-8801-0D06FADFA095}" type="slidenum">
               <a:rPr lang="en-US" dirty="0"/>
-              <a:t>‹#›</a:t>
+              <a:t>‹Nº›</a:t>
             </a:fld>
             <a:endParaRPr lang="en-US" dirty="0"/>
           </a:p>
@@ -5572,7 +5572,7 @@
           <a:p>
             <a:fld id="{48A87A34-81AB-432B-8DAE-1953F412C126}" type="datetimeFigureOut">
               <a:rPr lang="en-US" dirty="0"/>
-              <a:t>12/7/2018</a:t>
+              <a:t>12/12/18</a:t>
             </a:fld>
             <a:endParaRPr lang="en-US" dirty="0"/>
           </a:p>
@@ -5614,7 +5614,7 @@
           <a:p>
             <a:fld id="{6D22F896-40B5-4ADD-8801-0D06FADFA095}" type="slidenum">
               <a:rPr lang="en-US" dirty="0"/>
-              <a:t>‹#›</a:t>
+              <a:t>‹Nº›</a:t>
             </a:fld>
             <a:endParaRPr lang="en-US" dirty="0"/>
           </a:p>
@@ -6113,7 +6113,7 @@
           <a:p>
             <a:fld id="{48A87A34-81AB-432B-8DAE-1953F412C126}" type="datetimeFigureOut">
               <a:rPr lang="en-US" dirty="0"/>
-              <a:t>12/7/2018</a:t>
+              <a:t>12/12/18</a:t>
             </a:fld>
             <a:endParaRPr lang="en-US" dirty="0"/>
           </a:p>
@@ -6155,7 +6155,7 @@
           <a:p>
             <a:fld id="{6D22F896-40B5-4ADD-8801-0D06FADFA095}" type="slidenum">
               <a:rPr lang="en-US" dirty="0"/>
-              <a:t>‹#›</a:t>
+              <a:t>‹Nº›</a:t>
             </a:fld>
             <a:endParaRPr lang="en-US" dirty="0"/>
           </a:p>
@@ -6828,7 +6828,7 @@
           <a:p>
             <a:fld id="{48A87A34-81AB-432B-8DAE-1953F412C126}" type="datetimeFigureOut">
               <a:rPr lang="en-US" dirty="0"/>
-              <a:t>12/7/2018</a:t>
+              <a:t>12/12/18</a:t>
             </a:fld>
             <a:endParaRPr lang="en-US" dirty="0"/>
           </a:p>
@@ -6870,7 +6870,7 @@
           <a:p>
             <a:fld id="{6D22F896-40B5-4ADD-8801-0D06FADFA095}" type="slidenum">
               <a:rPr lang="en-US" dirty="0"/>
-              <a:t>‹#›</a:t>
+              <a:t>‹Nº›</a:t>
             </a:fld>
             <a:endParaRPr lang="en-US" dirty="0"/>
           </a:p>
@@ -6993,7 +6993,7 @@
           <a:p>
             <a:fld id="{48A87A34-81AB-432B-8DAE-1953F412C126}" type="datetimeFigureOut">
               <a:rPr lang="en-US" dirty="0"/>
-              <a:t>12/7/2018</a:t>
+              <a:t>12/12/18</a:t>
             </a:fld>
             <a:endParaRPr lang="en-US" dirty="0"/>
           </a:p>
@@ -7035,7 +7035,7 @@
           <a:p>
             <a:fld id="{6D22F896-40B5-4ADD-8801-0D06FADFA095}" type="slidenum">
               <a:rPr lang="en-US" dirty="0"/>
-              <a:t>‹#›</a:t>
+              <a:t>‹Nº›</a:t>
             </a:fld>
             <a:endParaRPr lang="en-US" dirty="0"/>
           </a:p>
@@ -7168,7 +7168,7 @@
           <a:p>
             <a:fld id="{48A87A34-81AB-432B-8DAE-1953F412C126}" type="datetimeFigureOut">
               <a:rPr lang="en-US" dirty="0"/>
-              <a:t>12/7/2018</a:t>
+              <a:t>12/12/18</a:t>
             </a:fld>
             <a:endParaRPr lang="en-US" dirty="0"/>
           </a:p>
@@ -7210,7 +7210,7 @@
           <a:p>
             <a:fld id="{6D22F896-40B5-4ADD-8801-0D06FADFA095}" type="slidenum">
               <a:rPr lang="en-US" dirty="0"/>
-              <a:t>‹#›</a:t>
+              <a:t>‹Nº›</a:t>
             </a:fld>
             <a:endParaRPr lang="en-US" dirty="0"/>
           </a:p>
@@ -7333,7 +7333,7 @@
           <a:p>
             <a:fld id="{48A87A34-81AB-432B-8DAE-1953F412C126}" type="datetimeFigureOut">
               <a:rPr lang="en-US" dirty="0"/>
-              <a:t>12/7/2018</a:t>
+              <a:t>12/12/18</a:t>
             </a:fld>
             <a:endParaRPr lang="en-US" dirty="0"/>
           </a:p>
@@ -7375,7 +7375,7 @@
           <a:p>
             <a:fld id="{6D22F896-40B5-4ADD-8801-0D06FADFA095}" type="slidenum">
               <a:rPr lang="en-US" dirty="0"/>
-              <a:t>‹#›</a:t>
+              <a:t>‹Nº›</a:t>
             </a:fld>
             <a:endParaRPr lang="en-US" dirty="0"/>
           </a:p>
@@ -7578,7 +7578,7 @@
           <a:p>
             <a:fld id="{48A87A34-81AB-432B-8DAE-1953F412C126}" type="datetimeFigureOut">
               <a:rPr lang="en-US" dirty="0"/>
-              <a:t>12/7/2018</a:t>
+              <a:t>12/12/18</a:t>
             </a:fld>
             <a:endParaRPr lang="en-US" dirty="0"/>
           </a:p>
@@ -7620,7 +7620,7 @@
           <a:p>
             <a:fld id="{6D22F896-40B5-4ADD-8801-0D06FADFA095}" type="slidenum">
               <a:rPr lang="en-US" dirty="0"/>
-              <a:t>‹#›</a:t>
+              <a:t>‹Nº›</a:t>
             </a:fld>
             <a:endParaRPr lang="en-US" dirty="0"/>
           </a:p>
@@ -7805,7 +7805,7 @@
           <a:p>
             <a:fld id="{48A87A34-81AB-432B-8DAE-1953F412C126}" type="datetimeFigureOut">
               <a:rPr lang="en-US" dirty="0"/>
-              <a:t>12/7/2018</a:t>
+              <a:t>12/12/18</a:t>
             </a:fld>
             <a:endParaRPr lang="en-US" dirty="0"/>
           </a:p>
@@ -7847,7 +7847,7 @@
           <a:p>
             <a:fld id="{6D22F896-40B5-4ADD-8801-0D06FADFA095}" type="slidenum">
               <a:rPr lang="en-US" dirty="0"/>
-              <a:t>‹#›</a:t>
+              <a:t>‹Nº›</a:t>
             </a:fld>
             <a:endParaRPr lang="en-US" dirty="0"/>
           </a:p>
@@ -8181,7 +8181,7 @@
           <a:p>
             <a:fld id="{48A87A34-81AB-432B-8DAE-1953F412C126}" type="datetimeFigureOut">
               <a:rPr lang="en-US" dirty="0"/>
-              <a:t>12/7/2018</a:t>
+              <a:t>12/12/18</a:t>
             </a:fld>
             <a:endParaRPr lang="en-US" dirty="0"/>
           </a:p>
@@ -8223,7 +8223,7 @@
           <a:p>
             <a:fld id="{6D22F896-40B5-4ADD-8801-0D06FADFA095}" type="slidenum">
               <a:rPr lang="en-US" dirty="0"/>
-              <a:t>‹#›</a:t>
+              <a:t>‹Nº›</a:t>
             </a:fld>
             <a:endParaRPr lang="en-US" dirty="0"/>
           </a:p>
@@ -8294,7 +8294,7 @@
           <a:p>
             <a:fld id="{48A87A34-81AB-432B-8DAE-1953F412C126}" type="datetimeFigureOut">
               <a:rPr lang="en-US" dirty="0"/>
-              <a:t>12/7/2018</a:t>
+              <a:t>12/12/18</a:t>
             </a:fld>
             <a:endParaRPr lang="en-US" dirty="0"/>
           </a:p>
@@ -8336,7 +8336,7 @@
           <a:p>
             <a:fld id="{6D22F896-40B5-4ADD-8801-0D06FADFA095}" type="slidenum">
               <a:rPr lang="en-US" dirty="0"/>
-              <a:t>‹#›</a:t>
+              <a:t>‹Nº›</a:t>
             </a:fld>
             <a:endParaRPr lang="en-US" dirty="0"/>
           </a:p>
@@ -8384,7 +8384,7 @@
           <a:p>
             <a:fld id="{48A87A34-81AB-432B-8DAE-1953F412C126}" type="datetimeFigureOut">
               <a:rPr lang="en-US" dirty="0"/>
-              <a:t>12/7/2018</a:t>
+              <a:t>12/12/18</a:t>
             </a:fld>
             <a:endParaRPr lang="en-US" dirty="0"/>
           </a:p>
@@ -8426,7 +8426,7 @@
           <a:p>
             <a:fld id="{6D22F896-40B5-4ADD-8801-0D06FADFA095}" type="slidenum">
               <a:rPr lang="en-US" dirty="0"/>
-              <a:t>‹#›</a:t>
+              <a:t>‹Nº›</a:t>
             </a:fld>
             <a:endParaRPr lang="en-US" dirty="0"/>
           </a:p>
@@ -8628,7 +8628,7 @@
           <a:p>
             <a:fld id="{48A87A34-81AB-432B-8DAE-1953F412C126}" type="datetimeFigureOut">
               <a:rPr lang="en-US" dirty="0"/>
-              <a:t>12/7/2018</a:t>
+              <a:t>12/12/18</a:t>
             </a:fld>
             <a:endParaRPr lang="en-US" dirty="0"/>
           </a:p>
@@ -8670,7 +8670,7 @@
           <a:p>
             <a:fld id="{6D22F896-40B5-4ADD-8801-0D06FADFA095}" type="slidenum">
               <a:rPr lang="en-US" dirty="0"/>
-              <a:t>‹#›</a:t>
+              <a:t>‹Nº›</a:t>
             </a:fld>
             <a:endParaRPr lang="en-US" dirty="0"/>
           </a:p>
@@ -8903,7 +8903,7 @@
           <a:p>
             <a:fld id="{48A87A34-81AB-432B-8DAE-1953F412C126}" type="datetimeFigureOut">
               <a:rPr lang="en-US" dirty="0"/>
-              <a:t>12/7/2018</a:t>
+              <a:t>12/12/18</a:t>
             </a:fld>
             <a:endParaRPr lang="en-US" dirty="0"/>
           </a:p>
@@ -8945,7 +8945,7 @@
           <a:p>
             <a:fld id="{6D22F896-40B5-4ADD-8801-0D06FADFA095}" type="slidenum">
               <a:rPr lang="en-US" dirty="0"/>
-              <a:t>‹#›</a:t>
+              <a:t>‹Nº›</a:t>
             </a:fld>
             <a:endParaRPr lang="en-US" dirty="0"/>
           </a:p>
@@ -9021,7 +9021,7 @@
           <a:noFill/>
           <a:extLst>
             <a:ext uri="{909E8E84-426E-40dd-AFC4-6F175D3DCCD1}">
-              <a14:hiddenFill xmlns:a14="http://schemas.microsoft.com/office/drawing/2010/main" xmlns="">
+              <a14:hiddenFill xmlns="" xmlns:a14="http://schemas.microsoft.com/office/drawing/2010/main">
                 <a:solidFill>
                   <a:srgbClr val="FFFFFF"/>
                 </a:solidFill>
@@ -9095,7 +9095,7 @@
               </a:ln>
               <a:extLst>
                 <a:ext uri="{91240B29-F687-4f45-9708-019B960494DF}">
-                  <a14:hiddenLine xmlns:a14="http://schemas.microsoft.com/office/drawing/2010/main" xmlns="" w="9525">
+                  <a14:hiddenLine xmlns="" xmlns:a14="http://schemas.microsoft.com/office/drawing/2010/main" w="9525">
                     <a:solidFill>
                       <a:srgbClr val="000000"/>
                     </a:solidFill>
@@ -9185,7 +9185,7 @@
               </a:ln>
               <a:extLst>
                 <a:ext uri="{91240B29-F687-4f45-9708-019B960494DF}">
-                  <a14:hiddenLine xmlns:a14="http://schemas.microsoft.com/office/drawing/2010/main" xmlns="" w="9525">
+                  <a14:hiddenLine xmlns="" xmlns:a14="http://schemas.microsoft.com/office/drawing/2010/main" w="9525">
                     <a:solidFill>
                       <a:srgbClr val="000000"/>
                     </a:solidFill>
@@ -9275,7 +9275,7 @@
               </a:ln>
               <a:extLst>
                 <a:ext uri="{91240B29-F687-4f45-9708-019B960494DF}">
-                  <a14:hiddenLine xmlns:a14="http://schemas.microsoft.com/office/drawing/2010/main" xmlns="" w="9525">
+                  <a14:hiddenLine xmlns="" xmlns:a14="http://schemas.microsoft.com/office/drawing/2010/main" w="9525">
                     <a:solidFill>
                       <a:srgbClr val="000000"/>
                     </a:solidFill>
@@ -9337,7 +9337,7 @@
               </a:ln>
               <a:extLst>
                 <a:ext uri="{91240B29-F687-4f45-9708-019B960494DF}">
-                  <a14:hiddenLine xmlns:a14="http://schemas.microsoft.com/office/drawing/2010/main" xmlns="" w="9525">
+                  <a14:hiddenLine xmlns="" xmlns:a14="http://schemas.microsoft.com/office/drawing/2010/main" w="9525">
                     <a:solidFill>
                       <a:srgbClr val="000000"/>
                     </a:solidFill>
@@ -9427,7 +9427,7 @@
               </a:ln>
               <a:extLst>
                 <a:ext uri="{91240B29-F687-4f45-9708-019B960494DF}">
-                  <a14:hiddenLine xmlns:a14="http://schemas.microsoft.com/office/drawing/2010/main" xmlns="" w="9525">
+                  <a14:hiddenLine xmlns="" xmlns:a14="http://schemas.microsoft.com/office/drawing/2010/main" w="9525">
                     <a:solidFill>
                       <a:srgbClr val="000000"/>
                     </a:solidFill>
@@ -9489,7 +9489,7 @@
               </a:ln>
               <a:extLst>
                 <a:ext uri="{91240B29-F687-4f45-9708-019B960494DF}">
-                  <a14:hiddenLine xmlns:a14="http://schemas.microsoft.com/office/drawing/2010/main" xmlns="" w="9525">
+                  <a14:hiddenLine xmlns="" xmlns:a14="http://schemas.microsoft.com/office/drawing/2010/main" w="9525">
                     <a:solidFill>
                       <a:srgbClr val="000000"/>
                     </a:solidFill>
@@ -9551,7 +9551,7 @@
               </a:ln>
               <a:extLst>
                 <a:ext uri="{91240B29-F687-4f45-9708-019B960494DF}">
-                  <a14:hiddenLine xmlns:a14="http://schemas.microsoft.com/office/drawing/2010/main" xmlns="" w="9525">
+                  <a14:hiddenLine xmlns="" xmlns:a14="http://schemas.microsoft.com/office/drawing/2010/main" w="9525">
                     <a:solidFill>
                       <a:srgbClr val="000000"/>
                     </a:solidFill>
@@ -9641,7 +9641,7 @@
               </a:ln>
               <a:extLst>
                 <a:ext uri="{91240B29-F687-4f45-9708-019B960494DF}">
-                  <a14:hiddenLine xmlns:a14="http://schemas.microsoft.com/office/drawing/2010/main" xmlns="" w="9525">
+                  <a14:hiddenLine xmlns="" xmlns:a14="http://schemas.microsoft.com/office/drawing/2010/main" w="9525">
                     <a:solidFill>
                       <a:srgbClr val="000000"/>
                     </a:solidFill>
@@ -9731,7 +9731,7 @@
               </a:ln>
               <a:extLst>
                 <a:ext uri="{91240B29-F687-4f45-9708-019B960494DF}">
-                  <a14:hiddenLine xmlns:a14="http://schemas.microsoft.com/office/drawing/2010/main" xmlns="" w="9525">
+                  <a14:hiddenLine xmlns="" xmlns:a14="http://schemas.microsoft.com/office/drawing/2010/main" w="9525">
                     <a:solidFill>
                       <a:srgbClr val="000000"/>
                     </a:solidFill>
@@ -9793,7 +9793,7 @@
               </a:ln>
               <a:extLst>
                 <a:ext uri="{91240B29-F687-4f45-9708-019B960494DF}">
-                  <a14:hiddenLine xmlns:a14="http://schemas.microsoft.com/office/drawing/2010/main" xmlns="" w="9525">
+                  <a14:hiddenLine xmlns="" xmlns:a14="http://schemas.microsoft.com/office/drawing/2010/main" w="9525">
                     <a:solidFill>
                       <a:srgbClr val="000000"/>
                     </a:solidFill>
@@ -9903,7 +9903,7 @@
               </a:ln>
               <a:extLst>
                 <a:ext uri="{91240B29-F687-4f45-9708-019B960494DF}">
-                  <a14:hiddenLine xmlns:a14="http://schemas.microsoft.com/office/drawing/2010/main" xmlns="" w="9525">
+                  <a14:hiddenLine xmlns="" xmlns:a14="http://schemas.microsoft.com/office/drawing/2010/main" w="9525">
                     <a:solidFill>
                       <a:srgbClr val="000000"/>
                     </a:solidFill>
@@ -9987,7 +9987,7 @@
               </a:ln>
               <a:extLst>
                 <a:ext uri="{91240B29-F687-4f45-9708-019B960494DF}">
-                  <a14:hiddenLine xmlns:a14="http://schemas.microsoft.com/office/drawing/2010/main" xmlns="" w="9525">
+                  <a14:hiddenLine xmlns="" xmlns:a14="http://schemas.microsoft.com/office/drawing/2010/main" w="9525">
                     <a:solidFill>
                       <a:srgbClr val="000000"/>
                     </a:solidFill>
@@ -10049,7 +10049,7 @@
               </a:ln>
               <a:extLst>
                 <a:ext uri="{91240B29-F687-4f45-9708-019B960494DF}">
-                  <a14:hiddenLine xmlns:a14="http://schemas.microsoft.com/office/drawing/2010/main" xmlns="" w="9525">
+                  <a14:hiddenLine xmlns="" xmlns:a14="http://schemas.microsoft.com/office/drawing/2010/main" w="9525">
                     <a:solidFill>
                       <a:srgbClr val="000000"/>
                     </a:solidFill>
@@ -10111,7 +10111,7 @@
               </a:ln>
               <a:extLst>
                 <a:ext uri="{91240B29-F687-4f45-9708-019B960494DF}">
-                  <a14:hiddenLine xmlns:a14="http://schemas.microsoft.com/office/drawing/2010/main" xmlns="" w="9525">
+                  <a14:hiddenLine xmlns="" xmlns:a14="http://schemas.microsoft.com/office/drawing/2010/main" w="9525">
                     <a:solidFill>
                       <a:srgbClr val="000000"/>
                     </a:solidFill>
@@ -10201,7 +10201,7 @@
               </a:ln>
               <a:extLst>
                 <a:ext uri="{91240B29-F687-4f45-9708-019B960494DF}">
-                  <a14:hiddenLine xmlns:a14="http://schemas.microsoft.com/office/drawing/2010/main" xmlns="" w="9525">
+                  <a14:hiddenLine xmlns="" xmlns:a14="http://schemas.microsoft.com/office/drawing/2010/main" w="9525">
                     <a:solidFill>
                       <a:srgbClr val="000000"/>
                     </a:solidFill>
@@ -10235,7 +10235,7 @@
               </a:ln>
               <a:extLst>
                 <a:ext uri="{91240B29-F687-4f45-9708-019B960494DF}">
-                  <a14:hiddenLine xmlns:a14="http://schemas.microsoft.com/office/drawing/2010/main" xmlns="" w="9525">
+                  <a14:hiddenLine xmlns="" xmlns:a14="http://schemas.microsoft.com/office/drawing/2010/main" w="9525">
                     <a:solidFill>
                       <a:srgbClr val="000000"/>
                     </a:solidFill>
@@ -10300,7 +10300,7 @@
               </a:ln>
               <a:extLst>
                 <a:ext uri="{91240B29-F687-4f45-9708-019B960494DF}">
-                  <a14:hiddenLine xmlns:a14="http://schemas.microsoft.com/office/drawing/2010/main" xmlns="" w="9525">
+                  <a14:hiddenLine xmlns="" xmlns:a14="http://schemas.microsoft.com/office/drawing/2010/main" w="9525">
                     <a:solidFill>
                       <a:srgbClr val="000000"/>
                     </a:solidFill>
@@ -10390,7 +10390,7 @@
               </a:ln>
               <a:extLst>
                 <a:ext uri="{91240B29-F687-4f45-9708-019B960494DF}">
-                  <a14:hiddenLine xmlns:a14="http://schemas.microsoft.com/office/drawing/2010/main" xmlns="" w="9525">
+                  <a14:hiddenLine xmlns="" xmlns:a14="http://schemas.microsoft.com/office/drawing/2010/main" w="9525">
                     <a:solidFill>
                       <a:srgbClr val="000000"/>
                     </a:solidFill>
@@ -10452,7 +10452,7 @@
               </a:ln>
               <a:extLst>
                 <a:ext uri="{91240B29-F687-4f45-9708-019B960494DF}">
-                  <a14:hiddenLine xmlns:a14="http://schemas.microsoft.com/office/drawing/2010/main" xmlns="" w="9525">
+                  <a14:hiddenLine xmlns="" xmlns:a14="http://schemas.microsoft.com/office/drawing/2010/main" w="9525">
                     <a:solidFill>
                       <a:srgbClr val="000000"/>
                     </a:solidFill>
@@ -10542,7 +10542,7 @@
               </a:ln>
               <a:extLst>
                 <a:ext uri="{91240B29-F687-4f45-9708-019B960494DF}">
-                  <a14:hiddenLine xmlns:a14="http://schemas.microsoft.com/office/drawing/2010/main" xmlns="" w="9525">
+                  <a14:hiddenLine xmlns="" xmlns:a14="http://schemas.microsoft.com/office/drawing/2010/main" w="9525">
                     <a:solidFill>
                       <a:srgbClr val="000000"/>
                     </a:solidFill>
@@ -10607,7 +10607,7 @@
               </a:ln>
               <a:extLst>
                 <a:ext uri="{91240B29-F687-4f45-9708-019B960494DF}">
-                  <a14:hiddenLine xmlns:a14="http://schemas.microsoft.com/office/drawing/2010/main" xmlns="" w="9525">
+                  <a14:hiddenLine xmlns="" xmlns:a14="http://schemas.microsoft.com/office/drawing/2010/main" w="9525">
                     <a:solidFill>
                       <a:srgbClr val="000000"/>
                     </a:solidFill>
@@ -10669,7 +10669,7 @@
               </a:ln>
               <a:extLst>
                 <a:ext uri="{91240B29-F687-4f45-9708-019B960494DF}">
-                  <a14:hiddenLine xmlns:a14="http://schemas.microsoft.com/office/drawing/2010/main" xmlns="" w="9525">
+                  <a14:hiddenLine xmlns="" xmlns:a14="http://schemas.microsoft.com/office/drawing/2010/main" w="9525">
                     <a:solidFill>
                       <a:srgbClr val="000000"/>
                     </a:solidFill>
@@ -10759,7 +10759,7 @@
               </a:ln>
               <a:extLst>
                 <a:ext uri="{91240B29-F687-4f45-9708-019B960494DF}">
-                  <a14:hiddenLine xmlns:a14="http://schemas.microsoft.com/office/drawing/2010/main" xmlns="" w="9525">
+                  <a14:hiddenLine xmlns="" xmlns:a14="http://schemas.microsoft.com/office/drawing/2010/main" w="9525">
                     <a:solidFill>
                       <a:srgbClr val="000000"/>
                     </a:solidFill>
@@ -10849,7 +10849,7 @@
               </a:ln>
               <a:extLst>
                 <a:ext uri="{91240B29-F687-4f45-9708-019B960494DF}">
-                  <a14:hiddenLine xmlns:a14="http://schemas.microsoft.com/office/drawing/2010/main" xmlns="" w="9525">
+                  <a14:hiddenLine xmlns="" xmlns:a14="http://schemas.microsoft.com/office/drawing/2010/main" w="9525">
                     <a:solidFill>
                       <a:srgbClr val="000000"/>
                     </a:solidFill>
@@ -10914,7 +10914,7 @@
               </a:ln>
               <a:extLst>
                 <a:ext uri="{91240B29-F687-4f45-9708-019B960494DF}">
-                  <a14:hiddenLine xmlns:a14="http://schemas.microsoft.com/office/drawing/2010/main" xmlns="" w="9525">
+                  <a14:hiddenLine xmlns="" xmlns:a14="http://schemas.microsoft.com/office/drawing/2010/main" w="9525">
                     <a:solidFill>
                       <a:srgbClr val="000000"/>
                     </a:solidFill>
@@ -11034,7 +11034,7 @@
               </a:ln>
               <a:extLst>
                 <a:ext uri="{91240B29-F687-4f45-9708-019B960494DF}">
-                  <a14:hiddenLine xmlns:a14="http://schemas.microsoft.com/office/drawing/2010/main" xmlns="" w="9525">
+                  <a14:hiddenLine xmlns="" xmlns:a14="http://schemas.microsoft.com/office/drawing/2010/main" w="9525">
                     <a:solidFill>
                       <a:srgbClr val="000000"/>
                     </a:solidFill>
@@ -11115,7 +11115,7 @@
               </a:ln>
               <a:extLst>
                 <a:ext uri="{91240B29-F687-4f45-9708-019B960494DF}">
-                  <a14:hiddenLine xmlns:a14="http://schemas.microsoft.com/office/drawing/2010/main" xmlns="" w="9525">
+                  <a14:hiddenLine xmlns="" xmlns:a14="http://schemas.microsoft.com/office/drawing/2010/main" w="9525">
                     <a:solidFill>
                       <a:srgbClr val="000000"/>
                     </a:solidFill>
@@ -11230,7 +11230,7 @@
               </a:ln>
               <a:extLst>
                 <a:ext uri="{91240B29-F687-4f45-9708-019B960494DF}">
-                  <a14:hiddenLine xmlns:a14="http://schemas.microsoft.com/office/drawing/2010/main" xmlns="" w="9525">
+                  <a14:hiddenLine xmlns="" xmlns:a14="http://schemas.microsoft.com/office/drawing/2010/main" w="9525">
                     <a:solidFill>
                       <a:srgbClr val="000000"/>
                     </a:solidFill>
@@ -11320,7 +11320,7 @@
               </a:ln>
               <a:extLst>
                 <a:ext uri="{91240B29-F687-4f45-9708-019B960494DF}">
-                  <a14:hiddenLine xmlns:a14="http://schemas.microsoft.com/office/drawing/2010/main" xmlns="" w="9525">
+                  <a14:hiddenLine xmlns="" xmlns:a14="http://schemas.microsoft.com/office/drawing/2010/main" w="9525">
                     <a:solidFill>
                       <a:srgbClr val="000000"/>
                     </a:solidFill>
@@ -11385,7 +11385,7 @@
               </a:ln>
               <a:extLst>
                 <a:ext uri="{91240B29-F687-4f45-9708-019B960494DF}">
-                  <a14:hiddenLine xmlns:a14="http://schemas.microsoft.com/office/drawing/2010/main" xmlns="" w="9525">
+                  <a14:hiddenLine xmlns="" xmlns:a14="http://schemas.microsoft.com/office/drawing/2010/main" w="9525">
                     <a:solidFill>
                       <a:srgbClr val="000000"/>
                     </a:solidFill>
@@ -11475,7 +11475,7 @@
               </a:ln>
               <a:extLst>
                 <a:ext uri="{91240B29-F687-4f45-9708-019B960494DF}">
-                  <a14:hiddenLine xmlns:a14="http://schemas.microsoft.com/office/drawing/2010/main" xmlns="" w="9525">
+                  <a14:hiddenLine xmlns="" xmlns:a14="http://schemas.microsoft.com/office/drawing/2010/main" w="9525">
                     <a:solidFill>
                       <a:srgbClr val="000000"/>
                     </a:solidFill>
@@ -11543,7 +11543,7 @@
               </a:ln>
               <a:extLst>
                 <a:ext uri="{91240B29-F687-4f45-9708-019B960494DF}">
-                  <a14:hiddenLine xmlns:a14="http://schemas.microsoft.com/office/drawing/2010/main" xmlns="" w="9525">
+                  <a14:hiddenLine xmlns="" xmlns:a14="http://schemas.microsoft.com/office/drawing/2010/main" w="9525">
                     <a:solidFill>
                       <a:srgbClr val="000000"/>
                     </a:solidFill>
@@ -11633,7 +11633,7 @@
               </a:ln>
               <a:extLst>
                 <a:ext uri="{91240B29-F687-4f45-9708-019B960494DF}">
-                  <a14:hiddenLine xmlns:a14="http://schemas.microsoft.com/office/drawing/2010/main" xmlns="" w="9525">
+                  <a14:hiddenLine xmlns="" xmlns:a14="http://schemas.microsoft.com/office/drawing/2010/main" w="9525">
                     <a:solidFill>
                       <a:srgbClr val="000000"/>
                     </a:solidFill>
@@ -11701,7 +11701,7 @@
               </a:ln>
               <a:extLst>
                 <a:ext uri="{91240B29-F687-4f45-9708-019B960494DF}">
-                  <a14:hiddenLine xmlns:a14="http://schemas.microsoft.com/office/drawing/2010/main" xmlns="" w="9525">
+                  <a14:hiddenLine xmlns="" xmlns:a14="http://schemas.microsoft.com/office/drawing/2010/main" w="9525">
                     <a:solidFill>
                       <a:srgbClr val="000000"/>
                     </a:solidFill>
@@ -11791,7 +11791,7 @@
               </a:ln>
               <a:extLst>
                 <a:ext uri="{91240B29-F687-4f45-9708-019B960494DF}">
-                  <a14:hiddenLine xmlns:a14="http://schemas.microsoft.com/office/drawing/2010/main" xmlns="" w="9525">
+                  <a14:hiddenLine xmlns="" xmlns:a14="http://schemas.microsoft.com/office/drawing/2010/main" w="9525">
                     <a:solidFill>
                       <a:srgbClr val="000000"/>
                     </a:solidFill>
@@ -11825,7 +11825,7 @@
               </a:ln>
               <a:extLst>
                 <a:ext uri="{91240B29-F687-4f45-9708-019B960494DF}">
-                  <a14:hiddenLine xmlns:a14="http://schemas.microsoft.com/office/drawing/2010/main" xmlns="" w="9525">
+                  <a14:hiddenLine xmlns="" xmlns:a14="http://schemas.microsoft.com/office/drawing/2010/main" w="9525">
                     <a:solidFill>
                       <a:srgbClr val="000000"/>
                     </a:solidFill>
@@ -11966,7 +11966,7 @@
             <a:fld id="{48A87A34-81AB-432B-8DAE-1953F412C126}" type="datetimeFigureOut">
               <a:rPr lang="en-US" dirty="0"/>
               <a:pPr/>
-              <a:t>12/7/2018</a:t>
+              <a:t>12/12/18</a:t>
             </a:fld>
             <a:endParaRPr lang="en-US" dirty="0"/>
           </a:p>
@@ -12045,7 +12045,7 @@
             <a:fld id="{6D22F896-40B5-4ADD-8801-0D06FADFA095}" type="slidenum">
               <a:rPr lang="en-US" dirty="0"/>
               <a:pPr/>
-              <a:t>‹#›</a:t>
+              <a:t>‹Nº›</a:t>
             </a:fld>
             <a:endParaRPr lang="en-US" dirty="0"/>
           </a:p>
@@ -12498,8 +12498,8 @@
         </p:nvSpPr>
         <p:spPr>
           <a:xfrm>
-            <a:off x="2181224" y="1860550"/>
-            <a:ext cx="9223376" cy="3549650"/>
+            <a:off x="2028824" y="2329542"/>
+            <a:ext cx="9223376" cy="1861457"/>
           </a:xfrm>
           <a:prstGeom prst="rect">
             <a:avLst/>
@@ -12530,14 +12530,14 @@
           </a:lstStyle>
           <a:p>
             <a:r>
-              <a:rPr lang="en-US" cap="none" dirty="0" err="1"/>
+              <a:rPr lang="en-US" sz="3200" cap="none" dirty="0" err="1"/>
               <a:t>Webdriver</a:t>
             </a:r>
             <a:r>
-              <a:rPr lang="en-US" cap="none" dirty="0"/>
+              <a:rPr lang="en-US" sz="3200" cap="none" dirty="0"/>
               <a:t> is the API we’re going to use to control a web browser through a test script, this uses the http to make that communication between the app and the browser</a:t>
             </a:r>
-            <a:endParaRPr lang="es-MX" cap="none" dirty="0"/>
+            <a:endParaRPr lang="es-MX" sz="3200" cap="none" dirty="0"/>
           </a:p>
         </p:txBody>
       </p:sp>
@@ -12623,8 +12623,8 @@
         </p:nvSpPr>
         <p:spPr>
           <a:xfrm>
-            <a:off x="1927224" y="2393950"/>
-            <a:ext cx="9807576" cy="3987800"/>
+            <a:off x="1927224" y="2122713"/>
+            <a:ext cx="9807576" cy="3203121"/>
           </a:xfrm>
           <a:prstGeom prst="rect">
             <a:avLst/>
@@ -12632,7 +12632,7 @@
         </p:spPr>
         <p:txBody>
           <a:bodyPr vert="horz" lIns="91440" tIns="45720" rIns="91440" bIns="45720" rtlCol="0" anchor="b">
-            <a:normAutofit lnSpcReduction="10000"/>
+            <a:normAutofit/>
           </a:bodyPr>
           <a:lstStyle>
             <a:lvl1pPr algn="l" defTabSz="914400" rtl="0" eaLnBrk="1" latinLnBrk="0" hangingPunct="1">
@@ -12655,12 +12655,12 @@
           </a:lstStyle>
           <a:p>
             <a:r>
-              <a:rPr lang="en-US" dirty="0"/>
+              <a:rPr lang="en-US" sz="3200" dirty="0"/>
               <a:t>Steps to create and configure the java project</a:t>
             </a:r>
           </a:p>
           <a:p>
-            <a:endParaRPr lang="en-US" dirty="0"/>
+            <a:endParaRPr lang="en-US" sz="3200" dirty="0"/>
           </a:p>
           <a:p>
             <a:pPr marL="457200" indent="-457200">
@@ -12668,7 +12668,7 @@
               <a:buChar char="Ø"/>
             </a:pPr>
             <a:r>
-              <a:rPr lang="en-US" sz="3500" dirty="0"/>
+              <a:rPr lang="en-US" sz="3200" dirty="0"/>
               <a:t>Create new maven project</a:t>
             </a:r>
           </a:p>
@@ -12678,7 +12678,7 @@
               <a:buChar char="Ø"/>
             </a:pPr>
             <a:r>
-              <a:rPr lang="en-US" sz="3500" dirty="0"/>
+              <a:rPr lang="en-US" sz="3200" dirty="0"/>
               <a:t>Add the selenium dependencies </a:t>
             </a:r>
           </a:p>
@@ -12688,7 +12688,7 @@
               <a:buChar char="Ø"/>
             </a:pPr>
             <a:r>
-              <a:rPr lang="en-US" sz="3500" dirty="0"/>
+              <a:rPr lang="en-US" sz="3200" dirty="0"/>
               <a:t>Create a new class file with a main method</a:t>
             </a:r>
           </a:p>
@@ -12698,12 +12698,12 @@
               <a:buChar char="Ø"/>
             </a:pPr>
             <a:r>
-              <a:rPr lang="en-US" sz="3500" dirty="0"/>
+              <a:rPr lang="en-US" sz="3200" dirty="0"/>
               <a:t>Set the system property</a:t>
             </a:r>
           </a:p>
           <a:p>
-            <a:endParaRPr lang="en-US" dirty="0"/>
+            <a:endParaRPr lang="en-US" sz="3200" dirty="0"/>
           </a:p>
         </p:txBody>
       </p:sp>
@@ -14193,15 +14193,15 @@
           <a:p>
             <a:r>
               <a:rPr lang="en-US" dirty="0"/>
-              <a:t>Applying advanced </a:t>
-            </a:r>
-            <a:r>
-              <a:rPr lang="en-US" dirty="0" err="1"/>
-              <a:t>webdriver</a:t>
+              <a:t>Applying </a:t>
+            </a:r>
+            <a:r>
+              <a:rPr lang="en-US"/>
+              <a:t>advanced web-driver </a:t>
             </a:r>
             <a:r>
               <a:rPr lang="en-US" dirty="0"/>
-              <a:t> techniques </a:t>
+              <a:t>techniques </a:t>
             </a:r>
             <a:endParaRPr lang="es-MX" dirty="0"/>
           </a:p>
@@ -16286,8 +16286,8 @@
         </p:nvSpPr>
         <p:spPr>
           <a:xfrm>
-            <a:off x="1927224" y="2002988"/>
-            <a:ext cx="8659682" cy="4011918"/>
+            <a:off x="1927224" y="2115657"/>
+            <a:ext cx="8659682" cy="3627306"/>
           </a:xfrm>
           <a:prstGeom prst="rect">
             <a:avLst/>
@@ -16295,7 +16295,7 @@
         </p:spPr>
         <p:txBody>
           <a:bodyPr vert="horz" lIns="91440" tIns="45720" rIns="91440" bIns="45720" rtlCol="0" anchor="b">
-            <a:normAutofit fontScale="92500" lnSpcReduction="10000"/>
+            <a:normAutofit/>
           </a:bodyPr>
           <a:lstStyle>
             <a:lvl1pPr algn="l" defTabSz="914400" rtl="0" eaLnBrk="1" latinLnBrk="0" hangingPunct="1">
@@ -16318,20 +16318,20 @@
           </a:lstStyle>
           <a:p>
             <a:r>
-              <a:rPr lang="en-US" sz="3600" cap="none" dirty="0"/>
+              <a:rPr lang="en-US" sz="3200" cap="none" dirty="0"/>
               <a:t>We can take one of our selenium scripts and execute them in a cloud or remote base scenario, to do this we direct our script to a server we had configured, and each test can be configure to execute in a different server or use specified driver.</a:t>
             </a:r>
             <a:r>
-              <a:rPr lang="en-US" dirty="0"/>
+              <a:rPr lang="en-US" sz="3200" dirty="0"/>
               <a:t> </a:t>
             </a:r>
           </a:p>
           <a:p>
             <a:r>
-              <a:rPr lang="en-US" sz="3600" cap="none" dirty="0"/>
+              <a:rPr lang="en-US" sz="3200" cap="none" dirty="0"/>
               <a:t>Sample we can have a UNIX server running chrome driver and we can have another one with IOS running a safari driver</a:t>
             </a:r>
-            <a:endParaRPr lang="es-MX" sz="3600" cap="none" dirty="0"/>
+            <a:endParaRPr lang="es-MX" sz="3200" cap="none" dirty="0"/>
           </a:p>
         </p:txBody>
       </p:sp>
@@ -16927,8 +16927,8 @@
         </p:nvSpPr>
         <p:spPr>
           <a:xfrm>
-            <a:off x="8670952" y="1485084"/>
-            <a:ext cx="829027" cy="4303320"/>
+            <a:off x="8670952" y="1485083"/>
+            <a:ext cx="829027" cy="4512945"/>
           </a:xfrm>
           <a:prstGeom prst="rect">
             <a:avLst/>
@@ -17585,8 +17585,8 @@
         </p:nvSpPr>
         <p:spPr>
           <a:xfrm>
-            <a:off x="2079624" y="2130803"/>
-            <a:ext cx="8659682" cy="3162649"/>
+            <a:off x="1927224" y="2492828"/>
+            <a:ext cx="8659682" cy="1918881"/>
           </a:xfrm>
           <a:prstGeom prst="rect">
             <a:avLst/>
@@ -17617,16 +17617,16 @@
           </a:lstStyle>
           <a:p>
             <a:r>
-              <a:rPr lang="en-US" sz="3600" cap="none" dirty="0"/>
+              <a:rPr lang="en-US" sz="3200" cap="none" dirty="0"/>
               <a:t>Grid mode is very similar to Selenium server and in fact is just a functionality built inside of the server.</a:t>
             </a:r>
           </a:p>
           <a:p>
             <a:r>
-              <a:rPr lang="en-US" sz="3600" cap="none" dirty="0"/>
+              <a:rPr lang="en-US" sz="3200" cap="none" dirty="0"/>
               <a:t>This technology allow us to take a test and run it in a numerous of machines which are part of the grid</a:t>
             </a:r>
-            <a:endParaRPr lang="es-MX" sz="3600" cap="none" dirty="0"/>
+            <a:endParaRPr lang="es-MX" sz="3200" cap="none" dirty="0"/>
           </a:p>
         </p:txBody>
       </p:sp>
@@ -19470,8 +19470,8 @@
         </p:nvSpPr>
         <p:spPr>
           <a:xfrm>
-            <a:off x="1928622" y="1863056"/>
-            <a:ext cx="8532450" cy="4307746"/>
+            <a:off x="1927224" y="1970313"/>
+            <a:ext cx="8532450" cy="3166345"/>
           </a:xfrm>
           <a:prstGeom prst="rect">
             <a:avLst/>
@@ -19502,63 +19502,63 @@
           </a:lstStyle>
           <a:p>
             <a:r>
-              <a:rPr lang="en-US" sz="3800" cap="none" dirty="0"/>
+              <a:rPr lang="en-US" sz="3200" cap="none" dirty="0"/>
               <a:t>For this first what we can do is download the stand alone selenium server from:</a:t>
             </a:r>
           </a:p>
           <a:p>
             <a:r>
-              <a:rPr lang="es-MX" sz="3800" cap="none" dirty="0">
+              <a:rPr lang="es-MX" sz="3200" cap="none" dirty="0">
                 <a:hlinkClick r:id="rId2"/>
               </a:rPr>
               <a:t>Https://www.Seleniumhq.Org/download/</a:t>
             </a:r>
-            <a:endParaRPr lang="es-MX" sz="3800" cap="none" dirty="0"/>
-          </a:p>
-          <a:p>
-            <a:r>
-              <a:rPr lang="en-US" sz="3800" cap="none" dirty="0"/>
+            <a:endParaRPr lang="es-MX" sz="3200" cap="none" dirty="0"/>
+          </a:p>
+          <a:p>
+            <a:r>
+              <a:rPr lang="en-US" sz="3200" cap="none" dirty="0"/>
               <a:t>T</a:t>
             </a:r>
             <a:r>
-              <a:rPr lang="es-MX" sz="3800" cap="none" dirty="0" err="1"/>
+              <a:rPr lang="es-MX" sz="3200" cap="none" dirty="0" err="1"/>
               <a:t>his</a:t>
             </a:r>
             <a:r>
-              <a:rPr lang="es-MX" sz="3800" cap="none" dirty="0"/>
+              <a:rPr lang="es-MX" sz="3200" cap="none" dirty="0"/>
               <a:t> </a:t>
             </a:r>
             <a:r>
-              <a:rPr lang="es-MX" sz="3800" cap="none" dirty="0" err="1"/>
+              <a:rPr lang="es-MX" sz="3200" cap="none" dirty="0" err="1"/>
               <a:t>will</a:t>
             </a:r>
             <a:r>
-              <a:rPr lang="es-MX" sz="3800" cap="none" dirty="0"/>
+              <a:rPr lang="es-MX" sz="3200" cap="none" dirty="0"/>
               <a:t> </a:t>
             </a:r>
             <a:r>
-              <a:rPr lang="es-MX" sz="3800" cap="none" dirty="0" err="1"/>
+              <a:rPr lang="es-MX" sz="3200" cap="none" dirty="0" err="1"/>
               <a:t>download</a:t>
             </a:r>
             <a:r>
-              <a:rPr lang="es-MX" sz="3800" cap="none" dirty="0"/>
+              <a:rPr lang="es-MX" sz="3200" cap="none" dirty="0"/>
               <a:t> a </a:t>
             </a:r>
             <a:r>
-              <a:rPr lang="es-MX" sz="3800" cap="none" dirty="0" err="1"/>
+              <a:rPr lang="es-MX" sz="3200" cap="none" dirty="0" err="1"/>
               <a:t>jar</a:t>
             </a:r>
             <a:r>
-              <a:rPr lang="es-MX" sz="3800" cap="none" dirty="0"/>
+              <a:rPr lang="es-MX" sz="3200" cap="none" dirty="0"/>
               <a:t> file.</a:t>
             </a:r>
           </a:p>
           <a:p>
             <a:r>
-              <a:rPr lang="en-US" sz="3800" cap="none" dirty="0"/>
+              <a:rPr lang="en-US" sz="3200" cap="none" dirty="0"/>
               <a:t>The way we configure this is through console, we have to generate the hub, then we have to register the nodes under that hub.</a:t>
             </a:r>
-            <a:endParaRPr lang="es-MX" dirty="0"/>
+            <a:endParaRPr lang="es-MX" sz="3200" dirty="0"/>
           </a:p>
         </p:txBody>
       </p:sp>
@@ -20428,8 +20428,8 @@
         </p:nvSpPr>
         <p:spPr>
           <a:xfrm>
-            <a:off x="1914524" y="2876550"/>
-            <a:ext cx="9223376" cy="1104899"/>
+            <a:off x="1914524" y="2362200"/>
+            <a:ext cx="9223376" cy="1619249"/>
           </a:xfrm>
         </p:spPr>
         <p:txBody>
@@ -20442,6 +20442,9 @@
               <a:rPr lang="en-US" dirty="0"/>
               <a:t>References</a:t>
             </a:r>
+            <a:br>
+              <a:rPr lang="en-US" dirty="0"/>
+            </a:br>
             <a:br>
               <a:rPr lang="en-US" dirty="0"/>
             </a:br>
@@ -20616,8 +20619,8 @@
         </p:nvSpPr>
         <p:spPr>
           <a:xfrm>
-            <a:off x="1952624" y="1809749"/>
-            <a:ext cx="9794876" cy="4324350"/>
+            <a:off x="1952624" y="1807029"/>
+            <a:ext cx="9794876" cy="3184070"/>
           </a:xfrm>
           <a:prstGeom prst="rect">
             <a:avLst/>
@@ -20625,7 +20628,7 @@
         </p:spPr>
         <p:txBody>
           <a:bodyPr vert="horz" lIns="91440" tIns="45720" rIns="91440" bIns="45720" rtlCol="0" anchor="b">
-            <a:normAutofit fontScale="92500" lnSpcReduction="10000"/>
+            <a:normAutofit/>
           </a:bodyPr>
           <a:lstStyle>
             <a:lvl1pPr algn="l" defTabSz="914400" rtl="0" eaLnBrk="1" latinLnBrk="0" hangingPunct="1">
@@ -20648,12 +20651,12 @@
           </a:lstStyle>
           <a:p>
             <a:r>
-              <a:rPr lang="en-US" cap="none" dirty="0"/>
+              <a:rPr lang="en-US" sz="3200" cap="none" dirty="0"/>
               <a:t>Why automate testing</a:t>
             </a:r>
           </a:p>
           <a:p>
-            <a:endParaRPr lang="en-US" cap="none" dirty="0"/>
+            <a:endParaRPr lang="en-US" sz="3200" cap="none" dirty="0"/>
           </a:p>
           <a:p>
             <a:pPr marL="685800" indent="-685800">
@@ -20661,7 +20664,7 @@
               <a:buChar char="Ø"/>
             </a:pPr>
             <a:r>
-              <a:rPr lang="en-US" sz="4300" cap="none" dirty="0"/>
+              <a:rPr lang="en-US" sz="3200" cap="none" dirty="0"/>
               <a:t>It help us to not re-introduce bugs into our code base.</a:t>
             </a:r>
           </a:p>
@@ -20671,59 +20674,59 @@
               <a:buChar char="Ø"/>
             </a:pPr>
             <a:r>
-              <a:rPr lang="en-US" sz="4300" cap="none" dirty="0"/>
+              <a:rPr lang="en-US" sz="3200" cap="none" dirty="0"/>
               <a:t>Now a days Is common to develop apps in a concurrent way</a:t>
             </a:r>
             <a:r>
-              <a:rPr lang="es-MX" sz="4300" cap="none" dirty="0"/>
+              <a:rPr lang="es-MX" sz="3200" cap="none" dirty="0"/>
               <a:t>, so </a:t>
             </a:r>
             <a:r>
-              <a:rPr lang="es-MX" sz="4300" cap="none" dirty="0" err="1"/>
+              <a:rPr lang="es-MX" sz="3200" cap="none" dirty="0" err="1"/>
               <a:t>we</a:t>
             </a:r>
             <a:r>
-              <a:rPr lang="es-MX" sz="4300" cap="none" dirty="0"/>
+              <a:rPr lang="es-MX" sz="3200" cap="none" dirty="0"/>
               <a:t> can </a:t>
             </a:r>
             <a:r>
-              <a:rPr lang="es-MX" sz="4300" cap="none" dirty="0" err="1"/>
+              <a:rPr lang="es-MX" sz="3200" cap="none" dirty="0" err="1"/>
               <a:t>just</a:t>
             </a:r>
             <a:r>
-              <a:rPr lang="es-MX" sz="4300" cap="none" dirty="0"/>
+              <a:rPr lang="es-MX" sz="3200" cap="none" dirty="0"/>
               <a:t> run </a:t>
             </a:r>
             <a:r>
-              <a:rPr lang="es-MX" sz="4300" cap="none" dirty="0" err="1"/>
+              <a:rPr lang="es-MX" sz="3200" cap="none" dirty="0" err="1"/>
               <a:t>the</a:t>
             </a:r>
             <a:r>
-              <a:rPr lang="es-MX" sz="4300" cap="none" dirty="0"/>
+              <a:rPr lang="es-MX" sz="3200" cap="none" dirty="0"/>
               <a:t> </a:t>
             </a:r>
             <a:r>
-              <a:rPr lang="es-MX" sz="4300" cap="none" dirty="0" err="1"/>
+              <a:rPr lang="es-MX" sz="3200" cap="none" dirty="0" err="1"/>
               <a:t>automated</a:t>
             </a:r>
             <a:r>
-              <a:rPr lang="es-MX" sz="4300" cap="none" dirty="0"/>
+              <a:rPr lang="es-MX" sz="3200" cap="none" dirty="0"/>
               <a:t> test in </a:t>
             </a:r>
             <a:r>
-              <a:rPr lang="es-MX" sz="4300" cap="none" dirty="0" err="1"/>
+              <a:rPr lang="es-MX" sz="3200" cap="none" dirty="0" err="1"/>
               <a:t>all</a:t>
             </a:r>
             <a:r>
-              <a:rPr lang="es-MX" sz="4300" cap="none" dirty="0"/>
+              <a:rPr lang="es-MX" sz="3200" cap="none" dirty="0"/>
               <a:t> </a:t>
             </a:r>
             <a:r>
-              <a:rPr lang="es-MX" sz="4300" cap="none" dirty="0" err="1"/>
+              <a:rPr lang="es-MX" sz="3200" cap="none" dirty="0" err="1"/>
               <a:t>location</a:t>
             </a:r>
             <a:r>
-              <a:rPr lang="es-MX" sz="4300" cap="none" dirty="0"/>
+              <a:rPr lang="es-MX" sz="3200" cap="none" dirty="0"/>
               <a:t>.</a:t>
             </a:r>
           </a:p>
@@ -20733,7 +20736,7 @@
               <a:buChar char="Ø"/>
             </a:pPr>
             <a:r>
-              <a:rPr lang="en-US" cap="none" dirty="0"/>
+              <a:rPr lang="en-US" sz="3200" cap="none" dirty="0"/>
               <a:t>It test just like an end user does.</a:t>
             </a:r>
           </a:p>
